--- a/Week04/Smooth Sort.pptx
+++ b/Week04/Smooth Sort.pptx
@@ -9,14 +9,15 @@
     <p:sldId id="272" r:id="rId3"/>
     <p:sldId id="258" r:id="rId4"/>
     <p:sldId id="259" r:id="rId5"/>
-    <p:sldId id="260" r:id="rId6"/>
-    <p:sldId id="273" r:id="rId7"/>
-    <p:sldId id="264" r:id="rId8"/>
-    <p:sldId id="267" r:id="rId9"/>
-    <p:sldId id="268" r:id="rId10"/>
-    <p:sldId id="269" r:id="rId11"/>
-    <p:sldId id="270" r:id="rId12"/>
-    <p:sldId id="271" r:id="rId13"/>
+    <p:sldId id="274" r:id="rId6"/>
+    <p:sldId id="260" r:id="rId7"/>
+    <p:sldId id="273" r:id="rId8"/>
+    <p:sldId id="264" r:id="rId9"/>
+    <p:sldId id="267" r:id="rId10"/>
+    <p:sldId id="268" r:id="rId11"/>
+    <p:sldId id="269" r:id="rId12"/>
+    <p:sldId id="270" r:id="rId13"/>
+    <p:sldId id="271" r:id="rId14"/>
   </p:sldIdLst>
   <p:sldSz cx="12192000" cy="6858000"/>
   <p:notesSz cx="6858000" cy="9144000"/>
@@ -115,6 +116,11 @@
       </a:defRPr>
     </a:lvl9pPr>
   </p:defaultTextStyle>
+  <p:extLst>
+    <p:ext uri="{EFAFB233-063F-42B5-8137-9DF3F51BA10A}">
+      <p15:sldGuideLst xmlns:p15="http://schemas.microsoft.com/office/powerpoint/2012/main"/>
+    </p:ext>
+  </p:extLst>
 </p:presentation>
 </file>
 
@@ -265,7 +271,7 @@
           <a:p>
             <a:fld id="{41F56009-0BFF-44F2-8D17-2AD94AC1F775}" type="datetimeFigureOut">
               <a:rPr lang="ko-KR" altLang="en-US" smtClean="0"/>
-              <a:t>2023-02-01</a:t>
+              <a:t>2023-02-02</a:t>
             </a:fld>
             <a:endParaRPr lang="ko-KR" altLang="en-US"/>
           </a:p>
@@ -463,7 +469,7 @@
           <a:p>
             <a:fld id="{41F56009-0BFF-44F2-8D17-2AD94AC1F775}" type="datetimeFigureOut">
               <a:rPr lang="ko-KR" altLang="en-US" smtClean="0"/>
-              <a:t>2023-02-01</a:t>
+              <a:t>2023-02-02</a:t>
             </a:fld>
             <a:endParaRPr lang="ko-KR" altLang="en-US"/>
           </a:p>
@@ -671,7 +677,7 @@
           <a:p>
             <a:fld id="{41F56009-0BFF-44F2-8D17-2AD94AC1F775}" type="datetimeFigureOut">
               <a:rPr lang="ko-KR" altLang="en-US" smtClean="0"/>
-              <a:t>2023-02-01</a:t>
+              <a:t>2023-02-02</a:t>
             </a:fld>
             <a:endParaRPr lang="ko-KR" altLang="en-US"/>
           </a:p>
@@ -869,7 +875,7 @@
           <a:p>
             <a:fld id="{41F56009-0BFF-44F2-8D17-2AD94AC1F775}" type="datetimeFigureOut">
               <a:rPr lang="ko-KR" altLang="en-US" smtClean="0"/>
-              <a:t>2023-02-01</a:t>
+              <a:t>2023-02-02</a:t>
             </a:fld>
             <a:endParaRPr lang="ko-KR" altLang="en-US"/>
           </a:p>
@@ -1144,7 +1150,7 @@
           <a:p>
             <a:fld id="{41F56009-0BFF-44F2-8D17-2AD94AC1F775}" type="datetimeFigureOut">
               <a:rPr lang="ko-KR" altLang="en-US" smtClean="0"/>
-              <a:t>2023-02-01</a:t>
+              <a:t>2023-02-02</a:t>
             </a:fld>
             <a:endParaRPr lang="ko-KR" altLang="en-US"/>
           </a:p>
@@ -1409,7 +1415,7 @@
           <a:p>
             <a:fld id="{41F56009-0BFF-44F2-8D17-2AD94AC1F775}" type="datetimeFigureOut">
               <a:rPr lang="ko-KR" altLang="en-US" smtClean="0"/>
-              <a:t>2023-02-01</a:t>
+              <a:t>2023-02-02</a:t>
             </a:fld>
             <a:endParaRPr lang="ko-KR" altLang="en-US"/>
           </a:p>
@@ -1821,7 +1827,7 @@
           <a:p>
             <a:fld id="{41F56009-0BFF-44F2-8D17-2AD94AC1F775}" type="datetimeFigureOut">
               <a:rPr lang="ko-KR" altLang="en-US" smtClean="0"/>
-              <a:t>2023-02-01</a:t>
+              <a:t>2023-02-02</a:t>
             </a:fld>
             <a:endParaRPr lang="ko-KR" altLang="en-US"/>
           </a:p>
@@ -1962,7 +1968,7 @@
           <a:p>
             <a:fld id="{41F56009-0BFF-44F2-8D17-2AD94AC1F775}" type="datetimeFigureOut">
               <a:rPr lang="ko-KR" altLang="en-US" smtClean="0"/>
-              <a:t>2023-02-01</a:t>
+              <a:t>2023-02-02</a:t>
             </a:fld>
             <a:endParaRPr lang="ko-KR" altLang="en-US"/>
           </a:p>
@@ -2075,7 +2081,7 @@
           <a:p>
             <a:fld id="{41F56009-0BFF-44F2-8D17-2AD94AC1F775}" type="datetimeFigureOut">
               <a:rPr lang="ko-KR" altLang="en-US" smtClean="0"/>
-              <a:t>2023-02-01</a:t>
+              <a:t>2023-02-02</a:t>
             </a:fld>
             <a:endParaRPr lang="ko-KR" altLang="en-US"/>
           </a:p>
@@ -2386,7 +2392,7 @@
           <a:p>
             <a:fld id="{41F56009-0BFF-44F2-8D17-2AD94AC1F775}" type="datetimeFigureOut">
               <a:rPr lang="ko-KR" altLang="en-US" smtClean="0"/>
-              <a:t>2023-02-01</a:t>
+              <a:t>2023-02-02</a:t>
             </a:fld>
             <a:endParaRPr lang="ko-KR" altLang="en-US"/>
           </a:p>
@@ -2674,7 +2680,7 @@
           <a:p>
             <a:fld id="{41F56009-0BFF-44F2-8D17-2AD94AC1F775}" type="datetimeFigureOut">
               <a:rPr lang="ko-KR" altLang="en-US" smtClean="0"/>
-              <a:t>2023-02-01</a:t>
+              <a:t>2023-02-02</a:t>
             </a:fld>
             <a:endParaRPr lang="ko-KR" altLang="en-US"/>
           </a:p>
@@ -2915,7 +2921,7 @@
           <a:p>
             <a:fld id="{41F56009-0BFF-44F2-8D17-2AD94AC1F775}" type="datetimeFigureOut">
               <a:rPr lang="ko-KR" altLang="en-US" smtClean="0"/>
-              <a:t>2023-02-01</a:t>
+              <a:t>2023-02-02</a:t>
             </a:fld>
             <a:endParaRPr lang="ko-KR" altLang="en-US"/>
           </a:p>
@@ -3416,7 +3422,7 @@
           <p:cNvPr id="2" name="제목 1">
             <a:extLst>
               <a:ext uri="{FF2B5EF4-FFF2-40B4-BE49-F238E27FC236}">
-                <a16:creationId xmlns:a16="http://schemas.microsoft.com/office/drawing/2014/main" id="{662A4258-228E-346C-1074-9741DFAD58C3}"/>
+                <a16:creationId xmlns:a16="http://schemas.microsoft.com/office/drawing/2014/main" id="{87060294-DC48-E85E-E1BF-5C2951A83917}"/>
               </a:ext>
             </a:extLst>
           </p:cNvPr>
@@ -3433,7 +3439,101 @@
           <a:lstStyle/>
           <a:p>
             <a:r>
-              <a:rPr lang="ko-KR" altLang="en-US" dirty="0"/>
+              <a:rPr lang="ko-KR" altLang="en-US" dirty="0">
+                <a:latin typeface="메이플스토리" panose="02000300000000000000" pitchFamily="2" charset="-127"/>
+                <a:ea typeface="메이플스토리" panose="02000300000000000000" pitchFamily="2" charset="-127"/>
+              </a:rPr>
+              <a:t>중요 코드</a:t>
+            </a:r>
+          </a:p>
+        </p:txBody>
+      </p:sp>
+      <p:pic>
+        <p:nvPicPr>
+          <p:cNvPr id="5" name="그림 4">
+            <a:extLst>
+              <a:ext uri="{FF2B5EF4-FFF2-40B4-BE49-F238E27FC236}">
+                <a16:creationId xmlns:a16="http://schemas.microsoft.com/office/drawing/2014/main" id="{9252BB7D-0BBF-7831-CAA5-354F7DDC661C}"/>
+              </a:ext>
+            </a:extLst>
+          </p:cNvPr>
+          <p:cNvPicPr>
+            <a:picLocks noChangeAspect="1"/>
+          </p:cNvPicPr>
+          <p:nvPr/>
+        </p:nvPicPr>
+        <p:blipFill>
+          <a:blip r:embed="rId2"/>
+          <a:stretch>
+            <a:fillRect/>
+          </a:stretch>
+        </p:blipFill>
+        <p:spPr>
+          <a:xfrm>
+            <a:off x="1239074" y="2023384"/>
+            <a:ext cx="9713851" cy="3248463"/>
+          </a:xfrm>
+          <a:prstGeom prst="rect">
+            <a:avLst/>
+          </a:prstGeom>
+        </p:spPr>
+      </p:pic>
+    </p:spTree>
+    <p:extLst>
+      <p:ext uri="{BB962C8B-B14F-4D97-AF65-F5344CB8AC3E}">
+        <p14:creationId xmlns:p14="http://schemas.microsoft.com/office/powerpoint/2010/main" val="307193445"/>
+      </p:ext>
+    </p:extLst>
+  </p:cSld>
+  <p:clrMapOvr>
+    <a:masterClrMapping/>
+  </p:clrMapOvr>
+</p:sld>
+</file>
+
+<file path=ppt/slides/slide11.xml><?xml version="1.0" encoding="utf-8"?>
+<p:sld xmlns:a="http://schemas.openxmlformats.org/drawingml/2006/main" xmlns:r="http://schemas.openxmlformats.org/officeDocument/2006/relationships" xmlns:p="http://schemas.openxmlformats.org/presentationml/2006/main">
+  <p:cSld>
+    <p:spTree>
+      <p:nvGrpSpPr>
+        <p:cNvPr id="1" name=""/>
+        <p:cNvGrpSpPr/>
+        <p:nvPr/>
+      </p:nvGrpSpPr>
+      <p:grpSpPr>
+        <a:xfrm>
+          <a:off x="0" y="0"/>
+          <a:ext cx="0" cy="0"/>
+          <a:chOff x="0" y="0"/>
+          <a:chExt cx="0" cy="0"/>
+        </a:xfrm>
+      </p:grpSpPr>
+      <p:sp>
+        <p:nvSpPr>
+          <p:cNvPr id="2" name="제목 1">
+            <a:extLst>
+              <a:ext uri="{FF2B5EF4-FFF2-40B4-BE49-F238E27FC236}">
+                <a16:creationId xmlns:a16="http://schemas.microsoft.com/office/drawing/2014/main" id="{662A4258-228E-346C-1074-9741DFAD58C3}"/>
+              </a:ext>
+            </a:extLst>
+          </p:cNvPr>
+          <p:cNvSpPr>
+            <a:spLocks noGrp="1"/>
+          </p:cNvSpPr>
+          <p:nvPr>
+            <p:ph type="title"/>
+          </p:nvPr>
+        </p:nvSpPr>
+        <p:spPr/>
+        <p:txBody>
+          <a:bodyPr/>
+          <a:lstStyle/>
+          <a:p>
+            <a:r>
+              <a:rPr lang="ko-KR" altLang="en-US" dirty="0">
+                <a:latin typeface="메이플스토리" panose="02000300000000000000" pitchFamily="2" charset="-127"/>
+                <a:ea typeface="메이플스토리" panose="02000300000000000000" pitchFamily="2" charset="-127"/>
+              </a:rPr>
               <a:t>중요 코드</a:t>
             </a:r>
           </a:p>
@@ -3482,7 +3582,7 @@
 </p:sld>
 </file>
 
-<file path=ppt/slides/slide11.xml><?xml version="1.0" encoding="utf-8"?>
+<file path=ppt/slides/slide12.xml><?xml version="1.0" encoding="utf-8"?>
 <p:sld xmlns:a="http://schemas.openxmlformats.org/drawingml/2006/main" xmlns:r="http://schemas.openxmlformats.org/officeDocument/2006/relationships" xmlns:p="http://schemas.openxmlformats.org/presentationml/2006/main">
   <p:cSld>
     <p:spTree>
@@ -3521,7 +3621,10 @@
           <a:lstStyle/>
           <a:p>
             <a:r>
-              <a:rPr lang="ko-KR" altLang="en-US" dirty="0"/>
+              <a:rPr lang="ko-KR" altLang="en-US" dirty="0">
+                <a:latin typeface="메이플스토리" panose="02000300000000000000" pitchFamily="2" charset="-127"/>
+                <a:ea typeface="메이플스토리" panose="02000300000000000000" pitchFamily="2" charset="-127"/>
+              </a:rPr>
               <a:t>중요 코드</a:t>
             </a:r>
           </a:p>
@@ -3615,7 +3718,10 @@
           <a:lstStyle/>
           <a:p>
             <a:r>
-              <a:rPr lang="ko-KR" altLang="en-US" sz="2400" b="1" dirty="0"/>
+              <a:rPr lang="ko-KR" altLang="en-US" sz="2400" b="1" dirty="0">
+                <a:latin typeface="메이플스토리" panose="02000300000000000000" pitchFamily="2" charset="-127"/>
+                <a:ea typeface="메이플스토리" panose="02000300000000000000" pitchFamily="2" charset="-127"/>
+              </a:rPr>
               <a:t>결과값</a:t>
             </a:r>
           </a:p>
@@ -3669,7 +3775,10 @@
           <a:lstStyle/>
           <a:p>
             <a:pPr algn="ctr"/>
-            <a:endParaRPr lang="ko-KR" altLang="en-US"/>
+            <a:endParaRPr lang="ko-KR" altLang="en-US">
+              <a:latin typeface="메이플스토리" panose="02000300000000000000" pitchFamily="2" charset="-127"/>
+              <a:ea typeface="메이플스토리" panose="02000300000000000000" pitchFamily="2" charset="-127"/>
+            </a:endParaRPr>
           </a:p>
         </p:txBody>
       </p:sp>
@@ -3686,7 +3795,7 @@
 </p:sld>
 </file>
 
-<file path=ppt/slides/slide12.xml><?xml version="1.0" encoding="utf-8"?>
+<file path=ppt/slides/slide13.xml><?xml version="1.0" encoding="utf-8"?>
 <p:sld xmlns:a="http://schemas.openxmlformats.org/drawingml/2006/main" xmlns:r="http://schemas.openxmlformats.org/officeDocument/2006/relationships" xmlns:p="http://schemas.openxmlformats.org/presentationml/2006/main">
   <p:cSld>
     <p:spTree>
@@ -3725,7 +3834,10 @@
           <a:lstStyle/>
           <a:p>
             <a:r>
-              <a:rPr lang="ko-KR" altLang="en-US" dirty="0"/>
+              <a:rPr lang="ko-KR" altLang="en-US" dirty="0">
+                <a:latin typeface="메이플스토리" panose="02000300000000000000" pitchFamily="2" charset="-127"/>
+                <a:ea typeface="메이플스토리" panose="02000300000000000000" pitchFamily="2" charset="-127"/>
+              </a:rPr>
               <a:t>좀 더 데이터가 많은 예시</a:t>
             </a:r>
           </a:p>
@@ -3952,18 +4064,30 @@
           <a:lstStyle/>
           <a:p>
             <a:r>
-              <a:rPr lang="en-US" altLang="ko-KR" dirty="0"/>
+              <a:rPr lang="en-US" altLang="ko-KR" dirty="0">
+                <a:latin typeface="메이플스토리" panose="02000300000000000000" pitchFamily="2" charset="-127"/>
+                <a:ea typeface="메이플스토리" panose="02000300000000000000" pitchFamily="2" charset="-127"/>
+              </a:rPr>
               <a:t>Smooth Sort</a:t>
             </a:r>
             <a:r>
-              <a:rPr lang="ko-KR" altLang="en-US" dirty="0"/>
+              <a:rPr lang="ko-KR" altLang="en-US" dirty="0">
+                <a:latin typeface="메이플스토리" panose="02000300000000000000" pitchFamily="2" charset="-127"/>
+                <a:ea typeface="메이플스토리" panose="02000300000000000000" pitchFamily="2" charset="-127"/>
+              </a:rPr>
               <a:t>란</a:t>
             </a:r>
             <a:r>
-              <a:rPr lang="en-US" altLang="ko-KR" dirty="0"/>
+              <a:rPr lang="en-US" altLang="ko-KR" dirty="0">
+                <a:latin typeface="메이플스토리" panose="02000300000000000000" pitchFamily="2" charset="-127"/>
+                <a:ea typeface="메이플스토리" panose="02000300000000000000" pitchFamily="2" charset="-127"/>
+              </a:rPr>
               <a:t>?</a:t>
             </a:r>
-            <a:endParaRPr lang="ko-KR" altLang="en-US" dirty="0"/>
+            <a:endParaRPr lang="ko-KR" altLang="en-US" dirty="0">
+              <a:latin typeface="메이플스토리" panose="02000300000000000000" pitchFamily="2" charset="-127"/>
+              <a:ea typeface="메이플스토리" panose="02000300000000000000" pitchFamily="2" charset="-127"/>
+            </a:endParaRPr>
           </a:p>
         </p:txBody>
       </p:sp>
@@ -3989,89 +4113,149 @@
           <a:lstStyle/>
           <a:p>
             <a:r>
-              <a:rPr lang="en-US" altLang="ko-KR" dirty="0" err="1"/>
+              <a:rPr lang="en-US" altLang="ko-KR" dirty="0" err="1">
+                <a:latin typeface="메이플스토리" panose="02000300000000000000" pitchFamily="2" charset="-127"/>
+                <a:ea typeface="메이플스토리" panose="02000300000000000000" pitchFamily="2" charset="-127"/>
+              </a:rPr>
               <a:t>HeapSort</a:t>
             </a:r>
             <a:r>
-              <a:rPr lang="ko-KR" altLang="en-US" dirty="0"/>
+              <a:rPr lang="ko-KR" altLang="en-US" dirty="0">
+                <a:latin typeface="메이플스토리" panose="02000300000000000000" pitchFamily="2" charset="-127"/>
+                <a:ea typeface="메이플스토리" panose="02000300000000000000" pitchFamily="2" charset="-127"/>
+              </a:rPr>
               <a:t>의 변형 중 하나</a:t>
             </a:r>
           </a:p>
           <a:p>
             <a:r>
-              <a:rPr lang="en-US" altLang="ko-KR" dirty="0"/>
+              <a:rPr lang="en-US" altLang="ko-KR" dirty="0">
+                <a:latin typeface="메이플스토리" panose="02000300000000000000" pitchFamily="2" charset="-127"/>
+                <a:ea typeface="메이플스토리" panose="02000300000000000000" pitchFamily="2" charset="-127"/>
+              </a:rPr>
               <a:t>Leonardo number</a:t>
             </a:r>
             <a:r>
-              <a:rPr lang="ko-KR" altLang="en-US" dirty="0"/>
+              <a:rPr lang="ko-KR" altLang="en-US" dirty="0">
+                <a:latin typeface="메이플스토리" panose="02000300000000000000" pitchFamily="2" charset="-127"/>
+                <a:ea typeface="메이플스토리" panose="02000300000000000000" pitchFamily="2" charset="-127"/>
+              </a:rPr>
               <a:t>라는 수학 개념을 적용</a:t>
             </a:r>
           </a:p>
           <a:p>
-            <a:endParaRPr lang="ko-KR" altLang="en-US" dirty="0"/>
-          </a:p>
-          <a:p>
-            <a:r>
-              <a:rPr lang="en-US" altLang="ko-KR" dirty="0"/>
+            <a:endParaRPr lang="ko-KR" altLang="en-US" dirty="0">
+              <a:latin typeface="메이플스토리" panose="02000300000000000000" pitchFamily="2" charset="-127"/>
+              <a:ea typeface="메이플스토리" panose="02000300000000000000" pitchFamily="2" charset="-127"/>
+            </a:endParaRPr>
+          </a:p>
+          <a:p>
+            <a:r>
+              <a:rPr lang="en-US" altLang="ko-KR" dirty="0">
+                <a:latin typeface="메이플스토리" panose="02000300000000000000" pitchFamily="2" charset="-127"/>
+                <a:ea typeface="메이플스토리" panose="02000300000000000000" pitchFamily="2" charset="-127"/>
+              </a:rPr>
               <a:t>In-place: </a:t>
             </a:r>
             <a:r>
-              <a:rPr lang="ko-KR" altLang="en-US" dirty="0"/>
+              <a:rPr lang="ko-KR" altLang="en-US" dirty="0">
+                <a:latin typeface="메이플스토리" panose="02000300000000000000" pitchFamily="2" charset="-127"/>
+                <a:ea typeface="메이플스토리" panose="02000300000000000000" pitchFamily="2" charset="-127"/>
+              </a:rPr>
               <a:t>원소들의 개수에 비해 적은 저장 공간만을 더 사용</a:t>
             </a:r>
           </a:p>
           <a:p>
             <a:r>
-              <a:rPr lang="en-US" altLang="ko-KR" dirty="0"/>
+              <a:rPr lang="en-US" altLang="ko-KR" dirty="0">
+                <a:latin typeface="메이플스토리" panose="02000300000000000000" pitchFamily="2" charset="-127"/>
+                <a:ea typeface="메이플스토리" panose="02000300000000000000" pitchFamily="2" charset="-127"/>
+              </a:rPr>
               <a:t>Not stable: </a:t>
             </a:r>
             <a:r>
-              <a:rPr lang="ko-KR" altLang="en-US" dirty="0"/>
+              <a:rPr lang="ko-KR" altLang="en-US" dirty="0">
+                <a:latin typeface="메이플스토리" panose="02000300000000000000" pitchFamily="2" charset="-127"/>
+                <a:ea typeface="메이플스토리" panose="02000300000000000000" pitchFamily="2" charset="-127"/>
+              </a:rPr>
               <a:t>중복된 </a:t>
             </a:r>
             <a:r>
-              <a:rPr lang="en-US" altLang="ko-KR" dirty="0"/>
+              <a:rPr lang="en-US" altLang="ko-KR" dirty="0">
+                <a:latin typeface="메이플스토리" panose="02000300000000000000" pitchFamily="2" charset="-127"/>
+                <a:ea typeface="메이플스토리" panose="02000300000000000000" pitchFamily="2" charset="-127"/>
+              </a:rPr>
               <a:t>key </a:t>
             </a:r>
             <a:r>
-              <a:rPr lang="ko-KR" altLang="en-US" dirty="0"/>
+              <a:rPr lang="ko-KR" altLang="en-US" dirty="0">
+                <a:latin typeface="메이플스토리" panose="02000300000000000000" pitchFamily="2" charset="-127"/>
+                <a:ea typeface="메이플스토리" panose="02000300000000000000" pitchFamily="2" charset="-127"/>
+              </a:rPr>
               <a:t>값을 순서대로 정렬 </a:t>
             </a:r>
             <a:r>
-              <a:rPr lang="en-US" altLang="ko-KR" dirty="0"/>
+              <a:rPr lang="en-US" altLang="ko-KR" dirty="0">
+                <a:latin typeface="메이플스토리" panose="02000300000000000000" pitchFamily="2" charset="-127"/>
+                <a:ea typeface="메이플스토리" panose="02000300000000000000" pitchFamily="2" charset="-127"/>
+              </a:rPr>
               <a:t>X</a:t>
             </a:r>
           </a:p>
           <a:p>
-            <a:endParaRPr lang="en-US" altLang="ko-KR" dirty="0"/>
-          </a:p>
-          <a:p>
-            <a:r>
-              <a:rPr lang="ko-KR" altLang="en-US" dirty="0"/>
+            <a:endParaRPr lang="en-US" altLang="ko-KR" dirty="0">
+              <a:latin typeface="메이플스토리" panose="02000300000000000000" pitchFamily="2" charset="-127"/>
+              <a:ea typeface="메이플스토리" panose="02000300000000000000" pitchFamily="2" charset="-127"/>
+            </a:endParaRPr>
+          </a:p>
+          <a:p>
+            <a:r>
+              <a:rPr lang="ko-KR" altLang="en-US" dirty="0">
+                <a:latin typeface="메이플스토리" panose="02000300000000000000" pitchFamily="2" charset="-127"/>
+                <a:ea typeface="메이플스토리" panose="02000300000000000000" pitchFamily="2" charset="-127"/>
+              </a:rPr>
               <a:t>장점</a:t>
             </a:r>
             <a:r>
-              <a:rPr lang="en-US" altLang="ko-KR" dirty="0"/>
+              <a:rPr lang="en-US" altLang="ko-KR" dirty="0">
+                <a:latin typeface="메이플스토리" panose="02000300000000000000" pitchFamily="2" charset="-127"/>
+                <a:ea typeface="메이플스토리" panose="02000300000000000000" pitchFamily="2" charset="-127"/>
+              </a:rPr>
               <a:t>: </a:t>
             </a:r>
             <a:r>
-              <a:rPr lang="ko-KR" altLang="en-US" dirty="0" err="1"/>
+              <a:rPr lang="ko-KR" altLang="en-US" dirty="0" err="1">
+                <a:latin typeface="메이플스토리" panose="02000300000000000000" pitchFamily="2" charset="-127"/>
+                <a:ea typeface="메이플스토리" panose="02000300000000000000" pitchFamily="2" charset="-127"/>
+              </a:rPr>
               <a:t>힙</a:t>
             </a:r>
             <a:r>
-              <a:rPr lang="ko-KR" altLang="en-US" dirty="0"/>
+              <a:rPr lang="ko-KR" altLang="en-US" dirty="0">
+                <a:latin typeface="메이플스토리" panose="02000300000000000000" pitchFamily="2" charset="-127"/>
+                <a:ea typeface="메이플스토리" panose="02000300000000000000" pitchFamily="2" charset="-127"/>
+              </a:rPr>
               <a:t> 정렬과는 달리 거의 정렬된 상태의 데이터를 받으면 </a:t>
             </a:r>
             <a:r>
-              <a:rPr lang="en-US" altLang="ko-KR" dirty="0"/>
+              <a:rPr lang="en-US" altLang="ko-KR" dirty="0">
+                <a:latin typeface="메이플스토리" panose="02000300000000000000" pitchFamily="2" charset="-127"/>
+                <a:ea typeface="메이플스토리" panose="02000300000000000000" pitchFamily="2" charset="-127"/>
+              </a:rPr>
               <a:t>O(N)</a:t>
             </a:r>
             <a:r>
-              <a:rPr lang="ko-KR" altLang="en-US" dirty="0"/>
+              <a:rPr lang="ko-KR" altLang="en-US" dirty="0">
+                <a:latin typeface="메이플스토리" panose="02000300000000000000" pitchFamily="2" charset="-127"/>
+                <a:ea typeface="메이플스토리" panose="02000300000000000000" pitchFamily="2" charset="-127"/>
+              </a:rPr>
               <a:t>정도의 시간 밖에 걸리지 않는다</a:t>
             </a:r>
             <a:r>
-              <a:rPr lang="en-US" altLang="ko-KR" dirty="0"/>
+              <a:rPr lang="en-US" altLang="ko-KR" dirty="0">
+                <a:latin typeface="메이플스토리" panose="02000300000000000000" pitchFamily="2" charset="-127"/>
+                <a:ea typeface="메이플스토리" panose="02000300000000000000" pitchFamily="2" charset="-127"/>
+              </a:rPr>
               <a:t>.</a:t>
             </a:r>
           </a:p>
@@ -4129,23 +4313,38 @@
           <a:lstStyle/>
           <a:p>
             <a:r>
-              <a:rPr lang="ko-KR" altLang="en-US" dirty="0"/>
+              <a:rPr lang="ko-KR" altLang="en-US" dirty="0">
+                <a:latin typeface="메이플스토리" panose="02000300000000000000" pitchFamily="2" charset="-127"/>
+                <a:ea typeface="메이플스토리" panose="02000300000000000000" pitchFamily="2" charset="-127"/>
+              </a:rPr>
               <a:t>시간 복잡도 </a:t>
             </a:r>
             <a:r>
-              <a:rPr lang="en-US" altLang="ko-KR" dirty="0"/>
+              <a:rPr lang="en-US" altLang="ko-KR" dirty="0">
+                <a:latin typeface="메이플스토리" panose="02000300000000000000" pitchFamily="2" charset="-127"/>
+                <a:ea typeface="메이플스토리" panose="02000300000000000000" pitchFamily="2" charset="-127"/>
+              </a:rPr>
               <a:t>&amp; </a:t>
             </a:r>
             <a:r>
-              <a:rPr lang="ko-KR" altLang="en-US" dirty="0"/>
+              <a:rPr lang="ko-KR" altLang="en-US" dirty="0">
+                <a:latin typeface="메이플스토리" panose="02000300000000000000" pitchFamily="2" charset="-127"/>
+                <a:ea typeface="메이플스토리" panose="02000300000000000000" pitchFamily="2" charset="-127"/>
+              </a:rPr>
               <a:t>공간</a:t>
             </a:r>
             <a:r>
-              <a:rPr lang="en-US" altLang="ko-KR" dirty="0"/>
+              <a:rPr lang="en-US" altLang="ko-KR" dirty="0">
+                <a:latin typeface="메이플스토리" panose="02000300000000000000" pitchFamily="2" charset="-127"/>
+                <a:ea typeface="메이플스토리" panose="02000300000000000000" pitchFamily="2" charset="-127"/>
+              </a:rPr>
               <a:t> </a:t>
             </a:r>
             <a:r>
-              <a:rPr lang="ko-KR" altLang="en-US" dirty="0"/>
+              <a:rPr lang="ko-KR" altLang="en-US" dirty="0">
+                <a:latin typeface="메이플스토리" panose="02000300000000000000" pitchFamily="2" charset="-127"/>
+                <a:ea typeface="메이플스토리" panose="02000300000000000000" pitchFamily="2" charset="-127"/>
+              </a:rPr>
               <a:t>복잡도</a:t>
             </a:r>
           </a:p>
@@ -4173,64 +4372,106 @@
           <a:lstStyle/>
           <a:p>
             <a:r>
-              <a:rPr lang="ko-KR" altLang="en-US" dirty="0"/>
+              <a:rPr lang="ko-KR" altLang="en-US" dirty="0">
+                <a:latin typeface="메이플스토리" panose="02000300000000000000" pitchFamily="2" charset="-127"/>
+                <a:ea typeface="메이플스토리" panose="02000300000000000000" pitchFamily="2" charset="-127"/>
+              </a:rPr>
               <a:t>시간 복잡도</a:t>
             </a:r>
-            <a:endParaRPr lang="en-US" altLang="ko-KR" dirty="0"/>
+            <a:endParaRPr lang="en-US" altLang="ko-KR" dirty="0">
+              <a:latin typeface="메이플스토리" panose="02000300000000000000" pitchFamily="2" charset="-127"/>
+              <a:ea typeface="메이플스토리" panose="02000300000000000000" pitchFamily="2" charset="-127"/>
+            </a:endParaRPr>
           </a:p>
           <a:p>
             <a:pPr marL="0" indent="0">
               <a:buNone/>
             </a:pPr>
             <a:r>
-              <a:rPr lang="en-US" altLang="ko-KR" dirty="0"/>
+              <a:rPr lang="en-US" altLang="ko-KR" dirty="0">
+                <a:latin typeface="메이플스토리" panose="02000300000000000000" pitchFamily="2" charset="-127"/>
+                <a:ea typeface="메이플스토리" panose="02000300000000000000" pitchFamily="2" charset="-127"/>
+              </a:rPr>
               <a:t>- </a:t>
             </a:r>
             <a:r>
-              <a:rPr lang="ko-KR" altLang="en-US" dirty="0"/>
+              <a:rPr lang="ko-KR" altLang="en-US" dirty="0">
+                <a:latin typeface="메이플스토리" panose="02000300000000000000" pitchFamily="2" charset="-127"/>
+                <a:ea typeface="메이플스토리" panose="02000300000000000000" pitchFamily="2" charset="-127"/>
+              </a:rPr>
               <a:t>최고 </a:t>
             </a:r>
             <a:r>
-              <a:rPr lang="en-US" altLang="ko-KR" dirty="0"/>
+              <a:rPr lang="en-US" altLang="ko-KR" dirty="0">
+                <a:latin typeface="메이플스토리" panose="02000300000000000000" pitchFamily="2" charset="-127"/>
+                <a:ea typeface="메이플스토리" panose="02000300000000000000" pitchFamily="2" charset="-127"/>
+              </a:rPr>
               <a:t>: O(n)</a:t>
             </a:r>
           </a:p>
           <a:p>
             <a:r>
-              <a:rPr lang="ko-KR" altLang="en-US" dirty="0"/>
+              <a:rPr lang="ko-KR" altLang="en-US" dirty="0">
+                <a:latin typeface="메이플스토리" panose="02000300000000000000" pitchFamily="2" charset="-127"/>
+                <a:ea typeface="메이플스토리" panose="02000300000000000000" pitchFamily="2" charset="-127"/>
+              </a:rPr>
               <a:t>평균</a:t>
             </a:r>
             <a:r>
-              <a:rPr lang="en-US" altLang="ko-KR" dirty="0"/>
+              <a:rPr lang="en-US" altLang="ko-KR" dirty="0">
+                <a:latin typeface="메이플스토리" panose="02000300000000000000" pitchFamily="2" charset="-127"/>
+                <a:ea typeface="메이플스토리" panose="02000300000000000000" pitchFamily="2" charset="-127"/>
+              </a:rPr>
               <a:t> : O(</a:t>
             </a:r>
             <a:r>
-              <a:rPr lang="en-US" altLang="ko-KR" dirty="0" err="1"/>
+              <a:rPr lang="en-US" altLang="ko-KR" dirty="0" err="1">
+                <a:latin typeface="메이플스토리" panose="02000300000000000000" pitchFamily="2" charset="-127"/>
+                <a:ea typeface="메이플스토리" panose="02000300000000000000" pitchFamily="2" charset="-127"/>
+              </a:rPr>
               <a:t>nlogn</a:t>
             </a:r>
             <a:r>
-              <a:rPr lang="en-US" altLang="ko-KR" dirty="0"/>
+              <a:rPr lang="en-US" altLang="ko-KR" dirty="0">
+                <a:latin typeface="메이플스토리" panose="02000300000000000000" pitchFamily="2" charset="-127"/>
+                <a:ea typeface="메이플스토리" panose="02000300000000000000" pitchFamily="2" charset="-127"/>
+              </a:rPr>
               <a:t>)</a:t>
             </a:r>
           </a:p>
           <a:p>
             <a:r>
-              <a:rPr lang="ko-KR" altLang="en-US" dirty="0"/>
+              <a:rPr lang="ko-KR" altLang="en-US" dirty="0">
+                <a:latin typeface="메이플스토리" panose="02000300000000000000" pitchFamily="2" charset="-127"/>
+                <a:ea typeface="메이플스토리" panose="02000300000000000000" pitchFamily="2" charset="-127"/>
+              </a:rPr>
               <a:t>최악</a:t>
             </a:r>
             <a:r>
-              <a:rPr lang="en-US" altLang="ko-KR" dirty="0"/>
+              <a:rPr lang="en-US" altLang="ko-KR" dirty="0">
+                <a:latin typeface="메이플스토리" panose="02000300000000000000" pitchFamily="2" charset="-127"/>
+                <a:ea typeface="메이플스토리" panose="02000300000000000000" pitchFamily="2" charset="-127"/>
+              </a:rPr>
               <a:t> : O(</a:t>
             </a:r>
             <a:r>
-              <a:rPr lang="en-US" altLang="ko-KR" dirty="0" err="1"/>
+              <a:rPr lang="en-US" altLang="ko-KR" dirty="0" err="1">
+                <a:latin typeface="메이플스토리" panose="02000300000000000000" pitchFamily="2" charset="-127"/>
+                <a:ea typeface="메이플스토리" panose="02000300000000000000" pitchFamily="2" charset="-127"/>
+              </a:rPr>
               <a:t>nlogn</a:t>
             </a:r>
             <a:r>
-              <a:rPr lang="en-US" altLang="ko-KR" dirty="0"/>
+              <a:rPr lang="en-US" altLang="ko-KR" dirty="0">
+                <a:latin typeface="메이플스토리" panose="02000300000000000000" pitchFamily="2" charset="-127"/>
+                <a:ea typeface="메이플스토리" panose="02000300000000000000" pitchFamily="2" charset="-127"/>
+              </a:rPr>
               <a:t>)</a:t>
             </a:r>
-            <a:endParaRPr lang="ko-KR" altLang="en-US" dirty="0"/>
+            <a:endParaRPr lang="ko-KR" altLang="en-US" dirty="0">
+              <a:latin typeface="메이플스토리" panose="02000300000000000000" pitchFamily="2" charset="-127"/>
+              <a:ea typeface="메이플스토리" panose="02000300000000000000" pitchFamily="2" charset="-127"/>
+            </a:endParaRPr>
           </a:p>
         </p:txBody>
       </p:sp>
@@ -4427,25 +4668,40 @@
           </a:lstStyle>
           <a:p>
             <a:r>
-              <a:rPr lang="ko-KR" altLang="en-US" dirty="0"/>
+              <a:rPr lang="ko-KR" altLang="en-US" dirty="0">
+                <a:latin typeface="메이플스토리" panose="02000300000000000000" pitchFamily="2" charset="-127"/>
+                <a:ea typeface="메이플스토리" panose="02000300000000000000" pitchFamily="2" charset="-127"/>
+              </a:rPr>
               <a:t>공간 복잡도</a:t>
             </a:r>
-            <a:endParaRPr lang="en-US" altLang="ko-KR" dirty="0"/>
+            <a:endParaRPr lang="en-US" altLang="ko-KR" dirty="0">
+              <a:latin typeface="메이플스토리" panose="02000300000000000000" pitchFamily="2" charset="-127"/>
+              <a:ea typeface="메이플스토리" panose="02000300000000000000" pitchFamily="2" charset="-127"/>
+            </a:endParaRPr>
           </a:p>
           <a:p>
             <a:pPr marL="0" indent="0">
               <a:buNone/>
             </a:pPr>
             <a:r>
-              <a:rPr lang="en-US" altLang="ko-KR" dirty="0"/>
+              <a:rPr lang="en-US" altLang="ko-KR" dirty="0">
+                <a:latin typeface="메이플스토리" panose="02000300000000000000" pitchFamily="2" charset="-127"/>
+                <a:ea typeface="메이플스토리" panose="02000300000000000000" pitchFamily="2" charset="-127"/>
+              </a:rPr>
               <a:t>- </a:t>
             </a:r>
             <a:r>
-              <a:rPr lang="ko-KR" altLang="en-US" dirty="0"/>
+              <a:rPr lang="ko-KR" altLang="en-US" dirty="0">
+                <a:latin typeface="메이플스토리" panose="02000300000000000000" pitchFamily="2" charset="-127"/>
+                <a:ea typeface="메이플스토리" panose="02000300000000000000" pitchFamily="2" charset="-127"/>
+              </a:rPr>
               <a:t>총 </a:t>
             </a:r>
             <a:r>
-              <a:rPr lang="en-US" altLang="ko-KR" dirty="0"/>
+              <a:rPr lang="en-US" altLang="ko-KR" dirty="0">
+                <a:latin typeface="메이플스토리" panose="02000300000000000000" pitchFamily="2" charset="-127"/>
+                <a:ea typeface="메이플스토리" panose="02000300000000000000" pitchFamily="2" charset="-127"/>
+              </a:rPr>
               <a:t>: O(n)</a:t>
             </a:r>
           </a:p>
@@ -4454,18 +4710,30 @@
               <a:buNone/>
             </a:pPr>
             <a:r>
-              <a:rPr lang="en-US" altLang="ko-KR" dirty="0"/>
+              <a:rPr lang="en-US" altLang="ko-KR" dirty="0">
+                <a:latin typeface="메이플스토리" panose="02000300000000000000" pitchFamily="2" charset="-127"/>
+                <a:ea typeface="메이플스토리" panose="02000300000000000000" pitchFamily="2" charset="-127"/>
+              </a:rPr>
               <a:t>- </a:t>
             </a:r>
             <a:r>
-              <a:rPr lang="ko-KR" altLang="en-US" dirty="0"/>
+              <a:rPr lang="ko-KR" altLang="en-US" dirty="0">
+                <a:latin typeface="메이플스토리" panose="02000300000000000000" pitchFamily="2" charset="-127"/>
+                <a:ea typeface="메이플스토리" panose="02000300000000000000" pitchFamily="2" charset="-127"/>
+              </a:rPr>
               <a:t>보조</a:t>
             </a:r>
             <a:r>
-              <a:rPr lang="en-US" altLang="ko-KR" dirty="0"/>
+              <a:rPr lang="en-US" altLang="ko-KR" dirty="0">
+                <a:latin typeface="메이플스토리" panose="02000300000000000000" pitchFamily="2" charset="-127"/>
+                <a:ea typeface="메이플스토리" panose="02000300000000000000" pitchFamily="2" charset="-127"/>
+              </a:rPr>
               <a:t> : O(1)</a:t>
             </a:r>
-            <a:endParaRPr lang="ko-KR" altLang="en-US" dirty="0"/>
+            <a:endParaRPr lang="ko-KR" altLang="en-US" dirty="0">
+              <a:latin typeface="메이플스토리" panose="02000300000000000000" pitchFamily="2" charset="-127"/>
+              <a:ea typeface="메이플스토리" panose="02000300000000000000" pitchFamily="2" charset="-127"/>
+            </a:endParaRPr>
           </a:p>
         </p:txBody>
       </p:sp>
@@ -4521,10 +4789,16 @@
           <a:lstStyle/>
           <a:p>
             <a:r>
-              <a:rPr lang="en-US" altLang="ko-KR" dirty="0"/>
+              <a:rPr lang="en-US" altLang="ko-KR" dirty="0">
+                <a:latin typeface="메이플스토리" panose="02000300000000000000" pitchFamily="2" charset="-127"/>
+                <a:ea typeface="메이플스토리" panose="02000300000000000000" pitchFamily="2" charset="-127"/>
+              </a:rPr>
               <a:t>Leonardo Number</a:t>
             </a:r>
-            <a:endParaRPr lang="ko-KR" altLang="en-US" dirty="0"/>
+            <a:endParaRPr lang="ko-KR" altLang="en-US" dirty="0">
+              <a:latin typeface="메이플스토리" panose="02000300000000000000" pitchFamily="2" charset="-127"/>
+              <a:ea typeface="메이플스토리" panose="02000300000000000000" pitchFamily="2" charset="-127"/>
+            </a:endParaRPr>
           </a:p>
         </p:txBody>
       </p:sp>
@@ -4600,13 +4874,19 @@
                     </m:oMath>
                   </m:oMathPara>
                 </a14:m>
-                <a:endParaRPr lang="en-US" altLang="ko-KR" b="0" dirty="0"/>
+                <a:endParaRPr lang="en-US" altLang="ko-KR" b="0" dirty="0">
+                  <a:latin typeface="메이플스토리" panose="02000300000000000000" pitchFamily="2" charset="-127"/>
+                  <a:ea typeface="메이플스토리" panose="02000300000000000000" pitchFamily="2" charset="-127"/>
+                </a:endParaRPr>
               </a:p>
               <a:p>
                 <a:pPr marL="0" indent="0">
                   <a:buNone/>
                 </a:pPr>
-                <a:endParaRPr lang="en-US" altLang="ko-KR" b="0" dirty="0"/>
+                <a:endParaRPr lang="en-US" altLang="ko-KR" b="0" dirty="0">
+                  <a:latin typeface="메이플스토리" panose="02000300000000000000" pitchFamily="2" charset="-127"/>
+                  <a:ea typeface="메이플스토리" panose="02000300000000000000" pitchFamily="2" charset="-127"/>
+                </a:endParaRPr>
               </a:p>
               <a:p>
                 <a:pPr marL="0" indent="0">
@@ -4651,13 +4931,19 @@
                     </m:oMath>
                   </m:oMathPara>
                 </a14:m>
-                <a:endParaRPr lang="en-US" altLang="ko-KR" b="0" dirty="0"/>
+                <a:endParaRPr lang="en-US" altLang="ko-KR" b="0" dirty="0">
+                  <a:latin typeface="메이플스토리" panose="02000300000000000000" pitchFamily="2" charset="-127"/>
+                  <a:ea typeface="메이플스토리" panose="02000300000000000000" pitchFamily="2" charset="-127"/>
+                </a:endParaRPr>
               </a:p>
               <a:p>
                 <a:pPr marL="0" indent="0">
                   <a:buNone/>
                 </a:pPr>
-                <a:endParaRPr lang="en-US" altLang="ko-KR" b="0" dirty="0"/>
+                <a:endParaRPr lang="en-US" altLang="ko-KR" b="0" dirty="0">
+                  <a:latin typeface="메이플스토리" panose="02000300000000000000" pitchFamily="2" charset="-127"/>
+                  <a:ea typeface="메이플스토리" panose="02000300000000000000" pitchFamily="2" charset="-127"/>
+                </a:endParaRPr>
               </a:p>
               <a:p>
                 <a:pPr marL="0" indent="0">
@@ -4740,13 +5026,7 @@
                         <a:rPr lang="en-US" altLang="ko-KR" b="0" i="1" smtClean="0">
                           <a:latin typeface="Cambria Math" panose="02040503050406030204" pitchFamily="18" charset="0"/>
                         </a:rPr>
-                        <m:t>+1</m:t>
-                      </m:r>
-                      <m:r>
-                        <a:rPr lang="en-US" altLang="ko-KR" b="0" i="1" smtClean="0">
-                          <a:latin typeface="Cambria Math" panose="02040503050406030204" pitchFamily="18" charset="0"/>
-                        </a:rPr>
-                        <m:t>           </m:t>
+                        <m:t>+1           </m:t>
                       </m:r>
                       <m:r>
                         <a:rPr lang="en-US" altLang="ko-KR" b="0" i="1" smtClean="0">
@@ -4775,13 +5055,22 @@
                     </m:oMath>
                   </m:oMathPara>
                 </a14:m>
-                <a:endParaRPr lang="en-US" altLang="ko-KR" b="0" dirty="0"/>
+                <a:endParaRPr lang="en-US" altLang="ko-KR" b="0" dirty="0">
+                  <a:latin typeface="메이플스토리" panose="02000300000000000000" pitchFamily="2" charset="-127"/>
+                  <a:ea typeface="메이플스토리" panose="02000300000000000000" pitchFamily="2" charset="-127"/>
+                </a:endParaRPr>
               </a:p>
               <a:p>
-                <a:endParaRPr lang="en-US" altLang="ko-KR" b="0" dirty="0"/>
+                <a:endParaRPr lang="en-US" altLang="ko-KR" b="0" dirty="0">
+                  <a:latin typeface="메이플스토리" panose="02000300000000000000" pitchFamily="2" charset="-127"/>
+                  <a:ea typeface="메이플스토리" panose="02000300000000000000" pitchFamily="2" charset="-127"/>
+                </a:endParaRPr>
               </a:p>
               <a:p>
-                <a:endParaRPr lang="ko-KR" altLang="en-US" dirty="0"/>
+                <a:endParaRPr lang="ko-KR" altLang="en-US" dirty="0">
+                  <a:latin typeface="메이플스토리" panose="02000300000000000000" pitchFamily="2" charset="-127"/>
+                  <a:ea typeface="메이플스토리" panose="02000300000000000000" pitchFamily="2" charset="-127"/>
+                </a:endParaRPr>
               </a:p>
             </p:txBody>
           </p:sp>
@@ -4811,7 +5100,7 @@
               <a:blipFill>
                 <a:blip r:embed="rId2"/>
                 <a:stretch>
-                  <a:fillRect r="-108" b="-2023"/>
+                  <a:fillRect r="-108" b="-1445"/>
                 </a:stretch>
               </a:blipFill>
             </p:spPr>
@@ -4878,7 +5167,10 @@
           <a:lstStyle/>
           <a:p>
             <a:pPr algn="ctr"/>
-            <a:endParaRPr lang="ko-KR" altLang="en-US"/>
+            <a:endParaRPr lang="ko-KR" altLang="en-US">
+              <a:latin typeface="메이플스토리" panose="02000300000000000000" pitchFamily="2" charset="-127"/>
+              <a:ea typeface="메이플스토리" panose="02000300000000000000" pitchFamily="2" charset="-127"/>
+            </a:endParaRPr>
           </a:p>
         </p:txBody>
       </p:sp>
@@ -4912,6 +5204,7 @@
               </a:bodyPr>
               <a:lstStyle/>
               <a:p>
+                <a:pPr/>
                 <a14:m>
                   <m:oMathPara xmlns:m="http://schemas.openxmlformats.org/officeDocument/2006/math">
                     <m:oMathParaPr>
@@ -4950,7 +5243,10 @@
                     </m:oMath>
                   </m:oMathPara>
                 </a14:m>
-                <a:endParaRPr lang="ko-KR" altLang="en-US" sz="2800" b="1" dirty="0"/>
+                <a:endParaRPr lang="ko-KR" altLang="en-US" sz="2800" b="1" dirty="0">
+                  <a:latin typeface="메이플스토리" panose="02000300000000000000" pitchFamily="2" charset="-127"/>
+                  <a:ea typeface="메이플스토리" panose="02000300000000000000" pitchFamily="2" charset="-127"/>
+                </a:endParaRPr>
               </a:p>
             </p:txBody>
           </p:sp>
@@ -5030,6 +5326,7 @@
               </a:bodyPr>
               <a:lstStyle/>
               <a:p>
+                <a:pPr/>
                 <a14:m>
                   <m:oMathPara xmlns:m="http://schemas.openxmlformats.org/officeDocument/2006/math">
                     <m:oMathParaPr>
@@ -5045,7 +5342,10 @@
                     </m:oMath>
                   </m:oMathPara>
                 </a14:m>
-                <a:endParaRPr lang="ko-KR" altLang="en-US" sz="2400" dirty="0"/>
+                <a:endParaRPr lang="ko-KR" altLang="en-US" sz="2400" dirty="0">
+                  <a:latin typeface="메이플스토리" panose="02000300000000000000" pitchFamily="2" charset="-127"/>
+                  <a:ea typeface="메이플스토리" panose="02000300000000000000" pitchFamily="2" charset="-127"/>
+                </a:endParaRPr>
               </a:p>
             </p:txBody>
           </p:sp>
@@ -5130,7 +5430,7 @@
           <p:cNvPr id="2" name="제목 1">
             <a:extLst>
               <a:ext uri="{FF2B5EF4-FFF2-40B4-BE49-F238E27FC236}">
-                <a16:creationId xmlns:a16="http://schemas.microsoft.com/office/drawing/2014/main" id="{BD0DBCDB-C9EE-CDC6-39CE-AD21C276B8B9}"/>
+                <a16:creationId xmlns:a16="http://schemas.microsoft.com/office/drawing/2014/main" id="{877BF5B0-C59A-6F69-673A-B1854DAF7995}"/>
               </a:ext>
             </a:extLst>
           </p:cNvPr>
@@ -5147,10 +5447,2360 @@
           <a:lstStyle/>
           <a:p>
             <a:r>
-              <a:rPr lang="en-US" altLang="ko-KR" dirty="0"/>
+              <a:rPr lang="en-US" altLang="ko-KR" dirty="0">
+                <a:latin typeface="메이플스토리" panose="02000300000000000000" pitchFamily="2" charset="-127"/>
+                <a:ea typeface="메이플스토리" panose="02000300000000000000" pitchFamily="2" charset="-127"/>
+              </a:rPr>
+              <a:t>Leonardo</a:t>
+            </a:r>
+            <a:r>
+              <a:rPr lang="ko-KR" altLang="en-US" dirty="0">
+                <a:latin typeface="메이플스토리" panose="02000300000000000000" pitchFamily="2" charset="-127"/>
+                <a:ea typeface="메이플스토리" panose="02000300000000000000" pitchFamily="2" charset="-127"/>
+              </a:rPr>
+              <a:t> </a:t>
+            </a:r>
+            <a:r>
+              <a:rPr lang="en-US" altLang="ko-KR" dirty="0">
+                <a:latin typeface="메이플스토리" panose="02000300000000000000" pitchFamily="2" charset="-127"/>
+                <a:ea typeface="메이플스토리" panose="02000300000000000000" pitchFamily="2" charset="-127"/>
+              </a:rPr>
+              <a:t>number</a:t>
+            </a:r>
+            <a:endParaRPr lang="ko-KR" altLang="en-US" dirty="0">
+              <a:latin typeface="메이플스토리" panose="02000300000000000000" pitchFamily="2" charset="-127"/>
+              <a:ea typeface="메이플스토리" panose="02000300000000000000" pitchFamily="2" charset="-127"/>
+            </a:endParaRPr>
+          </a:p>
+        </p:txBody>
+      </p:sp>
+      <p:sp>
+        <p:nvSpPr>
+          <p:cNvPr id="4" name="타원 3">
+            <a:extLst>
+              <a:ext uri="{FF2B5EF4-FFF2-40B4-BE49-F238E27FC236}">
+                <a16:creationId xmlns:a16="http://schemas.microsoft.com/office/drawing/2014/main" id="{F755DAD5-4118-8322-AEE5-36A1E21CE1F7}"/>
+              </a:ext>
+            </a:extLst>
+          </p:cNvPr>
+          <p:cNvSpPr/>
+          <p:nvPr/>
+        </p:nvSpPr>
+        <p:spPr>
+          <a:xfrm>
+            <a:off x="568200" y="1976982"/>
+            <a:ext cx="540000" cy="540000"/>
+          </a:xfrm>
+          <a:prstGeom prst="ellipse">
+            <a:avLst/>
+          </a:prstGeom>
+          <a:noFill/>
+          <a:ln w="57150">
+            <a:solidFill>
+              <a:srgbClr val="FF0000"/>
+            </a:solidFill>
+          </a:ln>
+        </p:spPr>
+        <p:style>
+          <a:lnRef idx="2">
+            <a:schemeClr val="accent1">
+              <a:shade val="50000"/>
+            </a:schemeClr>
+          </a:lnRef>
+          <a:fillRef idx="1">
+            <a:schemeClr val="accent1"/>
+          </a:fillRef>
+          <a:effectRef idx="0">
+            <a:schemeClr val="accent1"/>
+          </a:effectRef>
+          <a:fontRef idx="minor">
+            <a:schemeClr val="lt1"/>
+          </a:fontRef>
+        </p:style>
+        <p:txBody>
+          <a:bodyPr rtlCol="0" anchor="ctr"/>
+          <a:lstStyle/>
+          <a:p>
+            <a:pPr algn="ctr"/>
+            <a:endParaRPr lang="ko-KR" altLang="en-US">
+              <a:latin typeface="메이플스토리" panose="02000300000000000000" pitchFamily="2" charset="-127"/>
+              <a:ea typeface="메이플스토리" panose="02000300000000000000" pitchFamily="2" charset="-127"/>
+            </a:endParaRPr>
+          </a:p>
+        </p:txBody>
+      </p:sp>
+      <p:sp>
+        <p:nvSpPr>
+          <p:cNvPr id="5" name="타원 4">
+            <a:extLst>
+              <a:ext uri="{FF2B5EF4-FFF2-40B4-BE49-F238E27FC236}">
+                <a16:creationId xmlns:a16="http://schemas.microsoft.com/office/drawing/2014/main" id="{718AD47E-EBC5-9F2A-9CF3-070F7926F469}"/>
+              </a:ext>
+            </a:extLst>
+          </p:cNvPr>
+          <p:cNvSpPr/>
+          <p:nvPr/>
+        </p:nvSpPr>
+        <p:spPr>
+          <a:xfrm>
+            <a:off x="2210556" y="3542106"/>
+            <a:ext cx="540000" cy="540000"/>
+          </a:xfrm>
+          <a:prstGeom prst="ellipse">
+            <a:avLst/>
+          </a:prstGeom>
+          <a:noFill/>
+          <a:ln w="57150">
+            <a:solidFill>
+              <a:srgbClr val="FF0000"/>
+            </a:solidFill>
+          </a:ln>
+        </p:spPr>
+        <p:style>
+          <a:lnRef idx="2">
+            <a:schemeClr val="accent1">
+              <a:shade val="50000"/>
+            </a:schemeClr>
+          </a:lnRef>
+          <a:fillRef idx="1">
+            <a:schemeClr val="accent1"/>
+          </a:fillRef>
+          <a:effectRef idx="0">
+            <a:schemeClr val="accent1"/>
+          </a:effectRef>
+          <a:fontRef idx="minor">
+            <a:schemeClr val="lt1"/>
+          </a:fontRef>
+        </p:style>
+        <p:txBody>
+          <a:bodyPr rtlCol="0" anchor="ctr"/>
+          <a:lstStyle/>
+          <a:p>
+            <a:pPr algn="ctr"/>
+            <a:endParaRPr lang="ko-KR" altLang="en-US"/>
+          </a:p>
+        </p:txBody>
+      </p:sp>
+      <p:sp>
+        <p:nvSpPr>
+          <p:cNvPr id="6" name="타원 5">
+            <a:extLst>
+              <a:ext uri="{FF2B5EF4-FFF2-40B4-BE49-F238E27FC236}">
+                <a16:creationId xmlns:a16="http://schemas.microsoft.com/office/drawing/2014/main" id="{E4660200-B303-3BE8-170D-1B5DC168CE0E}"/>
+              </a:ext>
+            </a:extLst>
+          </p:cNvPr>
+          <p:cNvSpPr/>
+          <p:nvPr/>
+        </p:nvSpPr>
+        <p:spPr>
+          <a:xfrm>
+            <a:off x="6057406" y="1952860"/>
+            <a:ext cx="540000" cy="540000"/>
+          </a:xfrm>
+          <a:prstGeom prst="ellipse">
+            <a:avLst/>
+          </a:prstGeom>
+          <a:noFill/>
+          <a:ln w="57150">
+            <a:solidFill>
+              <a:srgbClr val="FF0000"/>
+            </a:solidFill>
+          </a:ln>
+        </p:spPr>
+        <p:style>
+          <a:lnRef idx="2">
+            <a:schemeClr val="accent1">
+              <a:shade val="50000"/>
+            </a:schemeClr>
+          </a:lnRef>
+          <a:fillRef idx="1">
+            <a:schemeClr val="accent1"/>
+          </a:fillRef>
+          <a:effectRef idx="0">
+            <a:schemeClr val="accent1"/>
+          </a:effectRef>
+          <a:fontRef idx="minor">
+            <a:schemeClr val="lt1"/>
+          </a:fontRef>
+        </p:style>
+        <p:txBody>
+          <a:bodyPr rtlCol="0" anchor="ctr"/>
+          <a:lstStyle/>
+          <a:p>
+            <a:pPr algn="ctr"/>
+            <a:endParaRPr lang="ko-KR" altLang="en-US">
+              <a:latin typeface="메이플스토리" panose="02000300000000000000" pitchFamily="2" charset="-127"/>
+              <a:ea typeface="메이플스토리" panose="02000300000000000000" pitchFamily="2" charset="-127"/>
+            </a:endParaRPr>
+          </a:p>
+        </p:txBody>
+      </p:sp>
+      <p:sp>
+        <p:nvSpPr>
+          <p:cNvPr id="7" name="타원 6">
+            <a:extLst>
+              <a:ext uri="{FF2B5EF4-FFF2-40B4-BE49-F238E27FC236}">
+                <a16:creationId xmlns:a16="http://schemas.microsoft.com/office/drawing/2014/main" id="{FF35CE0F-AB43-5724-1898-3AD448DF3048}"/>
+              </a:ext>
+            </a:extLst>
+          </p:cNvPr>
+          <p:cNvSpPr/>
+          <p:nvPr/>
+        </p:nvSpPr>
+        <p:spPr>
+          <a:xfrm>
+            <a:off x="3216394" y="3542106"/>
+            <a:ext cx="540000" cy="540000"/>
+          </a:xfrm>
+          <a:prstGeom prst="ellipse">
+            <a:avLst/>
+          </a:prstGeom>
+          <a:noFill/>
+          <a:ln w="57150">
+            <a:solidFill>
+              <a:srgbClr val="FF0000"/>
+            </a:solidFill>
+          </a:ln>
+        </p:spPr>
+        <p:style>
+          <a:lnRef idx="2">
+            <a:schemeClr val="accent1">
+              <a:shade val="50000"/>
+            </a:schemeClr>
+          </a:lnRef>
+          <a:fillRef idx="1">
+            <a:schemeClr val="accent1"/>
+          </a:fillRef>
+          <a:effectRef idx="0">
+            <a:schemeClr val="accent1"/>
+          </a:effectRef>
+          <a:fontRef idx="minor">
+            <a:schemeClr val="lt1"/>
+          </a:fontRef>
+        </p:style>
+        <p:txBody>
+          <a:bodyPr rtlCol="0" anchor="ctr"/>
+          <a:lstStyle/>
+          <a:p>
+            <a:pPr algn="ctr"/>
+            <a:endParaRPr lang="ko-KR" altLang="en-US"/>
+          </a:p>
+        </p:txBody>
+      </p:sp>
+      <p:sp>
+        <p:nvSpPr>
+          <p:cNvPr id="8" name="타원 7">
+            <a:extLst>
+              <a:ext uri="{FF2B5EF4-FFF2-40B4-BE49-F238E27FC236}">
+                <a16:creationId xmlns:a16="http://schemas.microsoft.com/office/drawing/2014/main" id="{DBF4F618-2DEE-A436-C52B-D5916685144A}"/>
+              </a:ext>
+            </a:extLst>
+          </p:cNvPr>
+          <p:cNvSpPr/>
+          <p:nvPr/>
+        </p:nvSpPr>
+        <p:spPr>
+          <a:xfrm>
+            <a:off x="3216394" y="1965855"/>
+            <a:ext cx="540000" cy="540000"/>
+          </a:xfrm>
+          <a:prstGeom prst="ellipse">
+            <a:avLst/>
+          </a:prstGeom>
+          <a:noFill/>
+          <a:ln w="57150">
+            <a:solidFill>
+              <a:srgbClr val="FF0000"/>
+            </a:solidFill>
+          </a:ln>
+        </p:spPr>
+        <p:style>
+          <a:lnRef idx="2">
+            <a:schemeClr val="accent1">
+              <a:shade val="50000"/>
+            </a:schemeClr>
+          </a:lnRef>
+          <a:fillRef idx="1">
+            <a:schemeClr val="accent1"/>
+          </a:fillRef>
+          <a:effectRef idx="0">
+            <a:schemeClr val="accent1"/>
+          </a:effectRef>
+          <a:fontRef idx="minor">
+            <a:schemeClr val="lt1"/>
+          </a:fontRef>
+        </p:style>
+        <p:txBody>
+          <a:bodyPr rtlCol="0" anchor="ctr"/>
+          <a:lstStyle/>
+          <a:p>
+            <a:pPr algn="ctr"/>
+            <a:endParaRPr lang="ko-KR" altLang="en-US">
+              <a:latin typeface="메이플스토리" panose="02000300000000000000" pitchFamily="2" charset="-127"/>
+              <a:ea typeface="메이플스토리" panose="02000300000000000000" pitchFamily="2" charset="-127"/>
+            </a:endParaRPr>
+          </a:p>
+        </p:txBody>
+      </p:sp>
+      <p:sp>
+        <p:nvSpPr>
+          <p:cNvPr id="9" name="타원 8">
+            <a:extLst>
+              <a:ext uri="{FF2B5EF4-FFF2-40B4-BE49-F238E27FC236}">
+                <a16:creationId xmlns:a16="http://schemas.microsoft.com/office/drawing/2014/main" id="{2F6216AA-2087-9C53-E1DA-5DAAA0F0A20A}"/>
+              </a:ext>
+            </a:extLst>
+          </p:cNvPr>
+          <p:cNvSpPr/>
+          <p:nvPr/>
+        </p:nvSpPr>
+        <p:spPr>
+          <a:xfrm>
+            <a:off x="6057406" y="5105362"/>
+            <a:ext cx="540000" cy="540000"/>
+          </a:xfrm>
+          <a:prstGeom prst="ellipse">
+            <a:avLst/>
+          </a:prstGeom>
+          <a:noFill/>
+          <a:ln w="57150">
+            <a:solidFill>
+              <a:srgbClr val="FF0000"/>
+            </a:solidFill>
+          </a:ln>
+        </p:spPr>
+        <p:style>
+          <a:lnRef idx="2">
+            <a:schemeClr val="accent1">
+              <a:shade val="50000"/>
+            </a:schemeClr>
+          </a:lnRef>
+          <a:fillRef idx="1">
+            <a:schemeClr val="accent1"/>
+          </a:fillRef>
+          <a:effectRef idx="0">
+            <a:schemeClr val="accent1"/>
+          </a:effectRef>
+          <a:fontRef idx="minor">
+            <a:schemeClr val="lt1"/>
+          </a:fontRef>
+        </p:style>
+        <p:txBody>
+          <a:bodyPr rtlCol="0" anchor="ctr"/>
+          <a:lstStyle/>
+          <a:p>
+            <a:pPr algn="ctr"/>
+            <a:endParaRPr lang="ko-KR" altLang="en-US"/>
+          </a:p>
+        </p:txBody>
+      </p:sp>
+      <p:sp>
+        <p:nvSpPr>
+          <p:cNvPr id="10" name="타원 9">
+            <a:extLst>
+              <a:ext uri="{FF2B5EF4-FFF2-40B4-BE49-F238E27FC236}">
+                <a16:creationId xmlns:a16="http://schemas.microsoft.com/office/drawing/2014/main" id="{8BDC06F6-4268-7425-B381-DEF10343DE77}"/>
+              </a:ext>
+            </a:extLst>
+          </p:cNvPr>
+          <p:cNvSpPr/>
+          <p:nvPr/>
+        </p:nvSpPr>
+        <p:spPr>
+          <a:xfrm>
+            <a:off x="5051568" y="3529111"/>
+            <a:ext cx="540000" cy="540000"/>
+          </a:xfrm>
+          <a:prstGeom prst="ellipse">
+            <a:avLst/>
+          </a:prstGeom>
+          <a:noFill/>
+          <a:ln w="57150">
+            <a:solidFill>
+              <a:srgbClr val="FF0000"/>
+            </a:solidFill>
+          </a:ln>
+        </p:spPr>
+        <p:style>
+          <a:lnRef idx="2">
+            <a:schemeClr val="accent1">
+              <a:shade val="50000"/>
+            </a:schemeClr>
+          </a:lnRef>
+          <a:fillRef idx="1">
+            <a:schemeClr val="accent1"/>
+          </a:fillRef>
+          <a:effectRef idx="0">
+            <a:schemeClr val="accent1"/>
+          </a:effectRef>
+          <a:fontRef idx="minor">
+            <a:schemeClr val="lt1"/>
+          </a:fontRef>
+        </p:style>
+        <p:txBody>
+          <a:bodyPr rtlCol="0" anchor="ctr"/>
+          <a:lstStyle/>
+          <a:p>
+            <a:pPr algn="ctr"/>
+            <a:endParaRPr lang="ko-KR" altLang="en-US"/>
+          </a:p>
+        </p:txBody>
+      </p:sp>
+      <p:sp>
+        <p:nvSpPr>
+          <p:cNvPr id="11" name="타원 10">
+            <a:extLst>
+              <a:ext uri="{FF2B5EF4-FFF2-40B4-BE49-F238E27FC236}">
+                <a16:creationId xmlns:a16="http://schemas.microsoft.com/office/drawing/2014/main" id="{FE4F559F-00A7-B318-C3E2-AC1E9A1E7146}"/>
+              </a:ext>
+            </a:extLst>
+          </p:cNvPr>
+          <p:cNvSpPr/>
+          <p:nvPr/>
+        </p:nvSpPr>
+        <p:spPr>
+          <a:xfrm>
+            <a:off x="6057406" y="3529111"/>
+            <a:ext cx="540000" cy="540000"/>
+          </a:xfrm>
+          <a:prstGeom prst="ellipse">
+            <a:avLst/>
+          </a:prstGeom>
+          <a:noFill/>
+          <a:ln w="57150">
+            <a:solidFill>
+              <a:srgbClr val="FF0000"/>
+            </a:solidFill>
+          </a:ln>
+        </p:spPr>
+        <p:style>
+          <a:lnRef idx="2">
+            <a:schemeClr val="accent1">
+              <a:shade val="50000"/>
+            </a:schemeClr>
+          </a:lnRef>
+          <a:fillRef idx="1">
+            <a:schemeClr val="accent1"/>
+          </a:fillRef>
+          <a:effectRef idx="0">
+            <a:schemeClr val="accent1"/>
+          </a:effectRef>
+          <a:fontRef idx="minor">
+            <a:schemeClr val="lt1"/>
+          </a:fontRef>
+        </p:style>
+        <p:txBody>
+          <a:bodyPr rtlCol="0" anchor="ctr"/>
+          <a:lstStyle/>
+          <a:p>
+            <a:pPr algn="ctr"/>
+            <a:endParaRPr lang="ko-KR" altLang="en-US"/>
+          </a:p>
+        </p:txBody>
+      </p:sp>
+      <p:sp>
+        <p:nvSpPr>
+          <p:cNvPr id="12" name="타원 11">
+            <a:extLst>
+              <a:ext uri="{FF2B5EF4-FFF2-40B4-BE49-F238E27FC236}">
+                <a16:creationId xmlns:a16="http://schemas.microsoft.com/office/drawing/2014/main" id="{4DA4C9AA-C2D1-2153-FCD5-1C99C1B84F14}"/>
+              </a:ext>
+            </a:extLst>
+          </p:cNvPr>
+          <p:cNvSpPr/>
+          <p:nvPr/>
+        </p:nvSpPr>
+        <p:spPr>
+          <a:xfrm>
+            <a:off x="5051568" y="5105362"/>
+            <a:ext cx="540000" cy="540000"/>
+          </a:xfrm>
+          <a:prstGeom prst="ellipse">
+            <a:avLst/>
+          </a:prstGeom>
+          <a:noFill/>
+          <a:ln w="57150">
+            <a:solidFill>
+              <a:srgbClr val="FF0000"/>
+            </a:solidFill>
+          </a:ln>
+        </p:spPr>
+        <p:style>
+          <a:lnRef idx="2">
+            <a:schemeClr val="accent1">
+              <a:shade val="50000"/>
+            </a:schemeClr>
+          </a:lnRef>
+          <a:fillRef idx="1">
+            <a:schemeClr val="accent1"/>
+          </a:fillRef>
+          <a:effectRef idx="0">
+            <a:schemeClr val="accent1"/>
+          </a:effectRef>
+          <a:fontRef idx="minor">
+            <a:schemeClr val="lt1"/>
+          </a:fontRef>
+        </p:style>
+        <p:txBody>
+          <a:bodyPr rtlCol="0" anchor="ctr"/>
+          <a:lstStyle/>
+          <a:p>
+            <a:pPr algn="ctr"/>
+            <a:endParaRPr lang="ko-KR" altLang="en-US"/>
+          </a:p>
+        </p:txBody>
+      </p:sp>
+      <p:cxnSp>
+        <p:nvCxnSpPr>
+          <p:cNvPr id="17" name="직선 연결선 16">
+            <a:extLst>
+              <a:ext uri="{FF2B5EF4-FFF2-40B4-BE49-F238E27FC236}">
+                <a16:creationId xmlns:a16="http://schemas.microsoft.com/office/drawing/2014/main" id="{9E9144D1-F2F7-C943-8A39-3C58D69761AC}"/>
+              </a:ext>
+            </a:extLst>
+          </p:cNvPr>
+          <p:cNvCxnSpPr>
+            <a:cxnSpLocks/>
+            <a:stCxn id="12" idx="0"/>
+          </p:cNvCxnSpPr>
+          <p:nvPr/>
+        </p:nvCxnSpPr>
+        <p:spPr>
+          <a:xfrm flipV="1">
+            <a:off x="5321568" y="4696061"/>
+            <a:ext cx="0" cy="409301"/>
+          </a:xfrm>
+          <a:prstGeom prst="line">
+            <a:avLst/>
+          </a:prstGeom>
+          <a:ln w="76200">
+            <a:solidFill>
+              <a:srgbClr val="FF0000"/>
+            </a:solidFill>
+          </a:ln>
+        </p:spPr>
+        <p:style>
+          <a:lnRef idx="1">
+            <a:schemeClr val="accent1"/>
+          </a:lnRef>
+          <a:fillRef idx="0">
+            <a:schemeClr val="accent1"/>
+          </a:fillRef>
+          <a:effectRef idx="0">
+            <a:schemeClr val="accent1"/>
+          </a:effectRef>
+          <a:fontRef idx="minor">
+            <a:schemeClr val="tx1"/>
+          </a:fontRef>
+        </p:style>
+      </p:cxnSp>
+      <p:cxnSp>
+        <p:nvCxnSpPr>
+          <p:cNvPr id="19" name="직선 연결선 18">
+            <a:extLst>
+              <a:ext uri="{FF2B5EF4-FFF2-40B4-BE49-F238E27FC236}">
+                <a16:creationId xmlns:a16="http://schemas.microsoft.com/office/drawing/2014/main" id="{5903B61D-C339-70D8-2B68-7A5ABEE625C0}"/>
+              </a:ext>
+            </a:extLst>
+          </p:cNvPr>
+          <p:cNvCxnSpPr>
+            <a:cxnSpLocks/>
+            <a:stCxn id="9" idx="0"/>
+            <a:endCxn id="11" idx="4"/>
+          </p:cNvCxnSpPr>
+          <p:nvPr/>
+        </p:nvCxnSpPr>
+        <p:spPr>
+          <a:xfrm flipV="1">
+            <a:off x="6327406" y="4069111"/>
+            <a:ext cx="0" cy="1036251"/>
+          </a:xfrm>
+          <a:prstGeom prst="line">
+            <a:avLst/>
+          </a:prstGeom>
+          <a:ln w="76200">
+            <a:solidFill>
+              <a:srgbClr val="FF0000"/>
+            </a:solidFill>
+          </a:ln>
+        </p:spPr>
+        <p:style>
+          <a:lnRef idx="1">
+            <a:schemeClr val="accent1"/>
+          </a:lnRef>
+          <a:fillRef idx="0">
+            <a:schemeClr val="accent1"/>
+          </a:fillRef>
+          <a:effectRef idx="0">
+            <a:schemeClr val="accent1"/>
+          </a:effectRef>
+          <a:fontRef idx="minor">
+            <a:schemeClr val="tx1"/>
+          </a:fontRef>
+        </p:style>
+      </p:cxnSp>
+      <p:cxnSp>
+        <p:nvCxnSpPr>
+          <p:cNvPr id="22" name="직선 연결선 21">
+            <a:extLst>
+              <a:ext uri="{FF2B5EF4-FFF2-40B4-BE49-F238E27FC236}">
+                <a16:creationId xmlns:a16="http://schemas.microsoft.com/office/drawing/2014/main" id="{4C807990-5AC7-8804-CDD2-50C641B97454}"/>
+              </a:ext>
+            </a:extLst>
+          </p:cNvPr>
+          <p:cNvCxnSpPr>
+            <a:cxnSpLocks/>
+            <a:endCxn id="11" idx="4"/>
+          </p:cNvCxnSpPr>
+          <p:nvPr/>
+        </p:nvCxnSpPr>
+        <p:spPr>
+          <a:xfrm flipV="1">
+            <a:off x="5282028" y="4069111"/>
+            <a:ext cx="1045378" cy="626950"/>
+          </a:xfrm>
+          <a:prstGeom prst="line">
+            <a:avLst/>
+          </a:prstGeom>
+          <a:ln w="76200">
+            <a:solidFill>
+              <a:srgbClr val="FF0000"/>
+            </a:solidFill>
+          </a:ln>
+        </p:spPr>
+        <p:style>
+          <a:lnRef idx="1">
+            <a:schemeClr val="accent1"/>
+          </a:lnRef>
+          <a:fillRef idx="0">
+            <a:schemeClr val="accent1"/>
+          </a:fillRef>
+          <a:effectRef idx="0">
+            <a:schemeClr val="accent1"/>
+          </a:effectRef>
+          <a:fontRef idx="minor">
+            <a:schemeClr val="tx1"/>
+          </a:fontRef>
+        </p:style>
+      </p:cxnSp>
+      <p:cxnSp>
+        <p:nvCxnSpPr>
+          <p:cNvPr id="27" name="직선 연결선 26">
+            <a:extLst>
+              <a:ext uri="{FF2B5EF4-FFF2-40B4-BE49-F238E27FC236}">
+                <a16:creationId xmlns:a16="http://schemas.microsoft.com/office/drawing/2014/main" id="{E466E238-8866-F2E3-7590-B3ACFA74A831}"/>
+              </a:ext>
+            </a:extLst>
+          </p:cNvPr>
+          <p:cNvCxnSpPr>
+            <a:cxnSpLocks/>
+          </p:cNvCxnSpPr>
+          <p:nvPr/>
+        </p:nvCxnSpPr>
+        <p:spPr>
+          <a:xfrm flipV="1">
+            <a:off x="5321568" y="3119810"/>
+            <a:ext cx="0" cy="409301"/>
+          </a:xfrm>
+          <a:prstGeom prst="line">
+            <a:avLst/>
+          </a:prstGeom>
+          <a:ln w="76200">
+            <a:solidFill>
+              <a:srgbClr val="FF0000"/>
+            </a:solidFill>
+          </a:ln>
+        </p:spPr>
+        <p:style>
+          <a:lnRef idx="1">
+            <a:schemeClr val="accent1"/>
+          </a:lnRef>
+          <a:fillRef idx="0">
+            <a:schemeClr val="accent1"/>
+          </a:fillRef>
+          <a:effectRef idx="0">
+            <a:schemeClr val="accent1"/>
+          </a:effectRef>
+          <a:fontRef idx="minor">
+            <a:schemeClr val="tx1"/>
+          </a:fontRef>
+        </p:style>
+      </p:cxnSp>
+      <p:cxnSp>
+        <p:nvCxnSpPr>
+          <p:cNvPr id="28" name="직선 연결선 27">
+            <a:extLst>
+              <a:ext uri="{FF2B5EF4-FFF2-40B4-BE49-F238E27FC236}">
+                <a16:creationId xmlns:a16="http://schemas.microsoft.com/office/drawing/2014/main" id="{09FB00CE-A31A-166D-4D29-91E96EFF1D5C}"/>
+              </a:ext>
+            </a:extLst>
+          </p:cNvPr>
+          <p:cNvCxnSpPr>
+            <a:cxnSpLocks/>
+          </p:cNvCxnSpPr>
+          <p:nvPr/>
+        </p:nvCxnSpPr>
+        <p:spPr>
+          <a:xfrm flipV="1">
+            <a:off x="6327406" y="2492860"/>
+            <a:ext cx="0" cy="1036251"/>
+          </a:xfrm>
+          <a:prstGeom prst="line">
+            <a:avLst/>
+          </a:prstGeom>
+          <a:ln w="76200">
+            <a:solidFill>
+              <a:srgbClr val="FF0000"/>
+            </a:solidFill>
+          </a:ln>
+        </p:spPr>
+        <p:style>
+          <a:lnRef idx="1">
+            <a:schemeClr val="accent1"/>
+          </a:lnRef>
+          <a:fillRef idx="0">
+            <a:schemeClr val="accent1"/>
+          </a:fillRef>
+          <a:effectRef idx="0">
+            <a:schemeClr val="accent1"/>
+          </a:effectRef>
+          <a:fontRef idx="minor">
+            <a:schemeClr val="tx1"/>
+          </a:fontRef>
+        </p:style>
+      </p:cxnSp>
+      <p:cxnSp>
+        <p:nvCxnSpPr>
+          <p:cNvPr id="29" name="직선 연결선 28">
+            <a:extLst>
+              <a:ext uri="{FF2B5EF4-FFF2-40B4-BE49-F238E27FC236}">
+                <a16:creationId xmlns:a16="http://schemas.microsoft.com/office/drawing/2014/main" id="{B82CF074-060D-0A38-EB2E-208A90A38715}"/>
+              </a:ext>
+            </a:extLst>
+          </p:cNvPr>
+          <p:cNvCxnSpPr>
+            <a:cxnSpLocks/>
+          </p:cNvCxnSpPr>
+          <p:nvPr/>
+        </p:nvCxnSpPr>
+        <p:spPr>
+          <a:xfrm flipV="1">
+            <a:off x="5282028" y="2492860"/>
+            <a:ext cx="1045378" cy="626950"/>
+          </a:xfrm>
+          <a:prstGeom prst="line">
+            <a:avLst/>
+          </a:prstGeom>
+          <a:ln w="76200">
+            <a:solidFill>
+              <a:srgbClr val="FF0000"/>
+            </a:solidFill>
+          </a:ln>
+        </p:spPr>
+        <p:style>
+          <a:lnRef idx="1">
+            <a:schemeClr val="accent1"/>
+          </a:lnRef>
+          <a:fillRef idx="0">
+            <a:schemeClr val="accent1"/>
+          </a:fillRef>
+          <a:effectRef idx="0">
+            <a:schemeClr val="accent1"/>
+          </a:effectRef>
+          <a:fontRef idx="minor">
+            <a:schemeClr val="tx1"/>
+          </a:fontRef>
+        </p:style>
+      </p:cxnSp>
+      <p:cxnSp>
+        <p:nvCxnSpPr>
+          <p:cNvPr id="30" name="직선 연결선 29">
+            <a:extLst>
+              <a:ext uri="{FF2B5EF4-FFF2-40B4-BE49-F238E27FC236}">
+                <a16:creationId xmlns:a16="http://schemas.microsoft.com/office/drawing/2014/main" id="{899BAD68-94EC-14C5-8C7C-7C84EC8E3792}"/>
+              </a:ext>
+            </a:extLst>
+          </p:cNvPr>
+          <p:cNvCxnSpPr>
+            <a:cxnSpLocks/>
+          </p:cNvCxnSpPr>
+          <p:nvPr/>
+        </p:nvCxnSpPr>
+        <p:spPr>
+          <a:xfrm flipV="1">
+            <a:off x="2463246" y="3119810"/>
+            <a:ext cx="0" cy="409301"/>
+          </a:xfrm>
+          <a:prstGeom prst="line">
+            <a:avLst/>
+          </a:prstGeom>
+          <a:ln w="76200">
+            <a:solidFill>
+              <a:srgbClr val="FF0000"/>
+            </a:solidFill>
+          </a:ln>
+        </p:spPr>
+        <p:style>
+          <a:lnRef idx="1">
+            <a:schemeClr val="accent1"/>
+          </a:lnRef>
+          <a:fillRef idx="0">
+            <a:schemeClr val="accent1"/>
+          </a:fillRef>
+          <a:effectRef idx="0">
+            <a:schemeClr val="accent1"/>
+          </a:effectRef>
+          <a:fontRef idx="minor">
+            <a:schemeClr val="tx1"/>
+          </a:fontRef>
+        </p:style>
+      </p:cxnSp>
+      <p:cxnSp>
+        <p:nvCxnSpPr>
+          <p:cNvPr id="31" name="직선 연결선 30">
+            <a:extLst>
+              <a:ext uri="{FF2B5EF4-FFF2-40B4-BE49-F238E27FC236}">
+                <a16:creationId xmlns:a16="http://schemas.microsoft.com/office/drawing/2014/main" id="{0455791C-C267-6F22-1FFB-C09B8308D7EA}"/>
+              </a:ext>
+            </a:extLst>
+          </p:cNvPr>
+          <p:cNvCxnSpPr>
+            <a:cxnSpLocks/>
+          </p:cNvCxnSpPr>
+          <p:nvPr/>
+        </p:nvCxnSpPr>
+        <p:spPr>
+          <a:xfrm flipV="1">
+            <a:off x="3469084" y="2492860"/>
+            <a:ext cx="0" cy="1036251"/>
+          </a:xfrm>
+          <a:prstGeom prst="line">
+            <a:avLst/>
+          </a:prstGeom>
+          <a:ln w="76200">
+            <a:solidFill>
+              <a:srgbClr val="FF0000"/>
+            </a:solidFill>
+          </a:ln>
+        </p:spPr>
+        <p:style>
+          <a:lnRef idx="1">
+            <a:schemeClr val="accent1"/>
+          </a:lnRef>
+          <a:fillRef idx="0">
+            <a:schemeClr val="accent1"/>
+          </a:fillRef>
+          <a:effectRef idx="0">
+            <a:schemeClr val="accent1"/>
+          </a:effectRef>
+          <a:fontRef idx="minor">
+            <a:schemeClr val="tx1"/>
+          </a:fontRef>
+        </p:style>
+      </p:cxnSp>
+      <p:cxnSp>
+        <p:nvCxnSpPr>
+          <p:cNvPr id="32" name="직선 연결선 31">
+            <a:extLst>
+              <a:ext uri="{FF2B5EF4-FFF2-40B4-BE49-F238E27FC236}">
+                <a16:creationId xmlns:a16="http://schemas.microsoft.com/office/drawing/2014/main" id="{8B3A14FE-AFD2-8A39-7E6C-A410775D41C6}"/>
+              </a:ext>
+            </a:extLst>
+          </p:cNvPr>
+          <p:cNvCxnSpPr>
+            <a:cxnSpLocks/>
+          </p:cNvCxnSpPr>
+          <p:nvPr/>
+        </p:nvCxnSpPr>
+        <p:spPr>
+          <a:xfrm flipV="1">
+            <a:off x="2423706" y="2492860"/>
+            <a:ext cx="1045378" cy="626950"/>
+          </a:xfrm>
+          <a:prstGeom prst="line">
+            <a:avLst/>
+          </a:prstGeom>
+          <a:ln w="76200">
+            <a:solidFill>
+              <a:srgbClr val="FF0000"/>
+            </a:solidFill>
+          </a:ln>
+        </p:spPr>
+        <p:style>
+          <a:lnRef idx="1">
+            <a:schemeClr val="accent1"/>
+          </a:lnRef>
+          <a:fillRef idx="0">
+            <a:schemeClr val="accent1"/>
+          </a:fillRef>
+          <a:effectRef idx="0">
+            <a:schemeClr val="accent1"/>
+          </a:effectRef>
+          <a:fontRef idx="minor">
+            <a:schemeClr val="tx1"/>
+          </a:fontRef>
+        </p:style>
+      </p:cxnSp>
+      <p:sp>
+        <p:nvSpPr>
+          <p:cNvPr id="33" name="타원 32">
+            <a:extLst>
+              <a:ext uri="{FF2B5EF4-FFF2-40B4-BE49-F238E27FC236}">
+                <a16:creationId xmlns:a16="http://schemas.microsoft.com/office/drawing/2014/main" id="{5685E524-13A6-7393-38FA-4E96168FCB0A}"/>
+              </a:ext>
+            </a:extLst>
+          </p:cNvPr>
+          <p:cNvSpPr/>
+          <p:nvPr/>
+        </p:nvSpPr>
+        <p:spPr>
+          <a:xfrm>
+            <a:off x="8182318" y="4536007"/>
+            <a:ext cx="540000" cy="540000"/>
+          </a:xfrm>
+          <a:prstGeom prst="ellipse">
+            <a:avLst/>
+          </a:prstGeom>
+          <a:noFill/>
+          <a:ln w="57150">
+            <a:solidFill>
+              <a:srgbClr val="FF0000"/>
+            </a:solidFill>
+          </a:ln>
+        </p:spPr>
+        <p:style>
+          <a:lnRef idx="2">
+            <a:schemeClr val="accent1">
+              <a:shade val="50000"/>
+            </a:schemeClr>
+          </a:lnRef>
+          <a:fillRef idx="1">
+            <a:schemeClr val="accent1"/>
+          </a:fillRef>
+          <a:effectRef idx="0">
+            <a:schemeClr val="accent1"/>
+          </a:effectRef>
+          <a:fontRef idx="minor">
+            <a:schemeClr val="lt1"/>
+          </a:fontRef>
+        </p:style>
+        <p:txBody>
+          <a:bodyPr rtlCol="0" anchor="ctr"/>
+          <a:lstStyle/>
+          <a:p>
+            <a:pPr algn="ctr"/>
+            <a:endParaRPr lang="ko-KR" altLang="en-US"/>
+          </a:p>
+        </p:txBody>
+      </p:sp>
+      <p:sp>
+        <p:nvSpPr>
+          <p:cNvPr id="34" name="타원 33">
+            <a:extLst>
+              <a:ext uri="{FF2B5EF4-FFF2-40B4-BE49-F238E27FC236}">
+                <a16:creationId xmlns:a16="http://schemas.microsoft.com/office/drawing/2014/main" id="{04568917-902D-2DED-93F4-C4D2FB9577E1}"/>
+              </a:ext>
+            </a:extLst>
+          </p:cNvPr>
+          <p:cNvSpPr/>
+          <p:nvPr/>
+        </p:nvSpPr>
+        <p:spPr>
+          <a:xfrm>
+            <a:off x="11121683" y="2959756"/>
+            <a:ext cx="540000" cy="540000"/>
+          </a:xfrm>
+          <a:prstGeom prst="ellipse">
+            <a:avLst/>
+          </a:prstGeom>
+          <a:noFill/>
+          <a:ln w="57150">
+            <a:solidFill>
+              <a:srgbClr val="FF0000"/>
+            </a:solidFill>
+          </a:ln>
+        </p:spPr>
+        <p:style>
+          <a:lnRef idx="2">
+            <a:schemeClr val="accent1">
+              <a:shade val="50000"/>
+            </a:schemeClr>
+          </a:lnRef>
+          <a:fillRef idx="1">
+            <a:schemeClr val="accent1"/>
+          </a:fillRef>
+          <a:effectRef idx="0">
+            <a:schemeClr val="accent1"/>
+          </a:effectRef>
+          <a:fontRef idx="minor">
+            <a:schemeClr val="lt1"/>
+          </a:fontRef>
+        </p:style>
+        <p:txBody>
+          <a:bodyPr rtlCol="0" anchor="ctr"/>
+          <a:lstStyle/>
+          <a:p>
+            <a:pPr algn="ctr"/>
+            <a:endParaRPr lang="ko-KR" altLang="en-US"/>
+          </a:p>
+        </p:txBody>
+      </p:sp>
+      <p:sp>
+        <p:nvSpPr>
+          <p:cNvPr id="35" name="타원 34">
+            <a:extLst>
+              <a:ext uri="{FF2B5EF4-FFF2-40B4-BE49-F238E27FC236}">
+                <a16:creationId xmlns:a16="http://schemas.microsoft.com/office/drawing/2014/main" id="{7C8B0F91-653A-0AA6-271C-6B1FBFAE57F0}"/>
+              </a:ext>
+            </a:extLst>
+          </p:cNvPr>
+          <p:cNvSpPr/>
+          <p:nvPr/>
+        </p:nvSpPr>
+        <p:spPr>
+          <a:xfrm>
+            <a:off x="9188156" y="4536007"/>
+            <a:ext cx="540000" cy="540000"/>
+          </a:xfrm>
+          <a:prstGeom prst="ellipse">
+            <a:avLst/>
+          </a:prstGeom>
+          <a:noFill/>
+          <a:ln w="57150">
+            <a:solidFill>
+              <a:srgbClr val="FF0000"/>
+            </a:solidFill>
+          </a:ln>
+        </p:spPr>
+        <p:style>
+          <a:lnRef idx="2">
+            <a:schemeClr val="accent1">
+              <a:shade val="50000"/>
+            </a:schemeClr>
+          </a:lnRef>
+          <a:fillRef idx="1">
+            <a:schemeClr val="accent1"/>
+          </a:fillRef>
+          <a:effectRef idx="0">
+            <a:schemeClr val="accent1"/>
+          </a:effectRef>
+          <a:fontRef idx="minor">
+            <a:schemeClr val="lt1"/>
+          </a:fontRef>
+        </p:style>
+        <p:txBody>
+          <a:bodyPr rtlCol="0" anchor="ctr"/>
+          <a:lstStyle/>
+          <a:p>
+            <a:pPr algn="ctr"/>
+            <a:endParaRPr lang="ko-KR" altLang="en-US"/>
+          </a:p>
+        </p:txBody>
+      </p:sp>
+      <p:sp>
+        <p:nvSpPr>
+          <p:cNvPr id="36" name="타원 35">
+            <a:extLst>
+              <a:ext uri="{FF2B5EF4-FFF2-40B4-BE49-F238E27FC236}">
+                <a16:creationId xmlns:a16="http://schemas.microsoft.com/office/drawing/2014/main" id="{57D06782-D4D8-9A54-5101-AEE9E1ED77ED}"/>
+              </a:ext>
+            </a:extLst>
+          </p:cNvPr>
+          <p:cNvSpPr/>
+          <p:nvPr/>
+        </p:nvSpPr>
+        <p:spPr>
+          <a:xfrm>
+            <a:off x="9188156" y="2959756"/>
+            <a:ext cx="540000" cy="540000"/>
+          </a:xfrm>
+          <a:prstGeom prst="ellipse">
+            <a:avLst/>
+          </a:prstGeom>
+          <a:noFill/>
+          <a:ln w="57150">
+            <a:solidFill>
+              <a:srgbClr val="FF0000"/>
+            </a:solidFill>
+          </a:ln>
+        </p:spPr>
+        <p:style>
+          <a:lnRef idx="2">
+            <a:schemeClr val="accent1">
+              <a:shade val="50000"/>
+            </a:schemeClr>
+          </a:lnRef>
+          <a:fillRef idx="1">
+            <a:schemeClr val="accent1"/>
+          </a:fillRef>
+          <a:effectRef idx="0">
+            <a:schemeClr val="accent1"/>
+          </a:effectRef>
+          <a:fontRef idx="minor">
+            <a:schemeClr val="lt1"/>
+          </a:fontRef>
+        </p:style>
+        <p:txBody>
+          <a:bodyPr rtlCol="0" anchor="ctr"/>
+          <a:lstStyle/>
+          <a:p>
+            <a:pPr algn="ctr"/>
+            <a:endParaRPr lang="ko-KR" altLang="en-US"/>
+          </a:p>
+        </p:txBody>
+      </p:sp>
+      <p:sp>
+        <p:nvSpPr>
+          <p:cNvPr id="37" name="타원 36">
+            <a:extLst>
+              <a:ext uri="{FF2B5EF4-FFF2-40B4-BE49-F238E27FC236}">
+                <a16:creationId xmlns:a16="http://schemas.microsoft.com/office/drawing/2014/main" id="{F800818C-799A-DAC5-826E-82BC92E33B29}"/>
+              </a:ext>
+            </a:extLst>
+          </p:cNvPr>
+          <p:cNvSpPr/>
+          <p:nvPr/>
+        </p:nvSpPr>
+        <p:spPr>
+          <a:xfrm>
+            <a:off x="11121683" y="6112258"/>
+            <a:ext cx="540000" cy="540000"/>
+          </a:xfrm>
+          <a:prstGeom prst="ellipse">
+            <a:avLst/>
+          </a:prstGeom>
+          <a:noFill/>
+          <a:ln w="57150">
+            <a:solidFill>
+              <a:srgbClr val="FF0000"/>
+            </a:solidFill>
+          </a:ln>
+        </p:spPr>
+        <p:style>
+          <a:lnRef idx="2">
+            <a:schemeClr val="accent1">
+              <a:shade val="50000"/>
+            </a:schemeClr>
+          </a:lnRef>
+          <a:fillRef idx="1">
+            <a:schemeClr val="accent1"/>
+          </a:fillRef>
+          <a:effectRef idx="0">
+            <a:schemeClr val="accent1"/>
+          </a:effectRef>
+          <a:fontRef idx="minor">
+            <a:schemeClr val="lt1"/>
+          </a:fontRef>
+        </p:style>
+        <p:txBody>
+          <a:bodyPr rtlCol="0" anchor="ctr"/>
+          <a:lstStyle/>
+          <a:p>
+            <a:pPr algn="ctr"/>
+            <a:endParaRPr lang="ko-KR" altLang="en-US"/>
+          </a:p>
+        </p:txBody>
+      </p:sp>
+      <p:sp>
+        <p:nvSpPr>
+          <p:cNvPr id="38" name="타원 37">
+            <a:extLst>
+              <a:ext uri="{FF2B5EF4-FFF2-40B4-BE49-F238E27FC236}">
+                <a16:creationId xmlns:a16="http://schemas.microsoft.com/office/drawing/2014/main" id="{3CE3A930-10EC-BFD2-CB19-1B66BBB97942}"/>
+              </a:ext>
+            </a:extLst>
+          </p:cNvPr>
+          <p:cNvSpPr/>
+          <p:nvPr/>
+        </p:nvSpPr>
+        <p:spPr>
+          <a:xfrm>
+            <a:off x="10115845" y="4536007"/>
+            <a:ext cx="540000" cy="540000"/>
+          </a:xfrm>
+          <a:prstGeom prst="ellipse">
+            <a:avLst/>
+          </a:prstGeom>
+          <a:noFill/>
+          <a:ln w="57150">
+            <a:solidFill>
+              <a:srgbClr val="FF0000"/>
+            </a:solidFill>
+          </a:ln>
+        </p:spPr>
+        <p:style>
+          <a:lnRef idx="2">
+            <a:schemeClr val="accent1">
+              <a:shade val="50000"/>
+            </a:schemeClr>
+          </a:lnRef>
+          <a:fillRef idx="1">
+            <a:schemeClr val="accent1"/>
+          </a:fillRef>
+          <a:effectRef idx="0">
+            <a:schemeClr val="accent1"/>
+          </a:effectRef>
+          <a:fontRef idx="minor">
+            <a:schemeClr val="lt1"/>
+          </a:fontRef>
+        </p:style>
+        <p:txBody>
+          <a:bodyPr rtlCol="0" anchor="ctr"/>
+          <a:lstStyle/>
+          <a:p>
+            <a:pPr algn="ctr"/>
+            <a:endParaRPr lang="ko-KR" altLang="en-US"/>
+          </a:p>
+        </p:txBody>
+      </p:sp>
+      <p:sp>
+        <p:nvSpPr>
+          <p:cNvPr id="39" name="타원 38">
+            <a:extLst>
+              <a:ext uri="{FF2B5EF4-FFF2-40B4-BE49-F238E27FC236}">
+                <a16:creationId xmlns:a16="http://schemas.microsoft.com/office/drawing/2014/main" id="{0F748B3C-9487-D218-DC9D-50AB8E3E710E}"/>
+              </a:ext>
+            </a:extLst>
+          </p:cNvPr>
+          <p:cNvSpPr/>
+          <p:nvPr/>
+        </p:nvSpPr>
+        <p:spPr>
+          <a:xfrm>
+            <a:off x="11121683" y="4536007"/>
+            <a:ext cx="540000" cy="540000"/>
+          </a:xfrm>
+          <a:prstGeom prst="ellipse">
+            <a:avLst/>
+          </a:prstGeom>
+          <a:noFill/>
+          <a:ln w="57150">
+            <a:solidFill>
+              <a:srgbClr val="FF0000"/>
+            </a:solidFill>
+          </a:ln>
+        </p:spPr>
+        <p:style>
+          <a:lnRef idx="2">
+            <a:schemeClr val="accent1">
+              <a:shade val="50000"/>
+            </a:schemeClr>
+          </a:lnRef>
+          <a:fillRef idx="1">
+            <a:schemeClr val="accent1"/>
+          </a:fillRef>
+          <a:effectRef idx="0">
+            <a:schemeClr val="accent1"/>
+          </a:effectRef>
+          <a:fontRef idx="minor">
+            <a:schemeClr val="lt1"/>
+          </a:fontRef>
+        </p:style>
+        <p:txBody>
+          <a:bodyPr rtlCol="0" anchor="ctr"/>
+          <a:lstStyle/>
+          <a:p>
+            <a:pPr algn="ctr"/>
+            <a:endParaRPr lang="ko-KR" altLang="en-US"/>
+          </a:p>
+        </p:txBody>
+      </p:sp>
+      <p:sp>
+        <p:nvSpPr>
+          <p:cNvPr id="40" name="타원 39">
+            <a:extLst>
+              <a:ext uri="{FF2B5EF4-FFF2-40B4-BE49-F238E27FC236}">
+                <a16:creationId xmlns:a16="http://schemas.microsoft.com/office/drawing/2014/main" id="{0A584EA1-E2CE-DC97-70E6-28712AD5704E}"/>
+              </a:ext>
+            </a:extLst>
+          </p:cNvPr>
+          <p:cNvSpPr/>
+          <p:nvPr/>
+        </p:nvSpPr>
+        <p:spPr>
+          <a:xfrm>
+            <a:off x="10115845" y="6112258"/>
+            <a:ext cx="540000" cy="540000"/>
+          </a:xfrm>
+          <a:prstGeom prst="ellipse">
+            <a:avLst/>
+          </a:prstGeom>
+          <a:noFill/>
+          <a:ln w="57150">
+            <a:solidFill>
+              <a:srgbClr val="FF0000"/>
+            </a:solidFill>
+          </a:ln>
+        </p:spPr>
+        <p:style>
+          <a:lnRef idx="2">
+            <a:schemeClr val="accent1">
+              <a:shade val="50000"/>
+            </a:schemeClr>
+          </a:lnRef>
+          <a:fillRef idx="1">
+            <a:schemeClr val="accent1"/>
+          </a:fillRef>
+          <a:effectRef idx="0">
+            <a:schemeClr val="accent1"/>
+          </a:effectRef>
+          <a:fontRef idx="minor">
+            <a:schemeClr val="lt1"/>
+          </a:fontRef>
+        </p:style>
+        <p:txBody>
+          <a:bodyPr rtlCol="0" anchor="ctr"/>
+          <a:lstStyle/>
+          <a:p>
+            <a:pPr algn="ctr"/>
+            <a:endParaRPr lang="ko-KR" altLang="en-US"/>
+          </a:p>
+        </p:txBody>
+      </p:sp>
+      <p:cxnSp>
+        <p:nvCxnSpPr>
+          <p:cNvPr id="41" name="직선 연결선 40">
+            <a:extLst>
+              <a:ext uri="{FF2B5EF4-FFF2-40B4-BE49-F238E27FC236}">
+                <a16:creationId xmlns:a16="http://schemas.microsoft.com/office/drawing/2014/main" id="{B2AFAE19-99AE-B7B1-D6AD-5B5CF7A2E14B}"/>
+              </a:ext>
+            </a:extLst>
+          </p:cNvPr>
+          <p:cNvCxnSpPr>
+            <a:cxnSpLocks/>
+            <a:stCxn id="40" idx="0"/>
+          </p:cNvCxnSpPr>
+          <p:nvPr/>
+        </p:nvCxnSpPr>
+        <p:spPr>
+          <a:xfrm flipV="1">
+            <a:off x="10385845" y="5702957"/>
+            <a:ext cx="0" cy="409301"/>
+          </a:xfrm>
+          <a:prstGeom prst="line">
+            <a:avLst/>
+          </a:prstGeom>
+          <a:ln w="76200">
+            <a:solidFill>
+              <a:srgbClr val="FF0000"/>
+            </a:solidFill>
+          </a:ln>
+        </p:spPr>
+        <p:style>
+          <a:lnRef idx="1">
+            <a:schemeClr val="accent1"/>
+          </a:lnRef>
+          <a:fillRef idx="0">
+            <a:schemeClr val="accent1"/>
+          </a:fillRef>
+          <a:effectRef idx="0">
+            <a:schemeClr val="accent1"/>
+          </a:effectRef>
+          <a:fontRef idx="minor">
+            <a:schemeClr val="tx1"/>
+          </a:fontRef>
+        </p:style>
+      </p:cxnSp>
+      <p:cxnSp>
+        <p:nvCxnSpPr>
+          <p:cNvPr id="42" name="직선 연결선 41">
+            <a:extLst>
+              <a:ext uri="{FF2B5EF4-FFF2-40B4-BE49-F238E27FC236}">
+                <a16:creationId xmlns:a16="http://schemas.microsoft.com/office/drawing/2014/main" id="{07229999-4E05-713C-ED6C-C556A90C03EB}"/>
+              </a:ext>
+            </a:extLst>
+          </p:cNvPr>
+          <p:cNvCxnSpPr>
+            <a:cxnSpLocks/>
+            <a:stCxn id="37" idx="0"/>
+            <a:endCxn id="39" idx="4"/>
+          </p:cNvCxnSpPr>
+          <p:nvPr/>
+        </p:nvCxnSpPr>
+        <p:spPr>
+          <a:xfrm flipV="1">
+            <a:off x="11391683" y="5076007"/>
+            <a:ext cx="0" cy="1036251"/>
+          </a:xfrm>
+          <a:prstGeom prst="line">
+            <a:avLst/>
+          </a:prstGeom>
+          <a:ln w="76200">
+            <a:solidFill>
+              <a:srgbClr val="FF0000"/>
+            </a:solidFill>
+          </a:ln>
+        </p:spPr>
+        <p:style>
+          <a:lnRef idx="1">
+            <a:schemeClr val="accent1"/>
+          </a:lnRef>
+          <a:fillRef idx="0">
+            <a:schemeClr val="accent1"/>
+          </a:fillRef>
+          <a:effectRef idx="0">
+            <a:schemeClr val="accent1"/>
+          </a:effectRef>
+          <a:fontRef idx="minor">
+            <a:schemeClr val="tx1"/>
+          </a:fontRef>
+        </p:style>
+      </p:cxnSp>
+      <p:cxnSp>
+        <p:nvCxnSpPr>
+          <p:cNvPr id="43" name="직선 연결선 42">
+            <a:extLst>
+              <a:ext uri="{FF2B5EF4-FFF2-40B4-BE49-F238E27FC236}">
+                <a16:creationId xmlns:a16="http://schemas.microsoft.com/office/drawing/2014/main" id="{F5BE165E-8E21-C754-FBE2-3D4719D9D4F6}"/>
+              </a:ext>
+            </a:extLst>
+          </p:cNvPr>
+          <p:cNvCxnSpPr>
+            <a:cxnSpLocks/>
+            <a:endCxn id="39" idx="4"/>
+          </p:cNvCxnSpPr>
+          <p:nvPr/>
+        </p:nvCxnSpPr>
+        <p:spPr>
+          <a:xfrm flipV="1">
+            <a:off x="10346305" y="5076007"/>
+            <a:ext cx="1045378" cy="626950"/>
+          </a:xfrm>
+          <a:prstGeom prst="line">
+            <a:avLst/>
+          </a:prstGeom>
+          <a:ln w="76200">
+            <a:solidFill>
+              <a:srgbClr val="FF0000"/>
+            </a:solidFill>
+          </a:ln>
+        </p:spPr>
+        <p:style>
+          <a:lnRef idx="1">
+            <a:schemeClr val="accent1"/>
+          </a:lnRef>
+          <a:fillRef idx="0">
+            <a:schemeClr val="accent1"/>
+          </a:fillRef>
+          <a:effectRef idx="0">
+            <a:schemeClr val="accent1"/>
+          </a:effectRef>
+          <a:fontRef idx="minor">
+            <a:schemeClr val="tx1"/>
+          </a:fontRef>
+        </p:style>
+      </p:cxnSp>
+      <p:cxnSp>
+        <p:nvCxnSpPr>
+          <p:cNvPr id="44" name="직선 연결선 43">
+            <a:extLst>
+              <a:ext uri="{FF2B5EF4-FFF2-40B4-BE49-F238E27FC236}">
+                <a16:creationId xmlns:a16="http://schemas.microsoft.com/office/drawing/2014/main" id="{19397F6B-B53F-B7A2-672C-21CB619BC2EA}"/>
+              </a:ext>
+            </a:extLst>
+          </p:cNvPr>
+          <p:cNvCxnSpPr>
+            <a:cxnSpLocks/>
+          </p:cNvCxnSpPr>
+          <p:nvPr/>
+        </p:nvCxnSpPr>
+        <p:spPr>
+          <a:xfrm flipV="1">
+            <a:off x="10385845" y="4126706"/>
+            <a:ext cx="0" cy="409301"/>
+          </a:xfrm>
+          <a:prstGeom prst="line">
+            <a:avLst/>
+          </a:prstGeom>
+          <a:ln w="76200">
+            <a:solidFill>
+              <a:srgbClr val="FF0000"/>
+            </a:solidFill>
+          </a:ln>
+        </p:spPr>
+        <p:style>
+          <a:lnRef idx="1">
+            <a:schemeClr val="accent1"/>
+          </a:lnRef>
+          <a:fillRef idx="0">
+            <a:schemeClr val="accent1"/>
+          </a:fillRef>
+          <a:effectRef idx="0">
+            <a:schemeClr val="accent1"/>
+          </a:effectRef>
+          <a:fontRef idx="minor">
+            <a:schemeClr val="tx1"/>
+          </a:fontRef>
+        </p:style>
+      </p:cxnSp>
+      <p:cxnSp>
+        <p:nvCxnSpPr>
+          <p:cNvPr id="45" name="직선 연결선 44">
+            <a:extLst>
+              <a:ext uri="{FF2B5EF4-FFF2-40B4-BE49-F238E27FC236}">
+                <a16:creationId xmlns:a16="http://schemas.microsoft.com/office/drawing/2014/main" id="{ADDF51EA-30CF-0274-2751-3B4F7CDD0446}"/>
+              </a:ext>
+            </a:extLst>
+          </p:cNvPr>
+          <p:cNvCxnSpPr>
+            <a:cxnSpLocks/>
+          </p:cNvCxnSpPr>
+          <p:nvPr/>
+        </p:nvCxnSpPr>
+        <p:spPr>
+          <a:xfrm flipV="1">
+            <a:off x="11391683" y="3499756"/>
+            <a:ext cx="0" cy="1036251"/>
+          </a:xfrm>
+          <a:prstGeom prst="line">
+            <a:avLst/>
+          </a:prstGeom>
+          <a:ln w="76200">
+            <a:solidFill>
+              <a:srgbClr val="FF0000"/>
+            </a:solidFill>
+          </a:ln>
+        </p:spPr>
+        <p:style>
+          <a:lnRef idx="1">
+            <a:schemeClr val="accent1"/>
+          </a:lnRef>
+          <a:fillRef idx="0">
+            <a:schemeClr val="accent1"/>
+          </a:fillRef>
+          <a:effectRef idx="0">
+            <a:schemeClr val="accent1"/>
+          </a:effectRef>
+          <a:fontRef idx="minor">
+            <a:schemeClr val="tx1"/>
+          </a:fontRef>
+        </p:style>
+      </p:cxnSp>
+      <p:cxnSp>
+        <p:nvCxnSpPr>
+          <p:cNvPr id="46" name="직선 연결선 45">
+            <a:extLst>
+              <a:ext uri="{FF2B5EF4-FFF2-40B4-BE49-F238E27FC236}">
+                <a16:creationId xmlns:a16="http://schemas.microsoft.com/office/drawing/2014/main" id="{6C315BEE-C7F2-DD5C-6F1F-548E3FD4CAC8}"/>
+              </a:ext>
+            </a:extLst>
+          </p:cNvPr>
+          <p:cNvCxnSpPr>
+            <a:cxnSpLocks/>
+          </p:cNvCxnSpPr>
+          <p:nvPr/>
+        </p:nvCxnSpPr>
+        <p:spPr>
+          <a:xfrm flipV="1">
+            <a:off x="10346305" y="3499756"/>
+            <a:ext cx="1045378" cy="626950"/>
+          </a:xfrm>
+          <a:prstGeom prst="line">
+            <a:avLst/>
+          </a:prstGeom>
+          <a:ln w="76200">
+            <a:solidFill>
+              <a:srgbClr val="FF0000"/>
+            </a:solidFill>
+          </a:ln>
+        </p:spPr>
+        <p:style>
+          <a:lnRef idx="1">
+            <a:schemeClr val="accent1"/>
+          </a:lnRef>
+          <a:fillRef idx="0">
+            <a:schemeClr val="accent1"/>
+          </a:fillRef>
+          <a:effectRef idx="0">
+            <a:schemeClr val="accent1"/>
+          </a:effectRef>
+          <a:fontRef idx="minor">
+            <a:schemeClr val="tx1"/>
+          </a:fontRef>
+        </p:style>
+      </p:cxnSp>
+      <p:cxnSp>
+        <p:nvCxnSpPr>
+          <p:cNvPr id="47" name="직선 연결선 46">
+            <a:extLst>
+              <a:ext uri="{FF2B5EF4-FFF2-40B4-BE49-F238E27FC236}">
+                <a16:creationId xmlns:a16="http://schemas.microsoft.com/office/drawing/2014/main" id="{0D6B7198-A911-03D4-4DBC-0D35D6F93C39}"/>
+              </a:ext>
+            </a:extLst>
+          </p:cNvPr>
+          <p:cNvCxnSpPr>
+            <a:cxnSpLocks/>
+          </p:cNvCxnSpPr>
+          <p:nvPr/>
+        </p:nvCxnSpPr>
+        <p:spPr>
+          <a:xfrm flipV="1">
+            <a:off x="8435008" y="4113711"/>
+            <a:ext cx="0" cy="409301"/>
+          </a:xfrm>
+          <a:prstGeom prst="line">
+            <a:avLst/>
+          </a:prstGeom>
+          <a:ln w="76200">
+            <a:solidFill>
+              <a:srgbClr val="FF0000"/>
+            </a:solidFill>
+          </a:ln>
+        </p:spPr>
+        <p:style>
+          <a:lnRef idx="1">
+            <a:schemeClr val="accent1"/>
+          </a:lnRef>
+          <a:fillRef idx="0">
+            <a:schemeClr val="accent1"/>
+          </a:fillRef>
+          <a:effectRef idx="0">
+            <a:schemeClr val="accent1"/>
+          </a:effectRef>
+          <a:fontRef idx="minor">
+            <a:schemeClr val="tx1"/>
+          </a:fontRef>
+        </p:style>
+      </p:cxnSp>
+      <p:cxnSp>
+        <p:nvCxnSpPr>
+          <p:cNvPr id="48" name="직선 연결선 47">
+            <a:extLst>
+              <a:ext uri="{FF2B5EF4-FFF2-40B4-BE49-F238E27FC236}">
+                <a16:creationId xmlns:a16="http://schemas.microsoft.com/office/drawing/2014/main" id="{E7E1C06A-41A7-19CC-AC1A-EA1A958016E8}"/>
+              </a:ext>
+            </a:extLst>
+          </p:cNvPr>
+          <p:cNvCxnSpPr>
+            <a:cxnSpLocks/>
+          </p:cNvCxnSpPr>
+          <p:nvPr/>
+        </p:nvCxnSpPr>
+        <p:spPr>
+          <a:xfrm flipV="1">
+            <a:off x="9440846" y="3486761"/>
+            <a:ext cx="0" cy="1036251"/>
+          </a:xfrm>
+          <a:prstGeom prst="line">
+            <a:avLst/>
+          </a:prstGeom>
+          <a:ln w="76200">
+            <a:solidFill>
+              <a:srgbClr val="FF0000"/>
+            </a:solidFill>
+          </a:ln>
+        </p:spPr>
+        <p:style>
+          <a:lnRef idx="1">
+            <a:schemeClr val="accent1"/>
+          </a:lnRef>
+          <a:fillRef idx="0">
+            <a:schemeClr val="accent1"/>
+          </a:fillRef>
+          <a:effectRef idx="0">
+            <a:schemeClr val="accent1"/>
+          </a:effectRef>
+          <a:fontRef idx="minor">
+            <a:schemeClr val="tx1"/>
+          </a:fontRef>
+        </p:style>
+      </p:cxnSp>
+      <p:cxnSp>
+        <p:nvCxnSpPr>
+          <p:cNvPr id="49" name="직선 연결선 48">
+            <a:extLst>
+              <a:ext uri="{FF2B5EF4-FFF2-40B4-BE49-F238E27FC236}">
+                <a16:creationId xmlns:a16="http://schemas.microsoft.com/office/drawing/2014/main" id="{F45494D4-A698-A3EE-4FB6-656E7992D18D}"/>
+              </a:ext>
+            </a:extLst>
+          </p:cNvPr>
+          <p:cNvCxnSpPr>
+            <a:cxnSpLocks/>
+          </p:cNvCxnSpPr>
+          <p:nvPr/>
+        </p:nvCxnSpPr>
+        <p:spPr>
+          <a:xfrm flipV="1">
+            <a:off x="8395468" y="3486761"/>
+            <a:ext cx="1045378" cy="626950"/>
+          </a:xfrm>
+          <a:prstGeom prst="line">
+            <a:avLst/>
+          </a:prstGeom>
+          <a:ln w="76200">
+            <a:solidFill>
+              <a:srgbClr val="FF0000"/>
+            </a:solidFill>
+          </a:ln>
+        </p:spPr>
+        <p:style>
+          <a:lnRef idx="1">
+            <a:schemeClr val="accent1"/>
+          </a:lnRef>
+          <a:fillRef idx="0">
+            <a:schemeClr val="accent1"/>
+          </a:fillRef>
+          <a:effectRef idx="0">
+            <a:schemeClr val="accent1"/>
+          </a:effectRef>
+          <a:fontRef idx="minor">
+            <a:schemeClr val="tx1"/>
+          </a:fontRef>
+        </p:style>
+      </p:cxnSp>
+      <p:sp>
+        <p:nvSpPr>
+          <p:cNvPr id="50" name="타원 49">
+            <a:extLst>
+              <a:ext uri="{FF2B5EF4-FFF2-40B4-BE49-F238E27FC236}">
+                <a16:creationId xmlns:a16="http://schemas.microsoft.com/office/drawing/2014/main" id="{695A50DE-A691-C2EA-58D1-79CA02FDD7D8}"/>
+              </a:ext>
+            </a:extLst>
+          </p:cNvPr>
+          <p:cNvSpPr/>
+          <p:nvPr/>
+        </p:nvSpPr>
+        <p:spPr>
+          <a:xfrm>
+            <a:off x="11128175" y="1361836"/>
+            <a:ext cx="540000" cy="540000"/>
+          </a:xfrm>
+          <a:prstGeom prst="ellipse">
+            <a:avLst/>
+          </a:prstGeom>
+          <a:noFill/>
+          <a:ln w="57150">
+            <a:solidFill>
+              <a:srgbClr val="FF0000"/>
+            </a:solidFill>
+          </a:ln>
+        </p:spPr>
+        <p:style>
+          <a:lnRef idx="2">
+            <a:schemeClr val="accent1">
+              <a:shade val="50000"/>
+            </a:schemeClr>
+          </a:lnRef>
+          <a:fillRef idx="1">
+            <a:schemeClr val="accent1"/>
+          </a:fillRef>
+          <a:effectRef idx="0">
+            <a:schemeClr val="accent1"/>
+          </a:effectRef>
+          <a:fontRef idx="minor">
+            <a:schemeClr val="lt1"/>
+          </a:fontRef>
+        </p:style>
+        <p:txBody>
+          <a:bodyPr rtlCol="0" anchor="ctr"/>
+          <a:lstStyle/>
+          <a:p>
+            <a:pPr algn="ctr"/>
+            <a:endParaRPr lang="ko-KR" altLang="en-US">
+              <a:latin typeface="메이플스토리" panose="02000300000000000000" pitchFamily="2" charset="-127"/>
+              <a:ea typeface="메이플스토리" panose="02000300000000000000" pitchFamily="2" charset="-127"/>
+            </a:endParaRPr>
+          </a:p>
+        </p:txBody>
+      </p:sp>
+      <p:cxnSp>
+        <p:nvCxnSpPr>
+          <p:cNvPr id="51" name="직선 연결선 50">
+            <a:extLst>
+              <a:ext uri="{FF2B5EF4-FFF2-40B4-BE49-F238E27FC236}">
+                <a16:creationId xmlns:a16="http://schemas.microsoft.com/office/drawing/2014/main" id="{170F8248-465D-8656-F121-C4B6B3E85931}"/>
+              </a:ext>
+            </a:extLst>
+          </p:cNvPr>
+          <p:cNvCxnSpPr>
+            <a:cxnSpLocks/>
+          </p:cNvCxnSpPr>
+          <p:nvPr/>
+        </p:nvCxnSpPr>
+        <p:spPr>
+          <a:xfrm flipV="1">
+            <a:off x="9440846" y="2515791"/>
+            <a:ext cx="0" cy="409301"/>
+          </a:xfrm>
+          <a:prstGeom prst="line">
+            <a:avLst/>
+          </a:prstGeom>
+          <a:ln w="76200">
+            <a:solidFill>
+              <a:srgbClr val="FF0000"/>
+            </a:solidFill>
+          </a:ln>
+        </p:spPr>
+        <p:style>
+          <a:lnRef idx="1">
+            <a:schemeClr val="accent1"/>
+          </a:lnRef>
+          <a:fillRef idx="0">
+            <a:schemeClr val="accent1"/>
+          </a:fillRef>
+          <a:effectRef idx="0">
+            <a:schemeClr val="accent1"/>
+          </a:effectRef>
+          <a:fontRef idx="minor">
+            <a:schemeClr val="tx1"/>
+          </a:fontRef>
+        </p:style>
+      </p:cxnSp>
+      <p:cxnSp>
+        <p:nvCxnSpPr>
+          <p:cNvPr id="52" name="직선 연결선 51">
+            <a:extLst>
+              <a:ext uri="{FF2B5EF4-FFF2-40B4-BE49-F238E27FC236}">
+                <a16:creationId xmlns:a16="http://schemas.microsoft.com/office/drawing/2014/main" id="{3E7E9F51-8ABC-AC6C-F607-13F016862FAC}"/>
+              </a:ext>
+            </a:extLst>
+          </p:cNvPr>
+          <p:cNvCxnSpPr>
+            <a:cxnSpLocks/>
+          </p:cNvCxnSpPr>
+          <p:nvPr/>
+        </p:nvCxnSpPr>
+        <p:spPr>
+          <a:xfrm flipV="1">
+            <a:off x="11380865" y="1888841"/>
+            <a:ext cx="0" cy="1036251"/>
+          </a:xfrm>
+          <a:prstGeom prst="line">
+            <a:avLst/>
+          </a:prstGeom>
+          <a:ln w="76200">
+            <a:solidFill>
+              <a:srgbClr val="FF0000"/>
+            </a:solidFill>
+          </a:ln>
+        </p:spPr>
+        <p:style>
+          <a:lnRef idx="1">
+            <a:schemeClr val="accent1"/>
+          </a:lnRef>
+          <a:fillRef idx="0">
+            <a:schemeClr val="accent1"/>
+          </a:fillRef>
+          <a:effectRef idx="0">
+            <a:schemeClr val="accent1"/>
+          </a:effectRef>
+          <a:fontRef idx="minor">
+            <a:schemeClr val="tx1"/>
+          </a:fontRef>
+        </p:style>
+      </p:cxnSp>
+      <p:cxnSp>
+        <p:nvCxnSpPr>
+          <p:cNvPr id="53" name="직선 연결선 52">
+            <a:extLst>
+              <a:ext uri="{FF2B5EF4-FFF2-40B4-BE49-F238E27FC236}">
+                <a16:creationId xmlns:a16="http://schemas.microsoft.com/office/drawing/2014/main" id="{45A1E210-C4CF-A916-8F23-F4C177BAC51D}"/>
+              </a:ext>
+            </a:extLst>
+          </p:cNvPr>
+          <p:cNvCxnSpPr>
+            <a:cxnSpLocks/>
+          </p:cNvCxnSpPr>
+          <p:nvPr/>
+        </p:nvCxnSpPr>
+        <p:spPr>
+          <a:xfrm flipV="1">
+            <a:off x="9458156" y="1888841"/>
+            <a:ext cx="1922709" cy="626950"/>
+          </a:xfrm>
+          <a:prstGeom prst="line">
+            <a:avLst/>
+          </a:prstGeom>
+          <a:ln w="76200">
+            <a:solidFill>
+              <a:srgbClr val="FF0000"/>
+            </a:solidFill>
+          </a:ln>
+        </p:spPr>
+        <p:style>
+          <a:lnRef idx="1">
+            <a:schemeClr val="accent1"/>
+          </a:lnRef>
+          <a:fillRef idx="0">
+            <a:schemeClr val="accent1"/>
+          </a:fillRef>
+          <a:effectRef idx="0">
+            <a:schemeClr val="accent1"/>
+          </a:effectRef>
+          <a:fontRef idx="minor">
+            <a:schemeClr val="tx1"/>
+          </a:fontRef>
+        </p:style>
+      </p:cxnSp>
+      <p:sp>
+        <p:nvSpPr>
+          <p:cNvPr id="56" name="직사각형 55">
+            <a:extLst>
+              <a:ext uri="{FF2B5EF4-FFF2-40B4-BE49-F238E27FC236}">
+                <a16:creationId xmlns:a16="http://schemas.microsoft.com/office/drawing/2014/main" id="{7826FDFF-977D-EFC4-3704-7C65E7D9C40B}"/>
+              </a:ext>
+            </a:extLst>
+          </p:cNvPr>
+          <p:cNvSpPr/>
+          <p:nvPr/>
+        </p:nvSpPr>
+        <p:spPr>
+          <a:xfrm>
+            <a:off x="9906683" y="2713944"/>
+            <a:ext cx="2052605" cy="4034143"/>
+          </a:xfrm>
+          <a:prstGeom prst="rect">
+            <a:avLst/>
+          </a:prstGeom>
+          <a:noFill/>
+          <a:ln w="76200">
+            <a:solidFill>
+              <a:srgbClr val="00B050"/>
+            </a:solidFill>
+          </a:ln>
+        </p:spPr>
+        <p:style>
+          <a:lnRef idx="2">
+            <a:schemeClr val="accent1">
+              <a:shade val="50000"/>
+            </a:schemeClr>
+          </a:lnRef>
+          <a:fillRef idx="1">
+            <a:schemeClr val="accent1"/>
+          </a:fillRef>
+          <a:effectRef idx="0">
+            <a:schemeClr val="accent1"/>
+          </a:effectRef>
+          <a:fontRef idx="minor">
+            <a:schemeClr val="lt1"/>
+          </a:fontRef>
+        </p:style>
+        <p:txBody>
+          <a:bodyPr rtlCol="0" anchor="ctr"/>
+          <a:lstStyle/>
+          <a:p>
+            <a:pPr algn="ctr"/>
+            <a:endParaRPr lang="ko-KR" altLang="en-US"/>
+          </a:p>
+        </p:txBody>
+      </p:sp>
+      <p:sp>
+        <p:nvSpPr>
+          <p:cNvPr id="57" name="직사각형 56">
+            <a:extLst>
+              <a:ext uri="{FF2B5EF4-FFF2-40B4-BE49-F238E27FC236}">
+                <a16:creationId xmlns:a16="http://schemas.microsoft.com/office/drawing/2014/main" id="{9566992C-E679-754A-1CD4-49D83BBCC919}"/>
+              </a:ext>
+            </a:extLst>
+          </p:cNvPr>
+          <p:cNvSpPr/>
+          <p:nvPr/>
+        </p:nvSpPr>
+        <p:spPr>
+          <a:xfrm>
+            <a:off x="4850424" y="1795034"/>
+            <a:ext cx="2052605" cy="4034143"/>
+          </a:xfrm>
+          <a:prstGeom prst="rect">
+            <a:avLst/>
+          </a:prstGeom>
+          <a:noFill/>
+          <a:ln w="76200">
+            <a:solidFill>
+              <a:srgbClr val="00B050"/>
+            </a:solidFill>
+          </a:ln>
+        </p:spPr>
+        <p:style>
+          <a:lnRef idx="2">
+            <a:schemeClr val="accent1">
+              <a:shade val="50000"/>
+            </a:schemeClr>
+          </a:lnRef>
+          <a:fillRef idx="1">
+            <a:schemeClr val="accent1"/>
+          </a:fillRef>
+          <a:effectRef idx="0">
+            <a:schemeClr val="accent1"/>
+          </a:effectRef>
+          <a:fontRef idx="minor">
+            <a:schemeClr val="lt1"/>
+          </a:fontRef>
+        </p:style>
+        <p:txBody>
+          <a:bodyPr rtlCol="0" anchor="ctr"/>
+          <a:lstStyle/>
+          <a:p>
+            <a:pPr algn="ctr"/>
+            <a:endParaRPr lang="ko-KR" altLang="en-US"/>
+          </a:p>
+        </p:txBody>
+      </p:sp>
+      <p:sp>
+        <p:nvSpPr>
+          <p:cNvPr id="58" name="직사각형 57">
+            <a:extLst>
+              <a:ext uri="{FF2B5EF4-FFF2-40B4-BE49-F238E27FC236}">
+                <a16:creationId xmlns:a16="http://schemas.microsoft.com/office/drawing/2014/main" id="{F00270CF-05C0-3ABB-55E4-324600485D54}"/>
+              </a:ext>
+            </a:extLst>
+          </p:cNvPr>
+          <p:cNvSpPr/>
+          <p:nvPr/>
+        </p:nvSpPr>
+        <p:spPr>
+          <a:xfrm>
+            <a:off x="2008611" y="1795034"/>
+            <a:ext cx="2052605" cy="2515710"/>
+          </a:xfrm>
+          <a:prstGeom prst="rect">
+            <a:avLst/>
+          </a:prstGeom>
+          <a:noFill/>
+          <a:ln w="76200">
+            <a:solidFill>
+              <a:srgbClr val="0070C0"/>
+            </a:solidFill>
+          </a:ln>
+        </p:spPr>
+        <p:style>
+          <a:lnRef idx="2">
+            <a:schemeClr val="accent1">
+              <a:shade val="50000"/>
+            </a:schemeClr>
+          </a:lnRef>
+          <a:fillRef idx="1">
+            <a:schemeClr val="accent1"/>
+          </a:fillRef>
+          <a:effectRef idx="0">
+            <a:schemeClr val="accent1"/>
+          </a:effectRef>
+          <a:fontRef idx="minor">
+            <a:schemeClr val="lt1"/>
+          </a:fontRef>
+        </p:style>
+        <p:txBody>
+          <a:bodyPr rtlCol="0" anchor="ctr"/>
+          <a:lstStyle/>
+          <a:p>
+            <a:pPr algn="ctr"/>
+            <a:endParaRPr lang="ko-KR" altLang="en-US"/>
+          </a:p>
+        </p:txBody>
+      </p:sp>
+      <p:sp>
+        <p:nvSpPr>
+          <p:cNvPr id="59" name="직사각형 58">
+            <a:extLst>
+              <a:ext uri="{FF2B5EF4-FFF2-40B4-BE49-F238E27FC236}">
+                <a16:creationId xmlns:a16="http://schemas.microsoft.com/office/drawing/2014/main" id="{E263A5DD-E2EA-B0C8-4287-5C3A089B3216}"/>
+              </a:ext>
+            </a:extLst>
+          </p:cNvPr>
+          <p:cNvSpPr/>
+          <p:nvPr/>
+        </p:nvSpPr>
+        <p:spPr>
+          <a:xfrm>
+            <a:off x="7810551" y="2713944"/>
+            <a:ext cx="2052605" cy="2515710"/>
+          </a:xfrm>
+          <a:prstGeom prst="rect">
+            <a:avLst/>
+          </a:prstGeom>
+          <a:noFill/>
+          <a:ln w="76200">
+            <a:solidFill>
+              <a:srgbClr val="0070C0"/>
+            </a:solidFill>
+          </a:ln>
+        </p:spPr>
+        <p:style>
+          <a:lnRef idx="2">
+            <a:schemeClr val="accent1">
+              <a:shade val="50000"/>
+            </a:schemeClr>
+          </a:lnRef>
+          <a:fillRef idx="1">
+            <a:schemeClr val="accent1"/>
+          </a:fillRef>
+          <a:effectRef idx="0">
+            <a:schemeClr val="accent1"/>
+          </a:effectRef>
+          <a:fontRef idx="minor">
+            <a:schemeClr val="lt1"/>
+          </a:fontRef>
+        </p:style>
+        <p:txBody>
+          <a:bodyPr rtlCol="0" anchor="ctr"/>
+          <a:lstStyle/>
+          <a:p>
+            <a:pPr algn="ctr"/>
+            <a:endParaRPr lang="ko-KR" altLang="en-US"/>
+          </a:p>
+        </p:txBody>
+      </p:sp>
+    </p:spTree>
+    <p:extLst>
+      <p:ext uri="{BB962C8B-B14F-4D97-AF65-F5344CB8AC3E}">
+        <p14:creationId xmlns:p14="http://schemas.microsoft.com/office/powerpoint/2010/main" val="500750566"/>
+      </p:ext>
+    </p:extLst>
+  </p:cSld>
+  <p:clrMapOvr>
+    <a:masterClrMapping/>
+  </p:clrMapOvr>
+  <p:timing>
+    <p:tnLst>
+      <p:par>
+        <p:cTn id="1" dur="indefinite" restart="never" nodeType="tmRoot">
+          <p:childTnLst>
+            <p:seq concurrent="1" nextAc="seek">
+              <p:cTn id="2" dur="indefinite" nodeType="mainSeq">
+                <p:childTnLst>
+                  <p:par>
+                    <p:cTn id="3" fill="hold">
+                      <p:stCondLst>
+                        <p:cond delay="indefinite"/>
+                      </p:stCondLst>
+                      <p:childTnLst>
+                        <p:par>
+                          <p:cTn id="4" fill="hold">
+                            <p:stCondLst>
+                              <p:cond delay="0"/>
+                            </p:stCondLst>
+                            <p:childTnLst>
+                              <p:par>
+                                <p:cTn id="5" presetID="1" presetClass="entr" presetSubtype="0" fill="hold" grpId="0" nodeType="clickEffect">
+                                  <p:stCondLst>
+                                    <p:cond delay="0"/>
+                                  </p:stCondLst>
+                                  <p:childTnLst>
+                                    <p:set>
+                                      <p:cBhvr>
+                                        <p:cTn id="6" dur="1" fill="hold">
+                                          <p:stCondLst>
+                                            <p:cond delay="0"/>
+                                          </p:stCondLst>
+                                        </p:cTn>
+                                        <p:tgtEl>
+                                          <p:spTgt spid="58"/>
+                                        </p:tgtEl>
+                                        <p:attrNameLst>
+                                          <p:attrName>style.visibility</p:attrName>
+                                        </p:attrNameLst>
+                                      </p:cBhvr>
+                                      <p:to>
+                                        <p:strVal val="visible"/>
+                                      </p:to>
+                                    </p:set>
+                                  </p:childTnLst>
+                                </p:cTn>
+                              </p:par>
+                            </p:childTnLst>
+                          </p:cTn>
+                        </p:par>
+                      </p:childTnLst>
+                    </p:cTn>
+                  </p:par>
+                  <p:par>
+                    <p:cTn id="7" fill="hold">
+                      <p:stCondLst>
+                        <p:cond delay="indefinite"/>
+                      </p:stCondLst>
+                      <p:childTnLst>
+                        <p:par>
+                          <p:cTn id="8" fill="hold">
+                            <p:stCondLst>
+                              <p:cond delay="0"/>
+                            </p:stCondLst>
+                            <p:childTnLst>
+                              <p:par>
+                                <p:cTn id="9" presetID="1" presetClass="entr" presetSubtype="0" fill="hold" grpId="0" nodeType="clickEffect">
+                                  <p:stCondLst>
+                                    <p:cond delay="0"/>
+                                  </p:stCondLst>
+                                  <p:childTnLst>
+                                    <p:set>
+                                      <p:cBhvr>
+                                        <p:cTn id="10" dur="1" fill="hold">
+                                          <p:stCondLst>
+                                            <p:cond delay="0"/>
+                                          </p:stCondLst>
+                                        </p:cTn>
+                                        <p:tgtEl>
+                                          <p:spTgt spid="57"/>
+                                        </p:tgtEl>
+                                        <p:attrNameLst>
+                                          <p:attrName>style.visibility</p:attrName>
+                                        </p:attrNameLst>
+                                      </p:cBhvr>
+                                      <p:to>
+                                        <p:strVal val="visible"/>
+                                      </p:to>
+                                    </p:set>
+                                  </p:childTnLst>
+                                </p:cTn>
+                              </p:par>
+                            </p:childTnLst>
+                          </p:cTn>
+                        </p:par>
+                      </p:childTnLst>
+                    </p:cTn>
+                  </p:par>
+                  <p:par>
+                    <p:cTn id="11" fill="hold">
+                      <p:stCondLst>
+                        <p:cond delay="indefinite"/>
+                      </p:stCondLst>
+                      <p:childTnLst>
+                        <p:par>
+                          <p:cTn id="12" fill="hold">
+                            <p:stCondLst>
+                              <p:cond delay="0"/>
+                            </p:stCondLst>
+                            <p:childTnLst>
+                              <p:par>
+                                <p:cTn id="13" presetID="1" presetClass="entr" presetSubtype="0" fill="hold" grpId="0" nodeType="clickEffect">
+                                  <p:stCondLst>
+                                    <p:cond delay="0"/>
+                                  </p:stCondLst>
+                                  <p:childTnLst>
+                                    <p:set>
+                                      <p:cBhvr>
+                                        <p:cTn id="14" dur="1" fill="hold">
+                                          <p:stCondLst>
+                                            <p:cond delay="0"/>
+                                          </p:stCondLst>
+                                        </p:cTn>
+                                        <p:tgtEl>
+                                          <p:spTgt spid="59"/>
+                                        </p:tgtEl>
+                                        <p:attrNameLst>
+                                          <p:attrName>style.visibility</p:attrName>
+                                        </p:attrNameLst>
+                                      </p:cBhvr>
+                                      <p:to>
+                                        <p:strVal val="visible"/>
+                                      </p:to>
+                                    </p:set>
+                                  </p:childTnLst>
+                                </p:cTn>
+                              </p:par>
+                              <p:par>
+                                <p:cTn id="15" presetID="1" presetClass="entr" presetSubtype="0" fill="hold" grpId="0" nodeType="withEffect">
+                                  <p:stCondLst>
+                                    <p:cond delay="0"/>
+                                  </p:stCondLst>
+                                  <p:childTnLst>
+                                    <p:set>
+                                      <p:cBhvr>
+                                        <p:cTn id="16" dur="1" fill="hold">
+                                          <p:stCondLst>
+                                            <p:cond delay="0"/>
+                                          </p:stCondLst>
+                                        </p:cTn>
+                                        <p:tgtEl>
+                                          <p:spTgt spid="56"/>
+                                        </p:tgtEl>
+                                        <p:attrNameLst>
+                                          <p:attrName>style.visibility</p:attrName>
+                                        </p:attrNameLst>
+                                      </p:cBhvr>
+                                      <p:to>
+                                        <p:strVal val="visible"/>
+                                      </p:to>
+                                    </p:set>
+                                  </p:childTnLst>
+                                </p:cTn>
+                              </p:par>
+                            </p:childTnLst>
+                          </p:cTn>
+                        </p:par>
+                      </p:childTnLst>
+                    </p:cTn>
+                  </p:par>
+                </p:childTnLst>
+              </p:cTn>
+              <p:prevCondLst>
+                <p:cond evt="onPrev" delay="0">
+                  <p:tgtEl>
+                    <p:sldTgt/>
+                  </p:tgtEl>
+                </p:cond>
+              </p:prevCondLst>
+              <p:nextCondLst>
+                <p:cond evt="onNext" delay="0">
+                  <p:tgtEl>
+                    <p:sldTgt/>
+                  </p:tgtEl>
+                </p:cond>
+              </p:nextCondLst>
+            </p:seq>
+          </p:childTnLst>
+        </p:cTn>
+      </p:par>
+    </p:tnLst>
+    <p:bldLst>
+      <p:bldP spid="56" grpId="0" animBg="1"/>
+      <p:bldP spid="57" grpId="0" animBg="1"/>
+      <p:bldP spid="58" grpId="0" animBg="1"/>
+      <p:bldP spid="59" grpId="0" animBg="1"/>
+    </p:bldLst>
+  </p:timing>
+</p:sld>
+</file>
+
+<file path=ppt/slides/slide6.xml><?xml version="1.0" encoding="utf-8"?>
+<p:sld xmlns:a="http://schemas.openxmlformats.org/drawingml/2006/main" xmlns:r="http://schemas.openxmlformats.org/officeDocument/2006/relationships" xmlns:p="http://schemas.openxmlformats.org/presentationml/2006/main">
+  <p:cSld>
+    <p:spTree>
+      <p:nvGrpSpPr>
+        <p:cNvPr id="1" name=""/>
+        <p:cNvGrpSpPr/>
+        <p:nvPr/>
+      </p:nvGrpSpPr>
+      <p:grpSpPr>
+        <a:xfrm>
+          <a:off x="0" y="0"/>
+          <a:ext cx="0" cy="0"/>
+          <a:chOff x="0" y="0"/>
+          <a:chExt cx="0" cy="0"/>
+        </a:xfrm>
+      </p:grpSpPr>
+      <p:sp>
+        <p:nvSpPr>
+          <p:cNvPr id="2" name="제목 1">
+            <a:extLst>
+              <a:ext uri="{FF2B5EF4-FFF2-40B4-BE49-F238E27FC236}">
+                <a16:creationId xmlns:a16="http://schemas.microsoft.com/office/drawing/2014/main" id="{BD0DBCDB-C9EE-CDC6-39CE-AD21C276B8B9}"/>
+              </a:ext>
+            </a:extLst>
+          </p:cNvPr>
+          <p:cNvSpPr>
+            <a:spLocks noGrp="1"/>
+          </p:cNvSpPr>
+          <p:nvPr>
+            <p:ph type="title"/>
+          </p:nvPr>
+        </p:nvSpPr>
+        <p:spPr/>
+        <p:txBody>
+          <a:bodyPr/>
+          <a:lstStyle/>
+          <a:p>
+            <a:r>
+              <a:rPr lang="en-US" altLang="ko-KR" dirty="0">
+                <a:latin typeface="메이플스토리" panose="02000300000000000000" pitchFamily="2" charset="-127"/>
+                <a:ea typeface="메이플스토리" panose="02000300000000000000" pitchFamily="2" charset="-127"/>
+              </a:rPr>
               <a:t>Leonardo Number</a:t>
             </a:r>
-            <a:endParaRPr lang="ko-KR" altLang="en-US" dirty="0"/>
+            <a:endParaRPr lang="ko-KR" altLang="en-US" dirty="0">
+              <a:latin typeface="메이플스토리" panose="02000300000000000000" pitchFamily="2" charset="-127"/>
+              <a:ea typeface="메이플스토리" panose="02000300000000000000" pitchFamily="2" charset="-127"/>
+            </a:endParaRPr>
           </a:p>
         </p:txBody>
       </p:sp>
@@ -5196,108 +7846,6 @@
 </p:sld>
 </file>
 
-<file path=ppt/slides/slide6.xml><?xml version="1.0" encoding="utf-8"?>
-<p:sld xmlns:a="http://schemas.openxmlformats.org/drawingml/2006/main" xmlns:r="http://schemas.openxmlformats.org/officeDocument/2006/relationships" xmlns:p="http://schemas.openxmlformats.org/presentationml/2006/main">
-  <p:cSld>
-    <p:spTree>
-      <p:nvGrpSpPr>
-        <p:cNvPr id="1" name=""/>
-        <p:cNvGrpSpPr/>
-        <p:nvPr/>
-      </p:nvGrpSpPr>
-      <p:grpSpPr>
-        <a:xfrm>
-          <a:off x="0" y="0"/>
-          <a:ext cx="0" cy="0"/>
-          <a:chOff x="0" y="0"/>
-          <a:chExt cx="0" cy="0"/>
-        </a:xfrm>
-      </p:grpSpPr>
-      <p:sp>
-        <p:nvSpPr>
-          <p:cNvPr id="2" name="제목 1">
-            <a:extLst>
-              <a:ext uri="{FF2B5EF4-FFF2-40B4-BE49-F238E27FC236}">
-                <a16:creationId xmlns:a16="http://schemas.microsoft.com/office/drawing/2014/main" id="{5716537E-61ED-D93F-BBFB-83F0BD1BDD05}"/>
-              </a:ext>
-            </a:extLst>
-          </p:cNvPr>
-          <p:cNvSpPr>
-            <a:spLocks noGrp="1"/>
-          </p:cNvSpPr>
-          <p:nvPr>
-            <p:ph type="title"/>
-          </p:nvPr>
-        </p:nvSpPr>
-        <p:spPr/>
-        <p:txBody>
-          <a:bodyPr/>
-          <a:lstStyle/>
-          <a:p>
-            <a:r>
-              <a:rPr lang="en-US" altLang="ko-KR" dirty="0"/>
-              <a:t>Smooth Sort</a:t>
-            </a:r>
-            <a:r>
-              <a:rPr lang="ko-KR" altLang="en-US" dirty="0"/>
-              <a:t>의 원리</a:t>
-            </a:r>
-          </a:p>
-        </p:txBody>
-      </p:sp>
-      <p:sp>
-        <p:nvSpPr>
-          <p:cNvPr id="3" name="내용 개체 틀 2">
-            <a:extLst>
-              <a:ext uri="{FF2B5EF4-FFF2-40B4-BE49-F238E27FC236}">
-                <a16:creationId xmlns:a16="http://schemas.microsoft.com/office/drawing/2014/main" id="{BE64B5CF-B5C6-9984-BFCF-44802F7D81E3}"/>
-              </a:ext>
-            </a:extLst>
-          </p:cNvPr>
-          <p:cNvSpPr>
-            <a:spLocks noGrp="1"/>
-          </p:cNvSpPr>
-          <p:nvPr>
-            <p:ph idx="1"/>
-          </p:nvPr>
-        </p:nvSpPr>
-        <p:spPr/>
-        <p:txBody>
-          <a:bodyPr/>
-          <a:lstStyle/>
-          <a:p>
-            <a:r>
-              <a:rPr lang="ko-KR" altLang="en-US" dirty="0"/>
-              <a:t>정렬할 데이터를 트리 구조로 구성</a:t>
-            </a:r>
-          </a:p>
-          <a:p>
-            <a:r>
-              <a:rPr lang="ko-KR" altLang="en-US" dirty="0"/>
-              <a:t>트리의 각 노드를 루트 노드로부터 하위 노드로 갈수록 작은 값을 가지도록 함</a:t>
-            </a:r>
-          </a:p>
-          <a:p>
-            <a:r>
-              <a:rPr lang="ko-KR" altLang="en-US" dirty="0"/>
-              <a:t>루트 노드를 꺼내 정렬된 데이터 맨 끝에 붙이는 과정을 반복</a:t>
-            </a:r>
-          </a:p>
-        </p:txBody>
-      </p:sp>
-    </p:spTree>
-    <p:extLst>
-      <p:ext uri="{BB962C8B-B14F-4D97-AF65-F5344CB8AC3E}">
-        <p14:creationId xmlns:p14="http://schemas.microsoft.com/office/powerpoint/2010/main" val="4008946735"/>
-      </p:ext>
-    </p:extLst>
-  </p:cSld>
-  <p:clrMapOvr>
-    <a:masterClrMapping/>
-  </p:clrMapOvr>
-</p:sld>
-</file>
-
 <file path=ppt/slides/slide7.xml><?xml version="1.0" encoding="utf-8"?>
 <p:sld xmlns:a="http://schemas.openxmlformats.org/drawingml/2006/main" xmlns:r="http://schemas.openxmlformats.org/officeDocument/2006/relationships" xmlns:p="http://schemas.openxmlformats.org/presentationml/2006/main">
   <p:cSld>
@@ -5320,7 +7868,7 @@
           <p:cNvPr id="2" name="제목 1">
             <a:extLst>
               <a:ext uri="{FF2B5EF4-FFF2-40B4-BE49-F238E27FC236}">
-                <a16:creationId xmlns:a16="http://schemas.microsoft.com/office/drawing/2014/main" id="{4A3A0DBE-8C8B-F237-49AC-FC3A4AF88492}"/>
+                <a16:creationId xmlns:a16="http://schemas.microsoft.com/office/drawing/2014/main" id="{5716537E-61ED-D93F-BBFB-83F0BD1BDD05}"/>
               </a:ext>
             </a:extLst>
           </p:cNvPr>
@@ -5337,11 +7885,134 @@
           <a:lstStyle/>
           <a:p>
             <a:r>
-              <a:rPr lang="en-US" altLang="ko-KR" dirty="0"/>
+              <a:rPr lang="en-US" altLang="ko-KR" dirty="0">
+                <a:latin typeface="메이플스토리" panose="02000300000000000000" pitchFamily="2" charset="-127"/>
+                <a:ea typeface="메이플스토리" panose="02000300000000000000" pitchFamily="2" charset="-127"/>
+              </a:rPr>
+              <a:t>Smooth Sort</a:t>
+            </a:r>
+            <a:r>
+              <a:rPr lang="ko-KR" altLang="en-US" dirty="0">
+                <a:latin typeface="메이플스토리" panose="02000300000000000000" pitchFamily="2" charset="-127"/>
+                <a:ea typeface="메이플스토리" panose="02000300000000000000" pitchFamily="2" charset="-127"/>
+              </a:rPr>
+              <a:t>의 원리</a:t>
+            </a:r>
+          </a:p>
+        </p:txBody>
+      </p:sp>
+      <p:sp>
+        <p:nvSpPr>
+          <p:cNvPr id="3" name="내용 개체 틀 2">
+            <a:extLst>
+              <a:ext uri="{FF2B5EF4-FFF2-40B4-BE49-F238E27FC236}">
+                <a16:creationId xmlns:a16="http://schemas.microsoft.com/office/drawing/2014/main" id="{BE64B5CF-B5C6-9984-BFCF-44802F7D81E3}"/>
+              </a:ext>
+            </a:extLst>
+          </p:cNvPr>
+          <p:cNvSpPr>
+            <a:spLocks noGrp="1"/>
+          </p:cNvSpPr>
+          <p:nvPr>
+            <p:ph idx="1"/>
+          </p:nvPr>
+        </p:nvSpPr>
+        <p:spPr/>
+        <p:txBody>
+          <a:bodyPr/>
+          <a:lstStyle/>
+          <a:p>
+            <a:r>
+              <a:rPr lang="ko-KR" altLang="en-US" dirty="0">
+                <a:latin typeface="메이플스토리" panose="02000300000000000000" pitchFamily="2" charset="-127"/>
+                <a:ea typeface="메이플스토리" panose="02000300000000000000" pitchFamily="2" charset="-127"/>
+              </a:rPr>
+              <a:t>정렬할 데이터를 트리 구조로 구성</a:t>
+            </a:r>
+          </a:p>
+          <a:p>
+            <a:r>
+              <a:rPr lang="ko-KR" altLang="en-US" dirty="0">
+                <a:latin typeface="메이플스토리" panose="02000300000000000000" pitchFamily="2" charset="-127"/>
+                <a:ea typeface="메이플스토리" panose="02000300000000000000" pitchFamily="2" charset="-127"/>
+              </a:rPr>
+              <a:t>트리의 각 노드를 루트 노드로부터 하위 노드로 갈 때마다 큰 값을 가지도록 함</a:t>
+            </a:r>
+          </a:p>
+          <a:p>
+            <a:r>
+              <a:rPr lang="ko-KR" altLang="en-US" dirty="0">
+                <a:latin typeface="메이플스토리" panose="02000300000000000000" pitchFamily="2" charset="-127"/>
+                <a:ea typeface="메이플스토리" panose="02000300000000000000" pitchFamily="2" charset="-127"/>
+              </a:rPr>
+              <a:t>루트 노드를 꺼내 정렬된 데이터 맨 끝에 붙이는 과정을 반복</a:t>
+            </a:r>
+          </a:p>
+        </p:txBody>
+      </p:sp>
+    </p:spTree>
+    <p:extLst>
+      <p:ext uri="{BB962C8B-B14F-4D97-AF65-F5344CB8AC3E}">
+        <p14:creationId xmlns:p14="http://schemas.microsoft.com/office/powerpoint/2010/main" val="4008946735"/>
+      </p:ext>
+    </p:extLst>
+  </p:cSld>
+  <p:clrMapOvr>
+    <a:masterClrMapping/>
+  </p:clrMapOvr>
+</p:sld>
+</file>
+
+<file path=ppt/slides/slide8.xml><?xml version="1.0" encoding="utf-8"?>
+<p:sld xmlns:a="http://schemas.openxmlformats.org/drawingml/2006/main" xmlns:r="http://schemas.openxmlformats.org/officeDocument/2006/relationships" xmlns:p="http://schemas.openxmlformats.org/presentationml/2006/main">
+  <p:cSld>
+    <p:spTree>
+      <p:nvGrpSpPr>
+        <p:cNvPr id="1" name=""/>
+        <p:cNvGrpSpPr/>
+        <p:nvPr/>
+      </p:nvGrpSpPr>
+      <p:grpSpPr>
+        <a:xfrm>
+          <a:off x="0" y="0"/>
+          <a:ext cx="0" cy="0"/>
+          <a:chOff x="0" y="0"/>
+          <a:chExt cx="0" cy="0"/>
+        </a:xfrm>
+      </p:grpSpPr>
+      <p:sp>
+        <p:nvSpPr>
+          <p:cNvPr id="2" name="제목 1">
+            <a:extLst>
+              <a:ext uri="{FF2B5EF4-FFF2-40B4-BE49-F238E27FC236}">
+                <a16:creationId xmlns:a16="http://schemas.microsoft.com/office/drawing/2014/main" id="{4A3A0DBE-8C8B-F237-49AC-FC3A4AF88492}"/>
+              </a:ext>
+            </a:extLst>
+          </p:cNvPr>
+          <p:cNvSpPr>
+            <a:spLocks noGrp="1"/>
+          </p:cNvSpPr>
+          <p:nvPr>
+            <p:ph type="title"/>
+          </p:nvPr>
+        </p:nvSpPr>
+        <p:spPr/>
+        <p:txBody>
+          <a:bodyPr/>
+          <a:lstStyle/>
+          <a:p>
+            <a:r>
+              <a:rPr lang="en-US" altLang="ko-KR" dirty="0">
+                <a:latin typeface="메이플스토리" panose="02000300000000000000" pitchFamily="2" charset="-127"/>
+                <a:ea typeface="메이플스토리" panose="02000300000000000000" pitchFamily="2" charset="-127"/>
+              </a:rPr>
               <a:t>Sort</a:t>
             </a:r>
             <a:r>
-              <a:rPr lang="ko-KR" altLang="en-US" dirty="0"/>
+              <a:rPr lang="ko-KR" altLang="en-US" dirty="0">
+                <a:latin typeface="메이플스토리" panose="02000300000000000000" pitchFamily="2" charset="-127"/>
+                <a:ea typeface="메이플스토리" panose="02000300000000000000" pitchFamily="2" charset="-127"/>
+              </a:rPr>
               <a:t> 예시</a:t>
             </a:r>
           </a:p>
@@ -5367,6 +8038,11 @@
           <a:prstGeom prst="ellipse">
             <a:avLst/>
           </a:prstGeom>
+          <a:ln w="76200">
+            <a:solidFill>
+              <a:schemeClr val="tx1"/>
+            </a:solidFill>
+          </a:ln>
         </p:spPr>
         <p:style>
           <a:lnRef idx="2">
@@ -5390,10 +8066,16 @@
           <a:p>
             <a:pPr algn="ctr"/>
             <a:r>
-              <a:rPr lang="en-US" altLang="ko-KR" sz="2800" b="1" dirty="0"/>
+              <a:rPr lang="en-US" altLang="ko-KR" sz="2800" b="1" dirty="0">
+                <a:latin typeface="메이플스토리" panose="02000300000000000000" pitchFamily="2" charset="-127"/>
+                <a:ea typeface="메이플스토리" panose="02000300000000000000" pitchFamily="2" charset="-127"/>
+              </a:rPr>
               <a:t>5</a:t>
             </a:r>
-            <a:endParaRPr lang="ko-KR" altLang="en-US" sz="2800" b="1" dirty="0"/>
+            <a:endParaRPr lang="ko-KR" altLang="en-US" sz="2800" b="1" dirty="0">
+              <a:latin typeface="메이플스토리" panose="02000300000000000000" pitchFamily="2" charset="-127"/>
+              <a:ea typeface="메이플스토리" panose="02000300000000000000" pitchFamily="2" charset="-127"/>
+            </a:endParaRPr>
           </a:p>
         </p:txBody>
       </p:sp>
@@ -5421,7 +8103,11 @@
           <a:prstGeom prst="line">
             <a:avLst/>
           </a:prstGeom>
-          <a:ln w="76200"/>
+          <a:ln w="76200">
+            <a:solidFill>
+              <a:schemeClr val="tx1"/>
+            </a:solidFill>
+          </a:ln>
         </p:spPr>
         <p:style>
           <a:lnRef idx="1">
@@ -5458,6 +8144,11 @@
           <a:prstGeom prst="ellipse">
             <a:avLst/>
           </a:prstGeom>
+          <a:ln w="76200">
+            <a:solidFill>
+              <a:schemeClr val="tx1"/>
+            </a:solidFill>
+          </a:ln>
         </p:spPr>
         <p:style>
           <a:lnRef idx="2">
@@ -5481,10 +8172,16 @@
           <a:p>
             <a:pPr algn="ctr"/>
             <a:r>
-              <a:rPr lang="en-US" altLang="ko-KR" sz="2800" b="1" dirty="0"/>
+              <a:rPr lang="en-US" altLang="ko-KR" sz="2800" b="1" dirty="0">
+                <a:latin typeface="메이플스토리" panose="02000300000000000000" pitchFamily="2" charset="-127"/>
+                <a:ea typeface="메이플스토리" panose="02000300000000000000" pitchFamily="2" charset="-127"/>
+              </a:rPr>
               <a:t>4</a:t>
             </a:r>
-            <a:endParaRPr lang="ko-KR" altLang="en-US" sz="2800" b="1" dirty="0"/>
+            <a:endParaRPr lang="ko-KR" altLang="en-US" sz="2800" b="1" dirty="0">
+              <a:latin typeface="메이플스토리" panose="02000300000000000000" pitchFamily="2" charset="-127"/>
+              <a:ea typeface="메이플스토리" panose="02000300000000000000" pitchFamily="2" charset="-127"/>
+            </a:endParaRPr>
           </a:p>
         </p:txBody>
       </p:sp>
@@ -5512,7 +8209,11 @@
           <a:prstGeom prst="line">
             <a:avLst/>
           </a:prstGeom>
-          <a:ln w="76200"/>
+          <a:ln w="76200">
+            <a:solidFill>
+              <a:schemeClr val="tx1"/>
+            </a:solidFill>
+          </a:ln>
         </p:spPr>
         <p:style>
           <a:lnRef idx="1">
@@ -5549,6 +8250,11 @@
           <a:prstGeom prst="ellipse">
             <a:avLst/>
           </a:prstGeom>
+          <a:ln w="76200">
+            <a:solidFill>
+              <a:schemeClr val="tx1"/>
+            </a:solidFill>
+          </a:ln>
         </p:spPr>
         <p:style>
           <a:lnRef idx="2">
@@ -5572,10 +8278,16 @@
           <a:p>
             <a:pPr algn="ctr"/>
             <a:r>
-              <a:rPr lang="en-US" altLang="ko-KR" sz="2800" b="1" dirty="0"/>
+              <a:rPr lang="en-US" altLang="ko-KR" sz="2800" b="1" dirty="0">
+                <a:latin typeface="메이플스토리" panose="02000300000000000000" pitchFamily="2" charset="-127"/>
+                <a:ea typeface="메이플스토리" panose="02000300000000000000" pitchFamily="2" charset="-127"/>
+              </a:rPr>
               <a:t>3</a:t>
             </a:r>
-            <a:endParaRPr lang="ko-KR" altLang="en-US" sz="2800" b="1" dirty="0"/>
+            <a:endParaRPr lang="ko-KR" altLang="en-US" sz="2800" b="1" dirty="0">
+              <a:latin typeface="메이플스토리" panose="02000300000000000000" pitchFamily="2" charset="-127"/>
+              <a:ea typeface="메이플스토리" panose="02000300000000000000" pitchFamily="2" charset="-127"/>
+            </a:endParaRPr>
           </a:p>
         </p:txBody>
       </p:sp>
@@ -5603,7 +8315,11 @@
           <a:prstGeom prst="line">
             <a:avLst/>
           </a:prstGeom>
-          <a:ln w="76200"/>
+          <a:ln w="76200">
+            <a:solidFill>
+              <a:schemeClr val="tx1"/>
+            </a:solidFill>
+          </a:ln>
         </p:spPr>
         <p:style>
           <a:lnRef idx="1">
@@ -5640,6 +8356,11 @@
           <a:prstGeom prst="ellipse">
             <a:avLst/>
           </a:prstGeom>
+          <a:ln w="76200">
+            <a:solidFill>
+              <a:schemeClr val="tx1"/>
+            </a:solidFill>
+          </a:ln>
         </p:spPr>
         <p:style>
           <a:lnRef idx="2">
@@ -5663,10 +8384,16 @@
           <a:p>
             <a:pPr algn="ctr"/>
             <a:r>
-              <a:rPr lang="en-US" altLang="ko-KR" sz="2800" b="1" dirty="0"/>
+              <a:rPr lang="en-US" altLang="ko-KR" sz="2800" b="1" dirty="0">
+                <a:latin typeface="메이플스토리" panose="02000300000000000000" pitchFamily="2" charset="-127"/>
+                <a:ea typeface="메이플스토리" panose="02000300000000000000" pitchFamily="2" charset="-127"/>
+              </a:rPr>
               <a:t>2</a:t>
             </a:r>
-            <a:endParaRPr lang="ko-KR" altLang="en-US" sz="2800" b="1" dirty="0"/>
+            <a:endParaRPr lang="ko-KR" altLang="en-US" sz="2800" b="1" dirty="0">
+              <a:latin typeface="메이플스토리" panose="02000300000000000000" pitchFamily="2" charset="-127"/>
+              <a:ea typeface="메이플스토리" panose="02000300000000000000" pitchFamily="2" charset="-127"/>
+            </a:endParaRPr>
           </a:p>
         </p:txBody>
       </p:sp>
@@ -5694,7 +8421,11 @@
           <a:prstGeom prst="line">
             <a:avLst/>
           </a:prstGeom>
-          <a:ln w="76200"/>
+          <a:ln w="76200">
+            <a:solidFill>
+              <a:schemeClr val="tx1"/>
+            </a:solidFill>
+          </a:ln>
         </p:spPr>
         <p:style>
           <a:lnRef idx="1">
@@ -5731,6 +8462,11 @@
           <a:prstGeom prst="ellipse">
             <a:avLst/>
           </a:prstGeom>
+          <a:ln w="76200">
+            <a:solidFill>
+              <a:schemeClr val="tx1"/>
+            </a:solidFill>
+          </a:ln>
         </p:spPr>
         <p:style>
           <a:lnRef idx="2">
@@ -5754,10 +8490,16 @@
           <a:p>
             <a:pPr algn="ctr"/>
             <a:r>
-              <a:rPr lang="en-US" altLang="ko-KR" sz="2800" b="1" dirty="0"/>
+              <a:rPr lang="en-US" altLang="ko-KR" sz="2800" b="1" dirty="0">
+                <a:latin typeface="메이플스토리" panose="02000300000000000000" pitchFamily="2" charset="-127"/>
+                <a:ea typeface="메이플스토리" panose="02000300000000000000" pitchFamily="2" charset="-127"/>
+              </a:rPr>
               <a:t>1</a:t>
             </a:r>
-            <a:endParaRPr lang="ko-KR" altLang="en-US" sz="2800" b="1" dirty="0"/>
+            <a:endParaRPr lang="ko-KR" altLang="en-US" sz="2800" b="1" dirty="0">
+              <a:latin typeface="메이플스토리" panose="02000300000000000000" pitchFamily="2" charset="-127"/>
+              <a:ea typeface="메이플스토리" panose="02000300000000000000" pitchFamily="2" charset="-127"/>
+            </a:endParaRPr>
           </a:p>
         </p:txBody>
       </p:sp>
@@ -5791,54 +8533,93 @@
               <a:buNone/>
             </a:pPr>
             <a:r>
-              <a:rPr lang="ko-KR" altLang="en-US" dirty="0"/>
+              <a:rPr lang="ko-KR" altLang="en-US" dirty="0">
+                <a:latin typeface="메이플스토리" panose="02000300000000000000" pitchFamily="2" charset="-127"/>
+                <a:ea typeface="메이플스토리" panose="02000300000000000000" pitchFamily="2" charset="-127"/>
+              </a:rPr>
               <a:t>입력 값</a:t>
             </a:r>
             <a:r>
-              <a:rPr lang="en-US" altLang="ko-KR" dirty="0"/>
+              <a:rPr lang="en-US" altLang="ko-KR" dirty="0">
+                <a:latin typeface="메이플스토리" panose="02000300000000000000" pitchFamily="2" charset="-127"/>
+                <a:ea typeface="메이플스토리" panose="02000300000000000000" pitchFamily="2" charset="-127"/>
+              </a:rPr>
               <a:t>:</a:t>
             </a:r>
             <a:r>
-              <a:rPr lang="ko-KR" altLang="en-US" dirty="0"/>
+              <a:rPr lang="ko-KR" altLang="en-US" dirty="0">
+                <a:latin typeface="메이플스토리" panose="02000300000000000000" pitchFamily="2" charset="-127"/>
+                <a:ea typeface="메이플스토리" panose="02000300000000000000" pitchFamily="2" charset="-127"/>
+              </a:rPr>
               <a:t> </a:t>
             </a:r>
             <a:r>
-              <a:rPr lang="en-US" altLang="ko-KR" dirty="0"/>
+              <a:rPr lang="en-US" altLang="ko-KR" dirty="0">
+                <a:latin typeface="메이플스토리" panose="02000300000000000000" pitchFamily="2" charset="-127"/>
+                <a:ea typeface="메이플스토리" panose="02000300000000000000" pitchFamily="2" charset="-127"/>
+              </a:rPr>
               <a:t>[5,</a:t>
             </a:r>
             <a:r>
-              <a:rPr lang="ko-KR" altLang="en-US" dirty="0"/>
+              <a:rPr lang="ko-KR" altLang="en-US" dirty="0">
+                <a:latin typeface="메이플스토리" panose="02000300000000000000" pitchFamily="2" charset="-127"/>
+                <a:ea typeface="메이플스토리" panose="02000300000000000000" pitchFamily="2" charset="-127"/>
+              </a:rPr>
               <a:t> </a:t>
             </a:r>
             <a:r>
-              <a:rPr lang="en-US" altLang="ko-KR" dirty="0"/>
+              <a:rPr lang="en-US" altLang="ko-KR" dirty="0">
+                <a:latin typeface="메이플스토리" panose="02000300000000000000" pitchFamily="2" charset="-127"/>
+                <a:ea typeface="메이플스토리" panose="02000300000000000000" pitchFamily="2" charset="-127"/>
+              </a:rPr>
               <a:t>4,</a:t>
             </a:r>
             <a:r>
-              <a:rPr lang="ko-KR" altLang="en-US" dirty="0"/>
+              <a:rPr lang="ko-KR" altLang="en-US" dirty="0">
+                <a:latin typeface="메이플스토리" panose="02000300000000000000" pitchFamily="2" charset="-127"/>
+                <a:ea typeface="메이플스토리" panose="02000300000000000000" pitchFamily="2" charset="-127"/>
+              </a:rPr>
               <a:t> </a:t>
             </a:r>
             <a:r>
-              <a:rPr lang="en-US" altLang="ko-KR" dirty="0"/>
+              <a:rPr lang="en-US" altLang="ko-KR" dirty="0">
+                <a:latin typeface="메이플스토리" panose="02000300000000000000" pitchFamily="2" charset="-127"/>
+                <a:ea typeface="메이플스토리" panose="02000300000000000000" pitchFamily="2" charset="-127"/>
+              </a:rPr>
               <a:t>3,</a:t>
             </a:r>
             <a:r>
-              <a:rPr lang="ko-KR" altLang="en-US" dirty="0"/>
+              <a:rPr lang="ko-KR" altLang="en-US" dirty="0">
+                <a:latin typeface="메이플스토리" panose="02000300000000000000" pitchFamily="2" charset="-127"/>
+                <a:ea typeface="메이플스토리" panose="02000300000000000000" pitchFamily="2" charset="-127"/>
+              </a:rPr>
               <a:t> </a:t>
             </a:r>
             <a:r>
-              <a:rPr lang="en-US" altLang="ko-KR" dirty="0"/>
+              <a:rPr lang="en-US" altLang="ko-KR" dirty="0">
+                <a:latin typeface="메이플스토리" panose="02000300000000000000" pitchFamily="2" charset="-127"/>
+                <a:ea typeface="메이플스토리" panose="02000300000000000000" pitchFamily="2" charset="-127"/>
+              </a:rPr>
               <a:t>2,</a:t>
             </a:r>
             <a:r>
-              <a:rPr lang="ko-KR" altLang="en-US" dirty="0"/>
+              <a:rPr lang="ko-KR" altLang="en-US" dirty="0">
+                <a:latin typeface="메이플스토리" panose="02000300000000000000" pitchFamily="2" charset="-127"/>
+                <a:ea typeface="메이플스토리" panose="02000300000000000000" pitchFamily="2" charset="-127"/>
+              </a:rPr>
               <a:t> </a:t>
             </a:r>
             <a:r>
-              <a:rPr lang="en-US" altLang="ko-KR" dirty="0"/>
+              <a:rPr lang="en-US" altLang="ko-KR" dirty="0">
+                <a:latin typeface="메이플스토리" panose="02000300000000000000" pitchFamily="2" charset="-127"/>
+                <a:ea typeface="메이플스토리" panose="02000300000000000000" pitchFamily="2" charset="-127"/>
+              </a:rPr>
               <a:t>1]</a:t>
             </a:r>
-            <a:endParaRPr lang="ko-KR" altLang="en-US" dirty="0"/>
+            <a:endParaRPr lang="ko-KR" altLang="en-US" dirty="0">
+              <a:latin typeface="메이플스토리" panose="02000300000000000000" pitchFamily="2" charset="-127"/>
+              <a:ea typeface="메이플스토리" panose="02000300000000000000" pitchFamily="2" charset="-127"/>
+            </a:endParaRPr>
           </a:p>
         </p:txBody>
       </p:sp>
@@ -6152,7 +8933,7 @@
 </p:sld>
 </file>
 
-<file path=ppt/slides/slide8.xml><?xml version="1.0" encoding="utf-8"?>
+<file path=ppt/slides/slide9.xml><?xml version="1.0" encoding="utf-8"?>
 <p:sld xmlns:a="http://schemas.openxmlformats.org/drawingml/2006/main" xmlns:r="http://schemas.openxmlformats.org/officeDocument/2006/relationships" xmlns:p="http://schemas.openxmlformats.org/presentationml/2006/main">
   <p:cSld>
     <p:spTree>
@@ -6171,39 +8952,6 @@
       </p:grpSpPr>
       <p:sp>
         <p:nvSpPr>
-          <p:cNvPr id="25" name="내용 개체 틀 17">
-            <a:extLst>
-              <a:ext uri="{FF2B5EF4-FFF2-40B4-BE49-F238E27FC236}">
-                <a16:creationId xmlns:a16="http://schemas.microsoft.com/office/drawing/2014/main" id="{43A58B78-98C7-5C07-14D4-AB2EA0D50E24}"/>
-              </a:ext>
-            </a:extLst>
-          </p:cNvPr>
-          <p:cNvSpPr>
-            <a:spLocks noGrp="1"/>
-          </p:cNvSpPr>
-          <p:nvPr>
-            <p:ph idx="1"/>
-          </p:nvPr>
-        </p:nvSpPr>
-        <p:spPr>
-          <a:xfrm>
-            <a:off x="726989" y="1800347"/>
-            <a:ext cx="10515600" cy="4351338"/>
-          </a:xfrm>
-        </p:spPr>
-        <p:txBody>
-          <a:bodyPr anchor="b"/>
-          <a:lstStyle/>
-          <a:p>
-            <a:pPr marL="0" indent="0" algn="r">
-              <a:buNone/>
-            </a:pPr>
-            <a:endParaRPr lang="ko-KR" altLang="en-US" dirty="0"/>
-          </a:p>
-        </p:txBody>
-      </p:sp>
-      <p:sp>
-        <p:nvSpPr>
           <p:cNvPr id="2" name="제목 1">
             <a:extLst>
               <a:ext uri="{FF2B5EF4-FFF2-40B4-BE49-F238E27FC236}">
@@ -6224,11 +8972,17 @@
           <a:lstStyle/>
           <a:p>
             <a:r>
-              <a:rPr lang="en-US" altLang="ko-KR" dirty="0"/>
+              <a:rPr lang="en-US" altLang="ko-KR" dirty="0">
+                <a:latin typeface="메이플스토리" panose="02000300000000000000" pitchFamily="2" charset="-127"/>
+                <a:ea typeface="메이플스토리" panose="02000300000000000000" pitchFamily="2" charset="-127"/>
+              </a:rPr>
               <a:t>Sort</a:t>
             </a:r>
             <a:r>
-              <a:rPr lang="ko-KR" altLang="en-US" dirty="0"/>
+              <a:rPr lang="ko-KR" altLang="en-US" dirty="0">
+                <a:latin typeface="메이플스토리" panose="02000300000000000000" pitchFamily="2" charset="-127"/>
+                <a:ea typeface="메이플스토리" panose="02000300000000000000" pitchFamily="2" charset="-127"/>
+              </a:rPr>
               <a:t> 예시</a:t>
             </a:r>
           </a:p>
@@ -6254,6 +9008,11 @@
           <a:prstGeom prst="ellipse">
             <a:avLst/>
           </a:prstGeom>
+          <a:ln w="76200">
+            <a:solidFill>
+              <a:schemeClr val="tx1"/>
+            </a:solidFill>
+          </a:ln>
         </p:spPr>
         <p:style>
           <a:lnRef idx="2">
@@ -6277,10 +9036,16 @@
           <a:p>
             <a:pPr algn="ctr"/>
             <a:r>
-              <a:rPr lang="en-US" altLang="ko-KR" sz="2800" b="1" dirty="0"/>
+              <a:rPr lang="en-US" altLang="ko-KR" sz="2800" b="1" dirty="0">
+                <a:latin typeface="메이플스토리" panose="02000300000000000000" pitchFamily="2" charset="-127"/>
+                <a:ea typeface="메이플스토리" panose="02000300000000000000" pitchFamily="2" charset="-127"/>
+              </a:rPr>
               <a:t>5</a:t>
             </a:r>
-            <a:endParaRPr lang="ko-KR" altLang="en-US" sz="2800" b="1" dirty="0"/>
+            <a:endParaRPr lang="ko-KR" altLang="en-US" sz="2800" b="1" dirty="0">
+              <a:latin typeface="메이플스토리" panose="02000300000000000000" pitchFamily="2" charset="-127"/>
+              <a:ea typeface="메이플스토리" panose="02000300000000000000" pitchFamily="2" charset="-127"/>
+            </a:endParaRPr>
           </a:p>
         </p:txBody>
       </p:sp>
@@ -6308,7 +9073,11 @@
           <a:prstGeom prst="line">
             <a:avLst/>
           </a:prstGeom>
-          <a:ln w="76200"/>
+          <a:ln w="76200">
+            <a:solidFill>
+              <a:schemeClr val="tx1"/>
+            </a:solidFill>
+          </a:ln>
         </p:spPr>
         <p:style>
           <a:lnRef idx="1">
@@ -6345,6 +9114,11 @@
           <a:prstGeom prst="ellipse">
             <a:avLst/>
           </a:prstGeom>
+          <a:ln w="76200">
+            <a:solidFill>
+              <a:schemeClr val="tx1"/>
+            </a:solidFill>
+          </a:ln>
         </p:spPr>
         <p:style>
           <a:lnRef idx="2">
@@ -6368,10 +9142,16 @@
           <a:p>
             <a:pPr algn="ctr"/>
             <a:r>
-              <a:rPr lang="en-US" altLang="ko-KR" sz="2800" b="1" dirty="0"/>
+              <a:rPr lang="en-US" altLang="ko-KR" sz="2800" b="1" dirty="0">
+                <a:latin typeface="메이플스토리" panose="02000300000000000000" pitchFamily="2" charset="-127"/>
+                <a:ea typeface="메이플스토리" panose="02000300000000000000" pitchFamily="2" charset="-127"/>
+              </a:rPr>
               <a:t>4</a:t>
             </a:r>
-            <a:endParaRPr lang="ko-KR" altLang="en-US" sz="2800" b="1" dirty="0"/>
+            <a:endParaRPr lang="ko-KR" altLang="en-US" sz="2800" b="1" dirty="0">
+              <a:latin typeface="메이플스토리" panose="02000300000000000000" pitchFamily="2" charset="-127"/>
+              <a:ea typeface="메이플스토리" panose="02000300000000000000" pitchFamily="2" charset="-127"/>
+            </a:endParaRPr>
           </a:p>
         </p:txBody>
       </p:sp>
@@ -6399,7 +9179,11 @@
           <a:prstGeom prst="line">
             <a:avLst/>
           </a:prstGeom>
-          <a:ln w="76200"/>
+          <a:ln w="76200">
+            <a:solidFill>
+              <a:schemeClr val="tx1"/>
+            </a:solidFill>
+          </a:ln>
         </p:spPr>
         <p:style>
           <a:lnRef idx="1">
@@ -6436,6 +9220,11 @@
           <a:prstGeom prst="ellipse">
             <a:avLst/>
           </a:prstGeom>
+          <a:ln w="76200">
+            <a:solidFill>
+              <a:schemeClr val="tx1"/>
+            </a:solidFill>
+          </a:ln>
         </p:spPr>
         <p:style>
           <a:lnRef idx="2">
@@ -6459,10 +9248,16 @@
           <a:p>
             <a:pPr algn="ctr"/>
             <a:r>
-              <a:rPr lang="en-US" altLang="ko-KR" sz="2800" b="1" dirty="0"/>
+              <a:rPr lang="en-US" altLang="ko-KR" sz="2800" b="1" dirty="0">
+                <a:latin typeface="메이플스토리" panose="02000300000000000000" pitchFamily="2" charset="-127"/>
+                <a:ea typeface="메이플스토리" panose="02000300000000000000" pitchFamily="2" charset="-127"/>
+              </a:rPr>
               <a:t>3</a:t>
             </a:r>
-            <a:endParaRPr lang="ko-KR" altLang="en-US" sz="2800" b="1" dirty="0"/>
+            <a:endParaRPr lang="ko-KR" altLang="en-US" sz="2800" b="1" dirty="0">
+              <a:latin typeface="메이플스토리" panose="02000300000000000000" pitchFamily="2" charset="-127"/>
+              <a:ea typeface="메이플스토리" panose="02000300000000000000" pitchFamily="2" charset="-127"/>
+            </a:endParaRPr>
           </a:p>
         </p:txBody>
       </p:sp>
@@ -6490,7 +9285,11 @@
           <a:prstGeom prst="line">
             <a:avLst/>
           </a:prstGeom>
-          <a:ln w="76200"/>
+          <a:ln w="76200">
+            <a:solidFill>
+              <a:schemeClr val="tx1"/>
+            </a:solidFill>
+          </a:ln>
         </p:spPr>
         <p:style>
           <a:lnRef idx="1">
@@ -6527,6 +9326,11 @@
           <a:prstGeom prst="ellipse">
             <a:avLst/>
           </a:prstGeom>
+          <a:ln w="76200">
+            <a:solidFill>
+              <a:schemeClr val="tx1"/>
+            </a:solidFill>
+          </a:ln>
         </p:spPr>
         <p:style>
           <a:lnRef idx="2">
@@ -6550,10 +9354,16 @@
           <a:p>
             <a:pPr algn="ctr"/>
             <a:r>
-              <a:rPr lang="en-US" altLang="ko-KR" sz="2800" b="1" dirty="0"/>
+              <a:rPr lang="en-US" altLang="ko-KR" sz="2800" b="1" dirty="0">
+                <a:latin typeface="메이플스토리" panose="02000300000000000000" pitchFamily="2" charset="-127"/>
+                <a:ea typeface="메이플스토리" panose="02000300000000000000" pitchFamily="2" charset="-127"/>
+              </a:rPr>
               <a:t>2</a:t>
             </a:r>
-            <a:endParaRPr lang="ko-KR" altLang="en-US" sz="2800" b="1" dirty="0"/>
+            <a:endParaRPr lang="ko-KR" altLang="en-US" sz="2800" b="1" dirty="0">
+              <a:latin typeface="메이플스토리" panose="02000300000000000000" pitchFamily="2" charset="-127"/>
+              <a:ea typeface="메이플스토리" panose="02000300000000000000" pitchFamily="2" charset="-127"/>
+            </a:endParaRPr>
           </a:p>
         </p:txBody>
       </p:sp>
@@ -6581,7 +9391,11 @@
           <a:prstGeom prst="line">
             <a:avLst/>
           </a:prstGeom>
-          <a:ln w="76200"/>
+          <a:ln w="76200">
+            <a:solidFill>
+              <a:schemeClr val="tx1"/>
+            </a:solidFill>
+          </a:ln>
         </p:spPr>
         <p:style>
           <a:lnRef idx="1">
@@ -6618,6 +9432,11 @@
           <a:prstGeom prst="ellipse">
             <a:avLst/>
           </a:prstGeom>
+          <a:ln w="76200">
+            <a:solidFill>
+              <a:schemeClr val="tx1"/>
+            </a:solidFill>
+          </a:ln>
         </p:spPr>
         <p:style>
           <a:lnRef idx="2">
@@ -6641,10 +9460,16 @@
           <a:p>
             <a:pPr algn="ctr"/>
             <a:r>
-              <a:rPr lang="en-US" altLang="ko-KR" sz="2800" b="1" dirty="0"/>
+              <a:rPr lang="en-US" altLang="ko-KR" sz="2800" b="1" dirty="0">
+                <a:latin typeface="메이플스토리" panose="02000300000000000000" pitchFamily="2" charset="-127"/>
+                <a:ea typeface="메이플스토리" panose="02000300000000000000" pitchFamily="2" charset="-127"/>
+              </a:rPr>
               <a:t>1</a:t>
             </a:r>
-            <a:endParaRPr lang="ko-KR" altLang="en-US" sz="2800" b="1" dirty="0"/>
+            <a:endParaRPr lang="ko-KR" altLang="en-US" sz="2800" b="1" dirty="0">
+              <a:latin typeface="메이플스토리" panose="02000300000000000000" pitchFamily="2" charset="-127"/>
+              <a:ea typeface="메이플스토리" panose="02000300000000000000" pitchFamily="2" charset="-127"/>
+            </a:endParaRPr>
           </a:p>
         </p:txBody>
       </p:sp>
@@ -6679,14 +9504,88 @@
                             </p:stCondLst>
                             <p:childTnLst>
                               <p:par>
-                                <p:cTn id="5" presetID="1" presetClass="exit" presetSubtype="0" fill="hold" nodeType="clickEffect">
+                                <p:cTn id="5" presetID="27" presetClass="emph" presetSubtype="0" fill="remove" grpId="1" nodeType="clickEffect">
+                                  <p:stCondLst>
+                                    <p:cond delay="0"/>
+                                  </p:stCondLst>
+                                  <p:childTnLst>
+                                    <p:animClr clrSpc="rgb" dir="cw">
+                                      <p:cBhvr override="childStyle">
+                                        <p:cTn id="6" dur="250" autoRev="1" fill="remove"/>
+                                        <p:tgtEl>
+                                          <p:spTgt spid="19"/>
+                                        </p:tgtEl>
+                                        <p:attrNameLst>
+                                          <p:attrName>style.color</p:attrName>
+                                        </p:attrNameLst>
+                                      </p:cBhvr>
+                                      <p:to>
+                                        <a:schemeClr val="bg1"/>
+                                      </p:to>
+                                    </p:animClr>
+                                    <p:animClr clrSpc="rgb" dir="cw">
+                                      <p:cBhvr>
+                                        <p:cTn id="7" dur="250" autoRev="1" fill="remove"/>
+                                        <p:tgtEl>
+                                          <p:spTgt spid="19"/>
+                                        </p:tgtEl>
+                                        <p:attrNameLst>
+                                          <p:attrName>fillcolor</p:attrName>
+                                        </p:attrNameLst>
+                                      </p:cBhvr>
+                                      <p:to>
+                                        <a:schemeClr val="bg1"/>
+                                      </p:to>
+                                    </p:animClr>
+                                    <p:set>
+                                      <p:cBhvr>
+                                        <p:cTn id="8" dur="250" autoRev="1" fill="remove"/>
+                                        <p:tgtEl>
+                                          <p:spTgt spid="19"/>
+                                        </p:tgtEl>
+                                        <p:attrNameLst>
+                                          <p:attrName>fill.type</p:attrName>
+                                        </p:attrNameLst>
+                                      </p:cBhvr>
+                                      <p:to>
+                                        <p:strVal val="solid"/>
+                                      </p:to>
+                                    </p:set>
+                                    <p:set>
+                                      <p:cBhvr>
+                                        <p:cTn id="9" dur="250" autoRev="1" fill="remove"/>
+                                        <p:tgtEl>
+                                          <p:spTgt spid="19"/>
+                                        </p:tgtEl>
+                                        <p:attrNameLst>
+                                          <p:attrName>fill.on</p:attrName>
+                                        </p:attrNameLst>
+                                      </p:cBhvr>
+                                      <p:to>
+                                        <p:strVal val="true"/>
+                                      </p:to>
+                                    </p:set>
+                                  </p:childTnLst>
+                                </p:cTn>
+                              </p:par>
+                            </p:childTnLst>
+                          </p:cTn>
+                        </p:par>
+                        <p:par>
+                          <p:cTn id="10" fill="hold">
+                            <p:stCondLst>
+                              <p:cond delay="500"/>
+                            </p:stCondLst>
+                            <p:childTnLst>
+                              <p:par>
+                                <p:cTn id="11" presetID="1" presetClass="exit" presetSubtype="0" fill="hold" nodeType="afterEffect">
                                   <p:stCondLst>
                                     <p:cond delay="0"/>
                                   </p:stCondLst>
                                   <p:childTnLst>
                                     <p:set>
                                       <p:cBhvr>
-                                        <p:cTn id="6" dur="1" fill="hold">
+                                        <p:cTn id="12" dur="1" fill="hold">
                                           <p:stCondLst>
                                             <p:cond delay="0"/>
                                           </p:stCondLst>
@@ -6706,14 +9605,14 @@
                                 </p:cTn>
                               </p:par>
                               <p:par>
-                                <p:cTn id="7" presetID="1" presetClass="exit" presetSubtype="0" fill="hold" nodeType="withEffect">
+                                <p:cTn id="13" presetID="1" presetClass="exit" presetSubtype="0" fill="hold" nodeType="withEffect">
                                   <p:stCondLst>
                                     <p:cond delay="0"/>
                                   </p:stCondLst>
                                   <p:childTnLst>
                                     <p:set>
                                       <p:cBhvr>
-                                        <p:cTn id="8" dur="1" fill="hold">
+                                        <p:cTn id="14" dur="1" fill="hold">
                                           <p:stCondLst>
                                             <p:cond delay="0"/>
                                           </p:stCondLst>
@@ -6733,14 +9632,14 @@
                                 </p:cTn>
                               </p:par>
                               <p:par>
-                                <p:cTn id="9" presetID="0" presetClass="path" presetSubtype="0" accel="50000" decel="50000" fill="hold" grpId="0" nodeType="withEffect">
+                                <p:cTn id="15" presetID="0" presetClass="path" presetSubtype="0" accel="50000" decel="50000" fill="hold" grpId="0" nodeType="withEffect">
                                   <p:stCondLst>
                                     <p:cond delay="0"/>
                                   </p:stCondLst>
                                   <p:childTnLst>
                                     <p:animMotion origin="layout" path="M -0.04011 -0.00555 L -0.04011 -0.00532 L 0.25026 -0.00856 C 0.26862 -0.00879 0.30364 -0.01064 0.32344 -0.01157 C 0.3306 -0.0125 0.33724 -0.01365 0.34453 -0.01435 C 0.35482 -0.0155 0.36562 -0.01597 0.37591 -0.01736 C 0.44101 -0.02592 0.38528 -0.02129 0.43203 -0.02453 C 0.44362 -0.02662 0.45534 -0.02824 0.46653 -0.03032 C 0.4737 -0.03171 0.48047 -0.03356 0.48763 -0.03495 C 0.49127 -0.03541 0.49804 -0.03611 0.49804 -0.03611 " pathEditMode="relative" rAng="0" ptsTypes="AAAAAAAAAA">
                                       <p:cBhvr>
-                                        <p:cTn id="10" dur="2000" fill="hold"/>
+                                        <p:cTn id="16" dur="2000" fill="hold"/>
                                         <p:tgtEl>
                                           <p:spTgt spid="19"/>
                                         </p:tgtEl>
@@ -6761,26 +9660,100 @@
                     </p:cTn>
                   </p:par>
                   <p:par>
-                    <p:cTn id="11" fill="hold">
+                    <p:cTn id="17" fill="hold">
                       <p:stCondLst>
                         <p:cond delay="indefinite"/>
                       </p:stCondLst>
                       <p:childTnLst>
                         <p:par>
-                          <p:cTn id="12" fill="hold">
+                          <p:cTn id="18" fill="hold">
                             <p:stCondLst>
                               <p:cond delay="0"/>
                             </p:stCondLst>
                             <p:childTnLst>
                               <p:par>
-                                <p:cTn id="13" presetID="1" presetClass="exit" presetSubtype="0" fill="hold" nodeType="clickEffect">
+                                <p:cTn id="19" presetID="27" presetClass="emph" presetSubtype="0" fill="remove" grpId="1" nodeType="clickEffect">
+                                  <p:stCondLst>
+                                    <p:cond delay="0"/>
+                                  </p:stCondLst>
+                                  <p:childTnLst>
+                                    <p:animClr clrSpc="rgb" dir="cw">
+                                      <p:cBhvr override="childStyle">
+                                        <p:cTn id="20" dur="250" autoRev="1" fill="remove"/>
+                                        <p:tgtEl>
+                                          <p:spTgt spid="5"/>
+                                        </p:tgtEl>
+                                        <p:attrNameLst>
+                                          <p:attrName>style.color</p:attrName>
+                                        </p:attrNameLst>
+                                      </p:cBhvr>
+                                      <p:to>
+                                        <a:schemeClr val="bg1"/>
+                                      </p:to>
+                                    </p:animClr>
+                                    <p:animClr clrSpc="rgb" dir="cw">
+                                      <p:cBhvr>
+                                        <p:cTn id="21" dur="250" autoRev="1" fill="remove"/>
+                                        <p:tgtEl>
+                                          <p:spTgt spid="5"/>
+                                        </p:tgtEl>
+                                        <p:attrNameLst>
+                                          <p:attrName>fillcolor</p:attrName>
+                                        </p:attrNameLst>
+                                      </p:cBhvr>
+                                      <p:to>
+                                        <a:schemeClr val="bg1"/>
+                                      </p:to>
+                                    </p:animClr>
+                                    <p:set>
+                                      <p:cBhvr>
+                                        <p:cTn id="22" dur="250" autoRev="1" fill="remove"/>
+                                        <p:tgtEl>
+                                          <p:spTgt spid="5"/>
+                                        </p:tgtEl>
+                                        <p:attrNameLst>
+                                          <p:attrName>fill.type</p:attrName>
+                                        </p:attrNameLst>
+                                      </p:cBhvr>
+                                      <p:to>
+                                        <p:strVal val="solid"/>
+                                      </p:to>
+                                    </p:set>
+                                    <p:set>
+                                      <p:cBhvr>
+                                        <p:cTn id="23" dur="250" autoRev="1" fill="remove"/>
+                                        <p:tgtEl>
+                                          <p:spTgt spid="5"/>
+                                        </p:tgtEl>
+                                        <p:attrNameLst>
+                                          <p:attrName>fill.on</p:attrName>
+                                        </p:attrNameLst>
+                                      </p:cBhvr>
+                                      <p:to>
+                                        <p:strVal val="true"/>
+                                      </p:to>
+                                    </p:set>
+                                  </p:childTnLst>
+                                </p:cTn>
+                              </p:par>
+                            </p:childTnLst>
+                          </p:cTn>
+                        </p:par>
+                        <p:par>
+                          <p:cTn id="24" fill="hold">
+                            <p:stCondLst>
+                              <p:cond delay="500"/>
+                            </p:stCondLst>
+                            <p:childTnLst>
+                              <p:par>
+                                <p:cTn id="25" presetID="1" presetClass="exit" presetSubtype="0" fill="hold" nodeType="afterEffect">
                                   <p:stCondLst>
                                     <p:cond delay="0"/>
                                   </p:stCondLst>
                                   <p:childTnLst>
                                     <p:set>
                                       <p:cBhvr>
-                                        <p:cTn id="14" dur="1" fill="hold">
+                                        <p:cTn id="26" dur="1" fill="hold">
                                           <p:stCondLst>
                                             <p:cond delay="0"/>
                                           </p:stCondLst>
@@ -6800,14 +9773,14 @@
                                 </p:cTn>
                               </p:par>
                               <p:par>
-                                <p:cTn id="15" presetID="1" presetClass="exit" presetSubtype="0" fill="hold" nodeType="withEffect">
+                                <p:cTn id="27" presetID="1" presetClass="exit" presetSubtype="0" fill="hold" nodeType="withEffect">
                                   <p:stCondLst>
                                     <p:cond delay="0"/>
                                   </p:stCondLst>
                                   <p:childTnLst>
                                     <p:set>
                                       <p:cBhvr>
-                                        <p:cTn id="16" dur="1" fill="hold">
+                                        <p:cTn id="28" dur="1" fill="hold">
                                           <p:stCondLst>
                                             <p:cond delay="0"/>
                                           </p:stCondLst>
@@ -6827,14 +9800,14 @@
                                 </p:cTn>
                               </p:par>
                               <p:par>
-                                <p:cTn id="17" presetID="0" presetClass="path" presetSubtype="0" accel="50000" decel="50000" fill="hold" grpId="0" nodeType="withEffect">
+                                <p:cTn id="29" presetID="0" presetClass="path" presetSubtype="0" accel="50000" decel="50000" fill="hold" grpId="0" nodeType="withEffect">
                                   <p:stCondLst>
                                     <p:cond delay="0"/>
                                   </p:stCondLst>
                                   <p:childTnLst>
                                     <p:animMotion origin="layout" path="M 3.33333E-6 -7.40741E-7 L 3.33333E-6 0.00023 C 0.27656 -0.06643 -0.0892 0.02292 0.23672 -0.06528 C 0.29062 -0.08032 0.41966 -0.11018 0.41966 -0.10995 C 0.4125 -0.13611 0.41015 -0.16204 0.40078 -0.18819 C 0.39609 -0.19768 0.41015 -0.19606 0.36328 -0.19954 " pathEditMode="relative" rAng="0" ptsTypes="AAAAAA">
                                       <p:cBhvr>
-                                        <p:cTn id="18" dur="2000" fill="hold"/>
+                                        <p:cTn id="30" dur="2000" fill="hold"/>
                                         <p:tgtEl>
                                           <p:spTgt spid="5"/>
                                         </p:tgtEl>
@@ -6855,26 +9828,26 @@
                     </p:cTn>
                   </p:par>
                   <p:par>
-                    <p:cTn id="19" fill="hold">
+                    <p:cTn id="31" fill="hold">
                       <p:stCondLst>
                         <p:cond delay="indefinite"/>
                       </p:stCondLst>
                       <p:childTnLst>
                         <p:par>
-                          <p:cTn id="20" fill="hold">
+                          <p:cTn id="32" fill="hold">
                             <p:stCondLst>
                               <p:cond delay="0"/>
                             </p:stCondLst>
                             <p:childTnLst>
                               <p:par>
-                                <p:cTn id="21" presetID="0" presetClass="path" presetSubtype="0" accel="50000" decel="50000" fill="hold" grpId="0" nodeType="clickEffect">
+                                <p:cTn id="33" presetID="0" presetClass="path" presetSubtype="0" accel="50000" decel="50000" fill="hold" grpId="0" nodeType="clickEffect">
                                   <p:stCondLst>
                                     <p:cond delay="0"/>
                                   </p:stCondLst>
                                   <p:childTnLst>
                                     <p:animMotion origin="layout" path="M 0.0612 0.20625 L 0.0612 0.20625 C 0.0681 0.0963 0.06472 0.16111 0.06224 -0.06944 C 0.06172 -0.11157 0.06055 -0.1537 0.05912 -0.1956 C 0.05912 -0.19792 0.0569 -0.2287 0.05508 -0.23519 C 0.05404 -0.23889 0.05326 -0.24259 0.05209 -0.24607 C 0.04401 -0.26829 0.05013 -0.24745 0.04701 -0.25857 " pathEditMode="relative" ptsTypes="AAAAAAA">
                                       <p:cBhvr>
-                                        <p:cTn id="22" dur="2000" fill="hold"/>
+                                        <p:cTn id="34" dur="2000" fill="hold"/>
                                         <p:tgtEl>
                                           <p:spTgt spid="8"/>
                                         </p:tgtEl>
@@ -6894,26 +9867,26 @@
                     </p:cTn>
                   </p:par>
                   <p:par>
-                    <p:cTn id="23" fill="hold">
+                    <p:cTn id="35" fill="hold">
                       <p:stCondLst>
                         <p:cond delay="indefinite"/>
                       </p:stCondLst>
                       <p:childTnLst>
                         <p:par>
-                          <p:cTn id="24" fill="hold">
+                          <p:cTn id="36" fill="hold">
                             <p:stCondLst>
                               <p:cond delay="0"/>
                             </p:stCondLst>
                             <p:childTnLst>
                               <p:par>
-                                <p:cTn id="25" presetID="0" presetClass="path" presetSubtype="0" accel="50000" decel="50000" fill="hold" grpId="0" nodeType="clickEffect">
+                                <p:cTn id="37" presetID="0" presetClass="path" presetSubtype="0" accel="50000" decel="50000" fill="hold" grpId="0" nodeType="clickEffect">
                                   <p:stCondLst>
                                     <p:cond delay="0"/>
                                   </p:stCondLst>
                                   <p:childTnLst>
                                     <p:animMotion origin="layout" path="M -1.04167E-6 -1.48148E-6 L -1.04167E-6 0.00023 C 0.00365 0.00671 0.00742 0.02107 0.0112 0.01991 C 0.01693 0.01783 0.0224 0.00023 0.028 -0.01065 C 0.03008 -0.01481 0.03229 -0.01805 0.03438 -0.025 C 0.03711 -0.03472 0.03958 -0.04954 0.04232 -0.06088 C 0.05899 -0.13194 0.06406 -0.14213 0.07604 -0.21134 C 0.07813 -0.22268 0.08008 -0.2331 0.0819 -0.24722 C 0.0832 -0.25741 0.08399 -0.27176 0.08503 -0.2831 C 0.09479 -0.38287 0.08867 -0.30926 0.09596 -0.40486 C 0.09609 -0.40972 0.09636 -0.41435 0.09636 -0.41921 C 0.09649 -0.45347 0.09609 -0.43819 0.09596 -0.46227 C 0.09596 -0.46944 0.09596 -0.47662 0.09596 -0.48356 " pathEditMode="relative" rAng="0" ptsTypes="AAAAAAAAAAAAA">
                                       <p:cBhvr>
-                                        <p:cTn id="26" dur="2000" fill="hold"/>
+                                        <p:cTn id="38" dur="2000" fill="hold"/>
                                         <p:tgtEl>
                                           <p:spTgt spid="17"/>
                                         </p:tgtEl>
@@ -6934,26 +9907,26 @@
                     </p:cTn>
                   </p:par>
                   <p:par>
-                    <p:cTn id="27" fill="hold">
+                    <p:cTn id="39" fill="hold">
                       <p:stCondLst>
                         <p:cond delay="indefinite"/>
                       </p:stCondLst>
                       <p:childTnLst>
                         <p:par>
-                          <p:cTn id="28" fill="hold">
+                          <p:cTn id="40" fill="hold">
                             <p:stCondLst>
                               <p:cond delay="0"/>
                             </p:stCondLst>
                             <p:childTnLst>
                               <p:par>
-                                <p:cTn id="29" presetID="0" presetClass="path" presetSubtype="0" accel="50000" decel="50000" fill="hold" grpId="0" nodeType="clickEffect">
+                                <p:cTn id="41" presetID="0" presetClass="path" presetSubtype="0" accel="50000" decel="50000" fill="hold" grpId="0" nodeType="clickEffect">
                                   <p:stCondLst>
                                     <p:cond delay="0"/>
                                   </p:stCondLst>
                                   <p:childTnLst>
                                     <p:animMotion origin="layout" path="M 3.95833E-6 7.40741E-7 L 3.95833E-6 0.00023 L -0.1418 0.00625 C -0.14805 0.00509 -0.15391 -0.00695 -0.15977 -0.0162 C -0.16954 -0.03195 -0.18933 -0.075 -0.19792 -0.09907 C -0.21446 -0.14607 -0.21641 -0.16597 -0.22826 -0.24051 C -0.23256 -0.2669 -0.23698 -0.29306 -0.24011 -0.3213 C -0.24388 -0.35417 -0.24597 -0.38889 -0.24896 -0.42269 C -0.24974 -0.43195 -0.25144 -0.45093 -0.25144 -0.4507 C -0.25013 -0.48843 -0.25039 -0.46968 -0.25039 -0.50718 " pathEditMode="relative" rAng="0" ptsTypes="AAAAAAAAAA">
                                       <p:cBhvr>
-                                        <p:cTn id="30" dur="2000" fill="hold"/>
+                                        <p:cTn id="42" dur="2000" fill="hold"/>
                                         <p:tgtEl>
                                           <p:spTgt spid="21"/>
                                         </p:tgtEl>
@@ -6996,100 +9969,14 @@
     </p:tnLst>
     <p:bldLst>
       <p:bldP spid="19" grpId="0" animBg="1"/>
+      <p:bldP spid="19" grpId="1" animBg="1"/>
       <p:bldP spid="5" grpId="0" animBg="1"/>
+      <p:bldP spid="5" grpId="1" animBg="1"/>
       <p:bldP spid="8" grpId="0" animBg="1"/>
       <p:bldP spid="17" grpId="0" animBg="1"/>
       <p:bldP spid="21" grpId="0" animBg="1"/>
     </p:bldLst>
   </p:timing>
-</p:sld>
-</file>
-
-<file path=ppt/slides/slide9.xml><?xml version="1.0" encoding="utf-8"?>
-<p:sld xmlns:a="http://schemas.openxmlformats.org/drawingml/2006/main" xmlns:r="http://schemas.openxmlformats.org/officeDocument/2006/relationships" xmlns:p="http://schemas.openxmlformats.org/presentationml/2006/main">
-  <p:cSld>
-    <p:spTree>
-      <p:nvGrpSpPr>
-        <p:cNvPr id="1" name=""/>
-        <p:cNvGrpSpPr/>
-        <p:nvPr/>
-      </p:nvGrpSpPr>
-      <p:grpSpPr>
-        <a:xfrm>
-          <a:off x="0" y="0"/>
-          <a:ext cx="0" cy="0"/>
-          <a:chOff x="0" y="0"/>
-          <a:chExt cx="0" cy="0"/>
-        </a:xfrm>
-      </p:grpSpPr>
-      <p:sp>
-        <p:nvSpPr>
-          <p:cNvPr id="2" name="제목 1">
-            <a:extLst>
-              <a:ext uri="{FF2B5EF4-FFF2-40B4-BE49-F238E27FC236}">
-                <a16:creationId xmlns:a16="http://schemas.microsoft.com/office/drawing/2014/main" id="{87060294-DC48-E85E-E1BF-5C2951A83917}"/>
-              </a:ext>
-            </a:extLst>
-          </p:cNvPr>
-          <p:cNvSpPr>
-            <a:spLocks noGrp="1"/>
-          </p:cNvSpPr>
-          <p:nvPr>
-            <p:ph type="title"/>
-          </p:nvPr>
-        </p:nvSpPr>
-        <p:spPr/>
-        <p:txBody>
-          <a:bodyPr/>
-          <a:lstStyle/>
-          <a:p>
-            <a:r>
-              <a:rPr lang="ko-KR" altLang="en-US" dirty="0"/>
-              <a:t>중요 코드</a:t>
-            </a:r>
-          </a:p>
-        </p:txBody>
-      </p:sp>
-      <p:pic>
-        <p:nvPicPr>
-          <p:cNvPr id="5" name="그림 4">
-            <a:extLst>
-              <a:ext uri="{FF2B5EF4-FFF2-40B4-BE49-F238E27FC236}">
-                <a16:creationId xmlns:a16="http://schemas.microsoft.com/office/drawing/2014/main" id="{9252BB7D-0BBF-7831-CAA5-354F7DDC661C}"/>
-              </a:ext>
-            </a:extLst>
-          </p:cNvPr>
-          <p:cNvPicPr>
-            <a:picLocks noChangeAspect="1"/>
-          </p:cNvPicPr>
-          <p:nvPr/>
-        </p:nvPicPr>
-        <p:blipFill>
-          <a:blip r:embed="rId2"/>
-          <a:stretch>
-            <a:fillRect/>
-          </a:stretch>
-        </p:blipFill>
-        <p:spPr>
-          <a:xfrm>
-            <a:off x="1239074" y="2023384"/>
-            <a:ext cx="9713851" cy="3248463"/>
-          </a:xfrm>
-          <a:prstGeom prst="rect">
-            <a:avLst/>
-          </a:prstGeom>
-        </p:spPr>
-      </p:pic>
-    </p:spTree>
-    <p:extLst>
-      <p:ext uri="{BB962C8B-B14F-4D97-AF65-F5344CB8AC3E}">
-        <p14:creationId xmlns:p14="http://schemas.microsoft.com/office/powerpoint/2010/main" val="307193445"/>
-      </p:ext>
-    </p:extLst>
-  </p:cSld>
-  <p:clrMapOvr>
-    <a:masterClrMapping/>
-  </p:clrMapOvr>
 </p:sld>
 </file>
 

--- a/Week04/Smooth Sort.pptx
+++ b/Week04/Smooth Sort.pptx
@@ -4802,8 +4802,8 @@
           </a:p>
         </p:txBody>
       </p:sp>
-      <mc:AlternateContent xmlns:mc="http://schemas.openxmlformats.org/markup-compatibility/2006">
-        <mc:Choice xmlns:a14="http://schemas.microsoft.com/office/drawing/2010/main" Requires="a14">
+      <mc:AlternateContent xmlns:mc="http://schemas.openxmlformats.org/markup-compatibility/2006" xmlns:a14="http://schemas.microsoft.com/office/drawing/2010/main">
+        <mc:Choice Requires="a14">
           <p:sp>
             <p:nvSpPr>
               <p:cNvPr id="3" name="내용 개체 틀 2">
@@ -5075,7 +5075,7 @@
             </p:txBody>
           </p:sp>
         </mc:Choice>
-        <mc:Fallback>
+        <mc:Fallback xmlns="">
           <p:sp>
             <p:nvSpPr>
               <p:cNvPr id="3" name="내용 개체 틀 2">
@@ -5174,8 +5174,8 @@
           </a:p>
         </p:txBody>
       </p:sp>
-      <mc:AlternateContent xmlns:mc="http://schemas.openxmlformats.org/markup-compatibility/2006">
-        <mc:Choice xmlns:a14="http://schemas.microsoft.com/office/drawing/2010/main" Requires="a14">
+      <mc:AlternateContent xmlns:mc="http://schemas.openxmlformats.org/markup-compatibility/2006" xmlns:a14="http://schemas.microsoft.com/office/drawing/2010/main">
+        <mc:Choice Requires="a14">
           <p:sp>
             <p:nvSpPr>
               <p:cNvPr id="5" name="TextBox 4">
@@ -5251,7 +5251,7 @@
             </p:txBody>
           </p:sp>
         </mc:Choice>
-        <mc:Fallback>
+        <mc:Fallback xmlns="">
           <p:sp>
             <p:nvSpPr>
               <p:cNvPr id="5" name="TextBox 4">
@@ -5296,8 +5296,8 @@
           </p:sp>
         </mc:Fallback>
       </mc:AlternateContent>
-      <mc:AlternateContent xmlns:mc="http://schemas.openxmlformats.org/markup-compatibility/2006">
-        <mc:Choice xmlns:a14="http://schemas.microsoft.com/office/drawing/2010/main" Requires="a14">
+      <mc:AlternateContent xmlns:mc="http://schemas.openxmlformats.org/markup-compatibility/2006" xmlns:a14="http://schemas.microsoft.com/office/drawing/2010/main">
+        <mc:Choice Requires="a14">
           <p:sp>
             <p:nvSpPr>
               <p:cNvPr id="6" name="TextBox 5">
@@ -5350,7 +5350,7 @@
             </p:txBody>
           </p:sp>
         </mc:Choice>
-        <mc:Fallback>
+        <mc:Fallback xmlns="">
           <p:sp>
             <p:nvSpPr>
               <p:cNvPr id="6" name="TextBox 5">
@@ -7950,6 +7950,53 @@
           </a:p>
         </p:txBody>
       </p:sp>
+      <p:pic>
+        <p:nvPicPr>
+          <p:cNvPr id="4" name="Picture 2" descr="An animation depicting smoothsort's operation, showing the heap being built and then disassembled,">
+            <a:extLst>
+              <a:ext uri="{FF2B5EF4-FFF2-40B4-BE49-F238E27FC236}">
+                <a16:creationId xmlns:a16="http://schemas.microsoft.com/office/drawing/2014/main" id="{5CBB7F99-5F0B-BBC5-910B-299B8C2A17E3}"/>
+              </a:ext>
+            </a:extLst>
+          </p:cNvPr>
+          <p:cNvPicPr>
+            <a:picLocks noChangeAspect="1" noChangeArrowheads="1"/>
+          </p:cNvPicPr>
+          <p:nvPr/>
+        </p:nvPicPr>
+        <p:blipFill>
+          <a:blip r:embed="rId2">
+            <a:extLst>
+              <a:ext uri="{28A0092B-C50C-407E-A947-70E740481C1C}">
+                <a14:useLocalDpi xmlns:a14="http://schemas.microsoft.com/office/drawing/2010/main" val="0"/>
+              </a:ext>
+            </a:extLst>
+          </a:blip>
+          <a:srcRect/>
+          <a:stretch>
+            <a:fillRect/>
+          </a:stretch>
+        </p:blipFill>
+        <p:spPr bwMode="auto">
+          <a:xfrm>
+            <a:off x="4133715" y="3992585"/>
+            <a:ext cx="3451451" cy="2644162"/>
+          </a:xfrm>
+          <a:prstGeom prst="rect">
+            <a:avLst/>
+          </a:prstGeom>
+          <a:noFill/>
+          <a:extLst>
+            <a:ext uri="{909E8E84-426E-40DD-AFC4-6F175D3DCCD1}">
+              <a14:hiddenFill xmlns:a14="http://schemas.microsoft.com/office/drawing/2010/main">
+                <a:solidFill>
+                  <a:srgbClr val="FFFFFF"/>
+                </a:solidFill>
+              </a14:hiddenFill>
+            </a:ext>
+          </a:extLst>
+        </p:spPr>
+      </p:pic>
     </p:spTree>
     <p:extLst>
       <p:ext uri="{BB962C8B-B14F-4D97-AF65-F5344CB8AC3E}">
@@ -8902,6 +8949,78 @@
                       </p:childTnLst>
                     </p:cTn>
                   </p:par>
+                  <p:par>
+                    <p:cTn id="25" fill="hold">
+                      <p:stCondLst>
+                        <p:cond delay="indefinite"/>
+                      </p:stCondLst>
+                      <p:childTnLst>
+                        <p:par>
+                          <p:cTn id="26" fill="hold">
+                            <p:stCondLst>
+                              <p:cond delay="0"/>
+                            </p:stCondLst>
+                            <p:childTnLst>
+                              <p:par>
+                                <p:cTn id="27" presetID="1" presetClass="entr" presetSubtype="0" fill="hold" grpId="0" nodeType="clickEffect">
+                                  <p:stCondLst>
+                                    <p:cond delay="0"/>
+                                  </p:stCondLst>
+                                  <p:childTnLst>
+                                    <p:set>
+                                      <p:cBhvr>
+                                        <p:cTn id="28" dur="1" fill="hold">
+                                          <p:stCondLst>
+                                            <p:cond delay="0"/>
+                                          </p:stCondLst>
+                                        </p:cTn>
+                                        <p:tgtEl>
+                                          <p:spTgt spid="21"/>
+                                        </p:tgtEl>
+                                        <p:attrNameLst>
+                                          <p:attrName>style.visibility</p:attrName>
+                                        </p:attrNameLst>
+                                      </p:cBhvr>
+                                      <p:to>
+                                        <p:strVal val="visible"/>
+                                      </p:to>
+                                    </p:set>
+                                  </p:childTnLst>
+                                </p:cTn>
+                              </p:par>
+                              <p:par>
+                                <p:cTn id="29" presetID="1" presetClass="entr" presetSubtype="0" fill="hold" nodeType="withEffect">
+                                  <p:stCondLst>
+                                    <p:cond delay="0"/>
+                                  </p:stCondLst>
+                                  <p:childTnLst>
+                                    <p:set>
+                                      <p:cBhvr>
+                                        <p:cTn id="30" dur="1" fill="hold">
+                                          <p:stCondLst>
+                                            <p:cond delay="0"/>
+                                          </p:stCondLst>
+                                        </p:cTn>
+                                        <p:tgtEl>
+                                          <p:spTgt spid="20"/>
+                                        </p:tgtEl>
+                                        <p:attrNameLst>
+                                          <p:attrName>style.visibility</p:attrName>
+                                        </p:attrNameLst>
+                                      </p:cBhvr>
+                                      <p:to>
+                                        <p:strVal val="visible"/>
+                                      </p:to>
+                                    </p:set>
+                                  </p:childTnLst>
+                                </p:cTn>
+                              </p:par>
+                            </p:childTnLst>
+                          </p:cTn>
+                        </p:par>
+                      </p:childTnLst>
+                    </p:cTn>
+                  </p:par>
                 </p:childTnLst>
               </p:cTn>
               <p:prevCondLst>
@@ -8928,6 +9047,7 @@
       <p:bldP spid="5" grpId="0" animBg="1"/>
       <p:bldP spid="8" grpId="0" animBg="1"/>
       <p:bldP spid="17" grpId="0" animBg="1"/>
+      <p:bldP spid="21" grpId="0" animBg="1"/>
     </p:bldLst>
   </p:timing>
 </p:sld>
@@ -9637,7 +9757,7 @@
                                     <p:cond delay="0"/>
                                   </p:stCondLst>
                                   <p:childTnLst>
-                                    <p:animMotion origin="layout" path="M -0.04011 -0.00555 L -0.04011 -0.00532 L 0.25026 -0.00856 C 0.26862 -0.00879 0.30364 -0.01064 0.32344 -0.01157 C 0.3306 -0.0125 0.33724 -0.01365 0.34453 -0.01435 C 0.35482 -0.0155 0.36562 -0.01597 0.37591 -0.01736 C 0.44101 -0.02592 0.38528 -0.02129 0.43203 -0.02453 C 0.44362 -0.02662 0.45534 -0.02824 0.46653 -0.03032 C 0.4737 -0.03171 0.48047 -0.03356 0.48763 -0.03495 C 0.49127 -0.03541 0.49804 -0.03611 0.49804 -0.03611 " pathEditMode="relative" rAng="0" ptsTypes="AAAAAAAAAA">
+                                    <p:animMotion origin="layout" path="M -0.04011 -0.00601 L -0.04011 -0.00532 L 0.25586 -0.01273 C 0.27448 -0.01319 0.31028 -0.01736 0.33034 -0.01944 C 0.33763 -0.02152 0.34453 -0.0243 0.35195 -0.02569 C 0.3625 -0.02847 0.37344 -0.02939 0.38385 -0.03263 C 0.45026 -0.05185 0.39349 -0.04143 0.44114 -0.04884 C 0.45286 -0.05347 0.46497 -0.05717 0.4763 -0.0618 C 0.48359 -0.06504 0.49049 -0.06921 0.49778 -0.07222 C 0.50156 -0.07338 0.50859 -0.07476 0.50859 -0.0743 " pathEditMode="relative" rAng="0" ptsTypes="AAAAAAAAAA">
                                       <p:cBhvr>
                                         <p:cTn id="16" dur="2000" fill="hold"/>
                                         <p:tgtEl>
@@ -9648,7 +9768,7 @@
                                           <p:attrName>ppt_y</p:attrName>
                                         </p:attrNameLst>
                                       </p:cBhvr>
-                                      <p:rCtr x="26901" y="-1528"/>
+                                      <p:rCtr x="27435" y="-3403"/>
                                     </p:animMotion>
                                   </p:childTnLst>
                                 </p:cTn>
@@ -9805,7 +9925,7 @@
                                     <p:cond delay="0"/>
                                   </p:stCondLst>
                                   <p:childTnLst>
-                                    <p:animMotion origin="layout" path="M 3.33333E-6 -7.40741E-7 L 3.33333E-6 0.00023 C 0.27656 -0.06643 -0.0892 0.02292 0.23672 -0.06528 C 0.29062 -0.08032 0.41966 -0.11018 0.41966 -0.10995 C 0.4125 -0.13611 0.41015 -0.16204 0.40078 -0.18819 C 0.39609 -0.19768 0.41015 -0.19606 0.36328 -0.19954 " pathEditMode="relative" rAng="0" ptsTypes="AAAAAA">
+                                    <p:animMotion origin="layout" path="M -4.79167E-6 -0.00023 L -4.79167E-6 0.00023 C 0.33191 -0.10764 -0.10716 0.03681 0.28399 -0.10579 C 0.3487 -0.13009 0.50365 -0.17824 0.50365 -0.17778 C 0.49493 -0.22014 0.49219 -0.26204 0.48086 -0.30417 C 0.47527 -0.31968 0.49219 -0.3169 0.43594 -0.32245 " pathEditMode="relative" rAng="0" ptsTypes="AAAAAA">
                                       <p:cBhvr>
                                         <p:cTn id="30" dur="2000" fill="hold"/>
                                         <p:tgtEl>
@@ -9816,7 +9936,7 @@
                                           <p:attrName>ppt_y</p:attrName>
                                         </p:attrNameLst>
                                       </p:cBhvr>
-                                      <p:rCtr x="20977" y="-9977"/>
+                                      <p:rCtr x="25182" y="-16088"/>
                                     </p:animMotion>
                                   </p:childTnLst>
                                 </p:cTn>
@@ -9845,7 +9965,7 @@
                                     <p:cond delay="0"/>
                                   </p:stCondLst>
                                   <p:childTnLst>
-                                    <p:animMotion origin="layout" path="M 0.0612 0.20625 L 0.0612 0.20625 C 0.0681 0.0963 0.06472 0.16111 0.06224 -0.06944 C 0.06172 -0.11157 0.06055 -0.1537 0.05912 -0.1956 C 0.05912 -0.19792 0.0569 -0.2287 0.05508 -0.23519 C 0.05404 -0.23889 0.05326 -0.24259 0.05209 -0.24607 C 0.04401 -0.26829 0.05013 -0.24745 0.04701 -0.25857 " pathEditMode="relative" ptsTypes="AAAAAAA">
+                                    <p:animMotion origin="layout" path="M 0.06315 0.02593 L 0.06315 0.02662 C 0.05469 -0.05648 0.05886 -0.00787 0.06172 -0.18079 C 0.06211 -0.2125 0.0638 -0.24398 0.06524 -0.27546 C 0.06524 -0.27732 0.0681 -0.30023 0.07018 -0.30509 C 0.07188 -0.3081 0.07292 -0.31088 0.07396 -0.31319 C 0.0836 -0.32986 0.07656 -0.31458 0.07982 -0.32245 " pathEditMode="relative" rAng="0" ptsTypes="AAAAAAA">
                                       <p:cBhvr>
                                         <p:cTn id="34" dur="2000" fill="hold"/>
                                         <p:tgtEl>
@@ -9856,6 +9976,7 @@
                                           <p:attrName>ppt_y</p:attrName>
                                         </p:attrNameLst>
                                       </p:cBhvr>
+                                      <p:rCtr x="573" y="-17384"/>
                                     </p:animMotion>
                                   </p:childTnLst>
                                 </p:cTn>
@@ -9884,7 +10005,7 @@
                                     <p:cond delay="0"/>
                                   </p:stCondLst>
                                   <p:childTnLst>
-                                    <p:animMotion origin="layout" path="M -1.04167E-6 -1.48148E-6 L -1.04167E-6 0.00023 C 0.00365 0.00671 0.00742 0.02107 0.0112 0.01991 C 0.01693 0.01783 0.0224 0.00023 0.028 -0.01065 C 0.03008 -0.01481 0.03229 -0.01805 0.03438 -0.025 C 0.03711 -0.03472 0.03958 -0.04954 0.04232 -0.06088 C 0.05899 -0.13194 0.06406 -0.14213 0.07604 -0.21134 C 0.07813 -0.22268 0.08008 -0.2331 0.0819 -0.24722 C 0.0832 -0.25741 0.08399 -0.27176 0.08503 -0.2831 C 0.09479 -0.38287 0.08867 -0.30926 0.09596 -0.40486 C 0.09609 -0.40972 0.09636 -0.41435 0.09636 -0.41921 C 0.09649 -0.45347 0.09609 -0.43819 0.09596 -0.46227 C 0.09596 -0.46944 0.09596 -0.47662 0.09596 -0.48356 " pathEditMode="relative" rAng="0" ptsTypes="AAAAAAAAAAAAA">
+                                    <p:animMotion origin="layout" path="M 0 -0.003 L 0 -0.00277 C 0.00729 0.00463 0.01497 0.02084 0.02266 0.01991 C 0.03438 0.01737 0.04544 -0.00277 0.0569 -0.01527 C 0.06107 -0.02013 0.06563 -0.02384 0.06979 -0.03171 C 0.07539 -0.04282 0.08047 -0.05995 0.08594 -0.07291 C 0.11992 -0.15439 0.13021 -0.16597 0.15456 -0.24537 C 0.15885 -0.25856 0.16276 -0.27037 0.16654 -0.28657 C 0.16914 -0.29837 0.1707 -0.31481 0.17292 -0.32777 C 0.19271 -0.44212 0.18034 -0.35787 0.19505 -0.46736 C 0.19531 -0.47314 0.19596 -0.47847 0.19596 -0.48402 C 0.19622 -0.52314 0.19531 -0.50578 0.19505 -0.53333 C 0.19505 -0.54166 0.19505 -0.54976 0.19505 -0.55763 " pathEditMode="relative" rAng="0" ptsTypes="AAAAAAAAAAAAA">
                                       <p:cBhvr>
                                         <p:cTn id="38" dur="2000" fill="hold"/>
                                         <p:tgtEl>
@@ -9895,7 +10016,7 @@
                                           <p:attrName>ppt_y</p:attrName>
                                         </p:attrNameLst>
                                       </p:cBhvr>
-                                      <p:rCtr x="4818" y="-23194"/>
+                                      <p:rCtr x="9792" y="-26597"/>
                                     </p:animMotion>
                                   </p:childTnLst>
                                 </p:cTn>
@@ -9924,7 +10045,7 @@
                                     <p:cond delay="0"/>
                                   </p:stCondLst>
                                   <p:childTnLst>
-                                    <p:animMotion origin="layout" path="M 3.95833E-6 7.40741E-7 L 3.95833E-6 0.00023 L -0.1418 0.00625 C -0.14805 0.00509 -0.15391 -0.00695 -0.15977 -0.0162 C -0.16954 -0.03195 -0.18933 -0.075 -0.19792 -0.09907 C -0.21446 -0.14607 -0.21641 -0.16597 -0.22826 -0.24051 C -0.23256 -0.2669 -0.23698 -0.29306 -0.24011 -0.3213 C -0.24388 -0.35417 -0.24597 -0.38889 -0.24896 -0.42269 C -0.24974 -0.43195 -0.25144 -0.45093 -0.25144 -0.4507 C -0.25013 -0.48843 -0.25039 -0.46968 -0.25039 -0.50718 " pathEditMode="relative" rAng="0" ptsTypes="AAAAAAAAAA">
+                                    <p:animMotion origin="layout" path="M 2.08333E-6 -0.00069 L 2.08333E-6 -0.00046 L -0.09675 0.00625 C -0.10091 0.00486 -0.10495 -0.00833 -0.10899 -0.01852 C -0.11563 -0.03588 -0.12904 -0.08333 -0.1349 -0.10972 C -0.14623 -0.16157 -0.14753 -0.18333 -0.1556 -0.26551 C -0.1586 -0.29444 -0.16159 -0.32315 -0.16367 -0.3544 C -0.16628 -0.39051 -0.16771 -0.4287 -0.16979 -0.46597 C -0.17031 -0.47616 -0.17136 -0.49699 -0.17136 -0.49676 C -0.17057 -0.53819 -0.17071 -0.51759 -0.17071 -0.55879 " pathEditMode="relative" rAng="0" ptsTypes="AAAAAAAAAA">
                                       <p:cBhvr>
                                         <p:cTn id="42" dur="2000" fill="hold"/>
                                         <p:tgtEl>
@@ -9935,7 +10056,7 @@
                                           <p:attrName>ppt_y</p:attrName>
                                         </p:attrNameLst>
                                       </p:cBhvr>
-                                      <p:rCtr x="-12578" y="-25046"/>
+                                      <p:rCtr x="-8568" y="-27569"/>
                                     </p:animMotion>
                                   </p:childTnLst>
                                 </p:cTn>

--- a/Week04/Smooth Sort.pptx
+++ b/Week04/Smooth Sort.pptx
@@ -5,7 +5,7 @@
     <p:sldMasterId id="2147483648" r:id="rId1"/>
   </p:sldMasterIdLst>
   <p:sldIdLst>
-    <p:sldId id="256" r:id="rId2"/>
+    <p:sldId id="276" r:id="rId2"/>
     <p:sldId id="272" r:id="rId3"/>
     <p:sldId id="258" r:id="rId4"/>
     <p:sldId id="259" r:id="rId5"/>
@@ -3343,7 +3343,7 @@
           <p:cNvPr id="2" name="제목 1">
             <a:extLst>
               <a:ext uri="{FF2B5EF4-FFF2-40B4-BE49-F238E27FC236}">
-                <a16:creationId xmlns:a16="http://schemas.microsoft.com/office/drawing/2014/main" id="{F73AD667-BB6C-73AA-0F13-2D899F7898C6}"/>
+                <a16:creationId xmlns:a16="http://schemas.microsoft.com/office/drawing/2014/main" id="{45DCF257-2A8A-C152-EF8A-B74A9774BBA5}"/>
               </a:ext>
             </a:extLst>
           </p:cNvPr>
@@ -3360,37 +3360,65 @@
           <a:lstStyle/>
           <a:p>
             <a:r>
-              <a:rPr lang="en-US" altLang="ko-KR">
+              <a:rPr lang="en-US" altLang="ko-KR" dirty="0">
                 <a:latin typeface="메이플스토리" panose="02000300000000000000" pitchFamily="2" charset="-127"/>
                 <a:ea typeface="메이플스토리" panose="02000300000000000000" pitchFamily="2" charset="-127"/>
               </a:rPr>
               <a:t>Smooth</a:t>
             </a:r>
             <a:r>
-              <a:rPr lang="ko-KR" altLang="en-US">
+              <a:rPr lang="ko-KR" altLang="en-US" dirty="0">
                 <a:latin typeface="메이플스토리" panose="02000300000000000000" pitchFamily="2" charset="-127"/>
                 <a:ea typeface="메이플스토리" panose="02000300000000000000" pitchFamily="2" charset="-127"/>
               </a:rPr>
               <a:t> </a:t>
             </a:r>
             <a:r>
-              <a:rPr lang="en-US" altLang="ko-KR">
+              <a:rPr lang="en-US" altLang="ko-KR" dirty="0">
                 <a:latin typeface="메이플스토리" panose="02000300000000000000" pitchFamily="2" charset="-127"/>
                 <a:ea typeface="메이플스토리" panose="02000300000000000000" pitchFamily="2" charset="-127"/>
               </a:rPr>
               <a:t>Sort</a:t>
             </a:r>
-            <a:endParaRPr lang="ko-KR" altLang="en-US" dirty="0">
-              <a:latin typeface="메이플스토리" panose="02000300000000000000" pitchFamily="2" charset="-127"/>
-              <a:ea typeface="메이플스토리" panose="02000300000000000000" pitchFamily="2" charset="-127"/>
-            </a:endParaRPr>
+            <a:endParaRPr lang="ko-KR" altLang="en-US" dirty="0"/>
+          </a:p>
+        </p:txBody>
+      </p:sp>
+      <p:sp>
+        <p:nvSpPr>
+          <p:cNvPr id="3" name="부제목 2">
+            <a:extLst>
+              <a:ext uri="{FF2B5EF4-FFF2-40B4-BE49-F238E27FC236}">
+                <a16:creationId xmlns:a16="http://schemas.microsoft.com/office/drawing/2014/main" id="{395F937C-262E-C6E8-9A5C-12159795EAD1}"/>
+              </a:ext>
+            </a:extLst>
+          </p:cNvPr>
+          <p:cNvSpPr>
+            <a:spLocks noGrp="1"/>
+          </p:cNvSpPr>
+          <p:nvPr>
+            <p:ph type="subTitle" idx="1"/>
+          </p:nvPr>
+        </p:nvSpPr>
+        <p:spPr/>
+        <p:txBody>
+          <a:bodyPr anchor="ctr"/>
+          <a:lstStyle/>
+          <a:p>
+            <a:r>
+              <a:rPr lang="ko-KR" altLang="en-US" dirty="0">
+                <a:latin typeface="메이플스토리" panose="02000300000000000000" pitchFamily="2" charset="-127"/>
+                <a:ea typeface="메이플스토리" panose="02000300000000000000" pitchFamily="2" charset="-127"/>
+              </a:rPr>
+              <a:t>전종민</a:t>
+            </a:r>
           </a:p>
         </p:txBody>
       </p:sp>
     </p:spTree>
     <p:extLst>
       <p:ext uri="{BB962C8B-B14F-4D97-AF65-F5344CB8AC3E}">
-        <p14:creationId xmlns:p14="http://schemas.microsoft.com/office/powerpoint/2010/main" val="2119562846"/>
+        <p14:creationId xmlns:p14="http://schemas.microsoft.com/office/powerpoint/2010/main" val="2692986732"/>
       </p:ext>
     </p:extLst>
   </p:cSld>

--- a/Week04/Smooth Sort.pptx
+++ b/Week04/Smooth Sort.pptx
@@ -1,6 +1,6 @@
 
 <file path=ppt/presentation.xml><?xml version="1.0" encoding="utf-8"?>
-<p:presentation xmlns:a="http://schemas.openxmlformats.org/drawingml/2006/main" xmlns:r="http://schemas.openxmlformats.org/officeDocument/2006/relationships" xmlns:p="http://schemas.openxmlformats.org/presentationml/2006/main" saveSubsetFonts="1">
+<p:presentation xmlns:a="http://schemas.openxmlformats.org/drawingml/2006/main" xmlns:r="http://schemas.openxmlformats.org/officeDocument/2006/relationships" xmlns:p="http://schemas.openxmlformats.org/presentationml/2006/main" embedTrueTypeFonts="1" saveSubsetFonts="1">
   <p:sldMasterIdLst>
     <p:sldMasterId id="2147483648" r:id="rId1"/>
   </p:sldMasterIdLst>
@@ -21,6 +21,22 @@
   </p:sldIdLst>
   <p:sldSz cx="12192000" cy="6858000"/>
   <p:notesSz cx="6858000" cy="9144000"/>
+  <p:embeddedFontLst>
+    <p:embeddedFont>
+      <p:font typeface="맑은 고딕" panose="020B0503020000020004" pitchFamily="50" charset="-127"/>
+      <p:regular r:id="rId15"/>
+      <p:bold r:id="rId16"/>
+    </p:embeddedFont>
+    <p:embeddedFont>
+      <p:font typeface="메이플스토리" panose="02000300000000000000" pitchFamily="2" charset="-127"/>
+      <p:regular r:id="rId17"/>
+      <p:bold r:id="rId18"/>
+    </p:embeddedFont>
+    <p:embeddedFont>
+      <p:font typeface="Cambria Math" panose="02040503050406030204" pitchFamily="18" charset="0"/>
+      <p:regular r:id="rId19"/>
+    </p:embeddedFont>
+  </p:embeddedFontLst>
   <p:defaultTextStyle>
     <a:defPPr>
       <a:defRPr lang="ko-KR"/>
